--- a/5_Präsentation/Projektpräsentation_Serfling.pptx
+++ b/5_Präsentation/Projektpräsentation_Serfling.pptx
@@ -125,7 +125,7 @@
   </p:defaultTextStyle>
   <p:extLst>
     <p:ext uri="{EFAFB233-063F-42B5-8137-9DF3F51BA10A}">
-      <p15:sldGuideLst xmlns="" xmlns:p15="http://schemas.microsoft.com/office/powerpoint/2012/main">
+      <p15:sldGuideLst xmlns:p15="http://schemas.microsoft.com/office/powerpoint/2012/main" xmlns="">
         <p15:guide id="1" orient="horz" pos="2160">
           <p15:clr>
             <a:srgbClr val="A4A3A4"/>
@@ -224,7 +224,7 @@
           <a:p>
             <a:fld id="{90F09366-0DA2-404A-A91F-D59506B6032C}" type="datetimeFigureOut">
               <a:rPr lang="en-US" smtClean="0"/>
-              <a:t>3/31/2016</a:t>
+              <a:t>4/1/2016</a:t>
             </a:fld>
             <a:endParaRPr lang="en-US"/>
           </a:p>
@@ -605,7 +605,7 @@
           <a:p>
             <a:fld id="{1E35A5A4-3185-44AB-AEEB-6B2FF51973C9}" type="datetimeFigureOut">
               <a:rPr lang="de-DE" smtClean="0"/>
-              <a:t>31.03.2016</a:t>
+              <a:t>01.04.2016</a:t>
             </a:fld>
             <a:endParaRPr lang="de-DE"/>
           </a:p>
@@ -922,7 +922,7 @@
           <a:p>
             <a:fld id="{1E35A5A4-3185-44AB-AEEB-6B2FF51973C9}" type="datetimeFigureOut">
               <a:rPr lang="de-DE" smtClean="0"/>
-              <a:t>31.03.2016</a:t>
+              <a:t>01.04.2016</a:t>
             </a:fld>
             <a:endParaRPr lang="de-DE"/>
           </a:p>
@@ -1092,7 +1092,7 @@
           <a:p>
             <a:fld id="{1E35A5A4-3185-44AB-AEEB-6B2FF51973C9}" type="datetimeFigureOut">
               <a:rPr lang="de-DE" smtClean="0"/>
-              <a:t>31.03.2016</a:t>
+              <a:t>01.04.2016</a:t>
             </a:fld>
             <a:endParaRPr lang="de-DE"/>
           </a:p>
@@ -1272,7 +1272,7 @@
           <a:p>
             <a:fld id="{1E35A5A4-3185-44AB-AEEB-6B2FF51973C9}" type="datetimeFigureOut">
               <a:rPr lang="de-DE" smtClean="0"/>
-              <a:t>31.03.2016</a:t>
+              <a:t>01.04.2016</a:t>
             </a:fld>
             <a:endParaRPr lang="de-DE"/>
           </a:p>
@@ -2792,7 +2792,7 @@
           <a:p>
             <a:fld id="{1E35A5A4-3185-44AB-AEEB-6B2FF51973C9}" type="datetimeFigureOut">
               <a:rPr lang="de-DE" smtClean="0"/>
-              <a:t>31.03.2016</a:t>
+              <a:t>01.04.2016</a:t>
             </a:fld>
             <a:endParaRPr lang="de-DE"/>
           </a:p>
@@ -3031,7 +3031,7 @@
           <a:p>
             <a:fld id="{1E35A5A4-3185-44AB-AEEB-6B2FF51973C9}" type="datetimeFigureOut">
               <a:rPr lang="de-DE" smtClean="0"/>
-              <a:t>31.03.2016</a:t>
+              <a:t>01.04.2016</a:t>
             </a:fld>
             <a:endParaRPr lang="de-DE"/>
           </a:p>
@@ -3405,7 +3405,7 @@
           <a:p>
             <a:fld id="{1E35A5A4-3185-44AB-AEEB-6B2FF51973C9}" type="datetimeFigureOut">
               <a:rPr lang="de-DE" smtClean="0"/>
-              <a:t>31.03.2016</a:t>
+              <a:t>01.04.2016</a:t>
             </a:fld>
             <a:endParaRPr lang="de-DE"/>
           </a:p>
@@ -3530,7 +3530,7 @@
           <a:p>
             <a:fld id="{1E35A5A4-3185-44AB-AEEB-6B2FF51973C9}" type="datetimeFigureOut">
               <a:rPr lang="de-DE" smtClean="0"/>
-              <a:t>31.03.2016</a:t>
+              <a:t>01.04.2016</a:t>
             </a:fld>
             <a:endParaRPr lang="de-DE"/>
           </a:p>
@@ -3632,7 +3632,7 @@
           <a:p>
             <a:fld id="{1E35A5A4-3185-44AB-AEEB-6B2FF51973C9}" type="datetimeFigureOut">
               <a:rPr lang="de-DE" smtClean="0"/>
-              <a:t>31.03.2016</a:t>
+              <a:t>01.04.2016</a:t>
             </a:fld>
             <a:endParaRPr lang="de-DE"/>
           </a:p>
@@ -3916,7 +3916,7 @@
           <a:p>
             <a:fld id="{1E35A5A4-3185-44AB-AEEB-6B2FF51973C9}" type="datetimeFigureOut">
               <a:rPr lang="de-DE" smtClean="0"/>
-              <a:t>31.03.2016</a:t>
+              <a:t>01.04.2016</a:t>
             </a:fld>
             <a:endParaRPr lang="de-DE"/>
           </a:p>
@@ -4129,7 +4129,7 @@
           <a:p>
             <a:fld id="{1E35A5A4-3185-44AB-AEEB-6B2FF51973C9}" type="datetimeFigureOut">
               <a:rPr lang="de-DE" smtClean="0"/>
-              <a:t>31.03.2016</a:t>
+              <a:t>01.04.2016</a:t>
             </a:fld>
             <a:endParaRPr lang="de-DE"/>
           </a:p>
@@ -7052,35 +7052,6 @@
           </a:p>
         </p:txBody>
       </p:sp>
-      <p:pic>
-        <p:nvPicPr>
-          <p:cNvPr id="9" name="Inhaltsplatzhalter 8"/>
-          <p:cNvPicPr>
-            <a:picLocks noGrp="1" noChangeAspect="1"/>
-          </p:cNvPicPr>
-          <p:nvPr>
-            <p:ph idx="1"/>
-          </p:nvPr>
-        </p:nvPicPr>
-        <p:blipFill>
-          <a:blip r:embed="rId2">
-            <a:extLst>
-              <a:ext uri="{28A0092B-C50C-407E-A947-70E740481C1C}">
-                <a14:useLocalDpi xmlns:a14="http://schemas.microsoft.com/office/drawing/2010/main" val="0"/>
-              </a:ext>
-            </a:extLst>
-          </a:blip>
-          <a:stretch>
-            <a:fillRect/>
-          </a:stretch>
-        </p:blipFill>
-        <p:spPr>
-          <a:xfrm>
-            <a:off x="6288525" y="2153060"/>
-            <a:ext cx="4370745" cy="1456915"/>
-          </a:xfrm>
-        </p:spPr>
-      </p:pic>
       <p:sp>
         <p:nvSpPr>
           <p:cNvPr id="4" name="Inhaltsplatzhalter 3"/>
@@ -7195,6 +7166,696 @@
           <a:lstStyle/>
           <a:p>
             <a:endParaRPr lang="de-DE"/>
+          </a:p>
+        </p:txBody>
+      </p:sp>
+      <p:sp>
+        <p:nvSpPr>
+          <p:cNvPr id="12" name="Rechteck 11"/>
+          <p:cNvSpPr/>
+          <p:nvPr/>
+        </p:nvSpPr>
+        <p:spPr>
+          <a:xfrm>
+            <a:off x="928914" y="2046507"/>
+            <a:ext cx="1988457" cy="841829"/>
+          </a:xfrm>
+          <a:prstGeom prst="rect">
+            <a:avLst/>
+          </a:prstGeom>
+          <a:solidFill>
+            <a:srgbClr val="7030A0"/>
+          </a:solidFill>
+          <a:ln>
+            <a:noFill/>
+          </a:ln>
+        </p:spPr>
+        <p:style>
+          <a:lnRef idx="2">
+            <a:schemeClr val="accent1">
+              <a:shade val="50000"/>
+            </a:schemeClr>
+          </a:lnRef>
+          <a:fillRef idx="1">
+            <a:schemeClr val="accent1"/>
+          </a:fillRef>
+          <a:effectRef idx="0">
+            <a:schemeClr val="accent1"/>
+          </a:effectRef>
+          <a:fontRef idx="minor">
+            <a:schemeClr val="lt1"/>
+          </a:fontRef>
+        </p:style>
+        <p:txBody>
+          <a:bodyPr rtlCol="0" anchor="ctr"/>
+          <a:lstStyle/>
+          <a:p>
+            <a:pPr algn="ctr"/>
+            <a:r>
+              <a:rPr lang="de-DE" sz="2400" dirty="0" smtClean="0"/>
+              <a:t>Verwendung in Schulen</a:t>
+            </a:r>
+            <a:endParaRPr lang="de-DE" sz="2400" dirty="0"/>
+          </a:p>
+        </p:txBody>
+      </p:sp>
+      <p:sp>
+        <p:nvSpPr>
+          <p:cNvPr id="13" name="Pfeil nach rechts 12"/>
+          <p:cNvSpPr/>
+          <p:nvPr/>
+        </p:nvSpPr>
+        <p:spPr>
+          <a:xfrm>
+            <a:off x="2917370" y="2177138"/>
+            <a:ext cx="2119087" cy="580565"/>
+          </a:xfrm>
+          <a:prstGeom prst="rightArrow">
+            <a:avLst/>
+          </a:prstGeom>
+          <a:solidFill>
+            <a:srgbClr val="7030A0"/>
+          </a:solidFill>
+          <a:ln>
+            <a:noFill/>
+          </a:ln>
+        </p:spPr>
+        <p:style>
+          <a:lnRef idx="2">
+            <a:schemeClr val="accent1">
+              <a:shade val="50000"/>
+            </a:schemeClr>
+          </a:lnRef>
+          <a:fillRef idx="1">
+            <a:schemeClr val="accent1"/>
+          </a:fillRef>
+          <a:effectRef idx="0">
+            <a:schemeClr val="accent1"/>
+          </a:effectRef>
+          <a:fontRef idx="minor">
+            <a:schemeClr val="lt1"/>
+          </a:fontRef>
+        </p:style>
+        <p:txBody>
+          <a:bodyPr rtlCol="0" anchor="ctr"/>
+          <a:lstStyle/>
+          <a:p>
+            <a:pPr algn="ctr"/>
+            <a:endParaRPr lang="de-DE"/>
+          </a:p>
+        </p:txBody>
+      </p:sp>
+      <p:sp>
+        <p:nvSpPr>
+          <p:cNvPr id="14" name="Rechteck 13"/>
+          <p:cNvSpPr/>
+          <p:nvPr/>
+        </p:nvSpPr>
+        <p:spPr>
+          <a:xfrm>
+            <a:off x="5036457" y="2046505"/>
+            <a:ext cx="6284686" cy="841829"/>
+          </a:xfrm>
+          <a:prstGeom prst="rect">
+            <a:avLst/>
+          </a:prstGeom>
+          <a:solidFill>
+            <a:srgbClr val="7030A0"/>
+          </a:solidFill>
+          <a:ln>
+            <a:noFill/>
+          </a:ln>
+        </p:spPr>
+        <p:style>
+          <a:lnRef idx="2">
+            <a:schemeClr val="accent1">
+              <a:shade val="50000"/>
+            </a:schemeClr>
+          </a:lnRef>
+          <a:fillRef idx="1">
+            <a:schemeClr val="accent1"/>
+          </a:fillRef>
+          <a:effectRef idx="0">
+            <a:schemeClr val="accent1"/>
+          </a:effectRef>
+          <a:fontRef idx="minor">
+            <a:schemeClr val="lt1"/>
+          </a:fontRef>
+        </p:style>
+        <p:txBody>
+          <a:bodyPr rtlCol="0" anchor="ctr"/>
+          <a:lstStyle/>
+          <a:p>
+            <a:pPr algn="ctr"/>
+            <a:r>
+              <a:rPr lang="de-DE" sz="2800" dirty="0" smtClean="0"/>
+              <a:t>Wachstumsstrategie: Bereitstellung des Produkts für </a:t>
+            </a:r>
+            <a:r>
+              <a:rPr lang="de-DE" sz="2800" dirty="0" err="1" smtClean="0"/>
+              <a:t>öffentl</a:t>
+            </a:r>
+            <a:r>
+              <a:rPr lang="de-DE" sz="2800" dirty="0" smtClean="0"/>
+              <a:t>. Einrichtungen</a:t>
+            </a:r>
+            <a:endParaRPr lang="de-DE" sz="2800" dirty="0"/>
+          </a:p>
+        </p:txBody>
+      </p:sp>
+      <p:sp>
+        <p:nvSpPr>
+          <p:cNvPr id="15" name="Textfeld 14"/>
+          <p:cNvSpPr txBox="1"/>
+          <p:nvPr/>
+        </p:nvSpPr>
+        <p:spPr>
+          <a:xfrm>
+            <a:off x="1381166" y="1584839"/>
+            <a:ext cx="859531" cy="461665"/>
+          </a:xfrm>
+          <a:prstGeom prst="rect">
+            <a:avLst/>
+          </a:prstGeom>
+          <a:noFill/>
+        </p:spPr>
+        <p:txBody>
+          <a:bodyPr wrap="none" rtlCol="0">
+            <a:spAutoFit/>
+          </a:bodyPr>
+          <a:lstStyle/>
+          <a:p>
+            <a:r>
+              <a:rPr lang="de-DE" sz="2400" dirty="0" smtClean="0"/>
+              <a:t>Ziele:</a:t>
+            </a:r>
+            <a:endParaRPr lang="de-DE" sz="2400" dirty="0"/>
+          </a:p>
+        </p:txBody>
+      </p:sp>
+      <p:sp>
+        <p:nvSpPr>
+          <p:cNvPr id="16" name="Textfeld 15"/>
+          <p:cNvSpPr txBox="1"/>
+          <p:nvPr/>
+        </p:nvSpPr>
+        <p:spPr>
+          <a:xfrm>
+            <a:off x="2801206" y="1584840"/>
+            <a:ext cx="2351413" cy="461665"/>
+          </a:xfrm>
+          <a:prstGeom prst="rect">
+            <a:avLst/>
+          </a:prstGeom>
+          <a:noFill/>
+        </p:spPr>
+        <p:txBody>
+          <a:bodyPr wrap="none" rtlCol="0">
+            <a:spAutoFit/>
+          </a:bodyPr>
+          <a:lstStyle/>
+          <a:p>
+            <a:r>
+              <a:rPr lang="de-DE" sz="2400" dirty="0"/>
+              <a:t>e</a:t>
+            </a:r>
+            <a:r>
+              <a:rPr lang="de-DE" sz="2400" dirty="0" smtClean="0"/>
+              <a:t>rreichbar durch:</a:t>
+            </a:r>
+            <a:endParaRPr lang="de-DE" sz="2400" dirty="0"/>
+          </a:p>
+        </p:txBody>
+      </p:sp>
+      <p:sp>
+        <p:nvSpPr>
+          <p:cNvPr id="17" name="Textfeld 16"/>
+          <p:cNvSpPr txBox="1"/>
+          <p:nvPr/>
+        </p:nvSpPr>
+        <p:spPr>
+          <a:xfrm>
+            <a:off x="7409038" y="1530960"/>
+            <a:ext cx="1539524" cy="461665"/>
+          </a:xfrm>
+          <a:prstGeom prst="rect">
+            <a:avLst/>
+          </a:prstGeom>
+          <a:noFill/>
+        </p:spPr>
+        <p:txBody>
+          <a:bodyPr wrap="none" rtlCol="0">
+            <a:spAutoFit/>
+          </a:bodyPr>
+          <a:lstStyle/>
+          <a:p>
+            <a:r>
+              <a:rPr lang="de-DE" sz="2400" dirty="0" smtClean="0"/>
+              <a:t>Strategien:</a:t>
+            </a:r>
+            <a:endParaRPr lang="de-DE" sz="2400" dirty="0"/>
+          </a:p>
+        </p:txBody>
+      </p:sp>
+      <p:sp>
+        <p:nvSpPr>
+          <p:cNvPr id="18" name="Rechteck 17"/>
+          <p:cNvSpPr/>
+          <p:nvPr/>
+        </p:nvSpPr>
+        <p:spPr>
+          <a:xfrm>
+            <a:off x="921660" y="3113289"/>
+            <a:ext cx="1988457" cy="841829"/>
+          </a:xfrm>
+          <a:prstGeom prst="rect">
+            <a:avLst/>
+          </a:prstGeom>
+          <a:solidFill>
+            <a:srgbClr val="7030A0"/>
+          </a:solidFill>
+          <a:ln>
+            <a:noFill/>
+          </a:ln>
+        </p:spPr>
+        <p:style>
+          <a:lnRef idx="2">
+            <a:schemeClr val="accent1">
+              <a:shade val="50000"/>
+            </a:schemeClr>
+          </a:lnRef>
+          <a:fillRef idx="1">
+            <a:schemeClr val="accent1"/>
+          </a:fillRef>
+          <a:effectRef idx="0">
+            <a:schemeClr val="accent1"/>
+          </a:effectRef>
+          <a:fontRef idx="minor">
+            <a:schemeClr val="lt1"/>
+          </a:fontRef>
+        </p:style>
+        <p:txBody>
+          <a:bodyPr rtlCol="0" anchor="ctr"/>
+          <a:lstStyle/>
+          <a:p>
+            <a:pPr algn="ctr"/>
+            <a:r>
+              <a:rPr lang="de-DE" sz="2400" dirty="0" smtClean="0"/>
+              <a:t>Bei Google zu finden</a:t>
+            </a:r>
+            <a:endParaRPr lang="de-DE" sz="2400" dirty="0"/>
+          </a:p>
+        </p:txBody>
+      </p:sp>
+      <p:sp>
+        <p:nvSpPr>
+          <p:cNvPr id="19" name="Pfeil nach rechts 18"/>
+          <p:cNvSpPr/>
+          <p:nvPr/>
+        </p:nvSpPr>
+        <p:spPr>
+          <a:xfrm>
+            <a:off x="2910116" y="3243920"/>
+            <a:ext cx="2119087" cy="580565"/>
+          </a:xfrm>
+          <a:prstGeom prst="rightArrow">
+            <a:avLst/>
+          </a:prstGeom>
+          <a:solidFill>
+            <a:srgbClr val="7030A0"/>
+          </a:solidFill>
+          <a:ln>
+            <a:noFill/>
+          </a:ln>
+        </p:spPr>
+        <p:style>
+          <a:lnRef idx="2">
+            <a:schemeClr val="accent1">
+              <a:shade val="50000"/>
+            </a:schemeClr>
+          </a:lnRef>
+          <a:fillRef idx="1">
+            <a:schemeClr val="accent1"/>
+          </a:fillRef>
+          <a:effectRef idx="0">
+            <a:schemeClr val="accent1"/>
+          </a:effectRef>
+          <a:fontRef idx="minor">
+            <a:schemeClr val="lt1"/>
+          </a:fontRef>
+        </p:style>
+        <p:txBody>
+          <a:bodyPr rtlCol="0" anchor="ctr"/>
+          <a:lstStyle/>
+          <a:p>
+            <a:pPr algn="ctr"/>
+            <a:endParaRPr lang="de-DE"/>
+          </a:p>
+        </p:txBody>
+      </p:sp>
+      <p:sp>
+        <p:nvSpPr>
+          <p:cNvPr id="20" name="Rechteck 19"/>
+          <p:cNvSpPr/>
+          <p:nvPr/>
+        </p:nvSpPr>
+        <p:spPr>
+          <a:xfrm>
+            <a:off x="5029203" y="3113287"/>
+            <a:ext cx="6284686" cy="841829"/>
+          </a:xfrm>
+          <a:prstGeom prst="rect">
+            <a:avLst/>
+          </a:prstGeom>
+          <a:solidFill>
+            <a:srgbClr val="7030A0"/>
+          </a:solidFill>
+          <a:ln>
+            <a:noFill/>
+          </a:ln>
+        </p:spPr>
+        <p:style>
+          <a:lnRef idx="2">
+            <a:schemeClr val="accent1">
+              <a:shade val="50000"/>
+            </a:schemeClr>
+          </a:lnRef>
+          <a:fillRef idx="1">
+            <a:schemeClr val="accent1"/>
+          </a:fillRef>
+          <a:effectRef idx="0">
+            <a:schemeClr val="accent1"/>
+          </a:effectRef>
+          <a:fontRef idx="minor">
+            <a:schemeClr val="lt1"/>
+          </a:fontRef>
+        </p:style>
+        <p:txBody>
+          <a:bodyPr rtlCol="0" anchor="ctr"/>
+          <a:lstStyle/>
+          <a:p>
+            <a:pPr algn="ctr"/>
+            <a:r>
+              <a:rPr lang="de-DE" sz="2800" dirty="0" smtClean="0"/>
+              <a:t>Suchmaschinenoptimierung</a:t>
+            </a:r>
+            <a:endParaRPr lang="de-DE" sz="2800" dirty="0"/>
+          </a:p>
+        </p:txBody>
+      </p:sp>
+      <p:sp>
+        <p:nvSpPr>
+          <p:cNvPr id="21" name="Rechteck 20"/>
+          <p:cNvSpPr/>
+          <p:nvPr/>
+        </p:nvSpPr>
+        <p:spPr>
+          <a:xfrm>
+            <a:off x="921660" y="4172811"/>
+            <a:ext cx="1988457" cy="841829"/>
+          </a:xfrm>
+          <a:prstGeom prst="rect">
+            <a:avLst/>
+          </a:prstGeom>
+          <a:solidFill>
+            <a:srgbClr val="7030A0"/>
+          </a:solidFill>
+          <a:ln>
+            <a:noFill/>
+          </a:ln>
+        </p:spPr>
+        <p:style>
+          <a:lnRef idx="2">
+            <a:schemeClr val="accent1">
+              <a:shade val="50000"/>
+            </a:schemeClr>
+          </a:lnRef>
+          <a:fillRef idx="1">
+            <a:schemeClr val="accent1"/>
+          </a:fillRef>
+          <a:effectRef idx="0">
+            <a:schemeClr val="accent1"/>
+          </a:effectRef>
+          <a:fontRef idx="minor">
+            <a:schemeClr val="lt1"/>
+          </a:fontRef>
+        </p:style>
+        <p:txBody>
+          <a:bodyPr rtlCol="0" anchor="ctr"/>
+          <a:lstStyle/>
+          <a:p>
+            <a:pPr algn="ctr"/>
+            <a:r>
+              <a:rPr lang="de-DE" sz="2400" dirty="0" smtClean="0"/>
+              <a:t>Nutzerzahlen steigern</a:t>
+            </a:r>
+            <a:endParaRPr lang="de-DE" sz="2400" dirty="0"/>
+          </a:p>
+        </p:txBody>
+      </p:sp>
+      <p:sp>
+        <p:nvSpPr>
+          <p:cNvPr id="22" name="Pfeil nach rechts 21"/>
+          <p:cNvSpPr/>
+          <p:nvPr/>
+        </p:nvSpPr>
+        <p:spPr>
+          <a:xfrm>
+            <a:off x="2910116" y="4303442"/>
+            <a:ext cx="2119087" cy="580565"/>
+          </a:xfrm>
+          <a:prstGeom prst="rightArrow">
+            <a:avLst/>
+          </a:prstGeom>
+          <a:solidFill>
+            <a:srgbClr val="7030A0"/>
+          </a:solidFill>
+          <a:ln>
+            <a:noFill/>
+          </a:ln>
+        </p:spPr>
+        <p:style>
+          <a:lnRef idx="2">
+            <a:schemeClr val="accent1">
+              <a:shade val="50000"/>
+            </a:schemeClr>
+          </a:lnRef>
+          <a:fillRef idx="1">
+            <a:schemeClr val="accent1"/>
+          </a:fillRef>
+          <a:effectRef idx="0">
+            <a:schemeClr val="accent1"/>
+          </a:effectRef>
+          <a:fontRef idx="minor">
+            <a:schemeClr val="lt1"/>
+          </a:fontRef>
+        </p:style>
+        <p:txBody>
+          <a:bodyPr rtlCol="0" anchor="ctr"/>
+          <a:lstStyle/>
+          <a:p>
+            <a:pPr algn="ctr"/>
+            <a:endParaRPr lang="de-DE"/>
+          </a:p>
+        </p:txBody>
+      </p:sp>
+      <p:sp>
+        <p:nvSpPr>
+          <p:cNvPr id="23" name="Rechteck 22"/>
+          <p:cNvSpPr/>
+          <p:nvPr/>
+        </p:nvSpPr>
+        <p:spPr>
+          <a:xfrm>
+            <a:off x="5029203" y="4172809"/>
+            <a:ext cx="6284686" cy="841829"/>
+          </a:xfrm>
+          <a:prstGeom prst="rect">
+            <a:avLst/>
+          </a:prstGeom>
+          <a:solidFill>
+            <a:srgbClr val="7030A0"/>
+          </a:solidFill>
+          <a:ln>
+            <a:noFill/>
+          </a:ln>
+        </p:spPr>
+        <p:style>
+          <a:lnRef idx="2">
+            <a:schemeClr val="accent1">
+              <a:shade val="50000"/>
+            </a:schemeClr>
+          </a:lnRef>
+          <a:fillRef idx="1">
+            <a:schemeClr val="accent1"/>
+          </a:fillRef>
+          <a:effectRef idx="0">
+            <a:schemeClr val="accent1"/>
+          </a:effectRef>
+          <a:fontRef idx="minor">
+            <a:schemeClr val="lt1"/>
+          </a:fontRef>
+        </p:style>
+        <p:txBody>
+          <a:bodyPr rtlCol="0" anchor="ctr"/>
+          <a:lstStyle/>
+          <a:p>
+            <a:pPr algn="ctr"/>
+            <a:r>
+              <a:rPr lang="de-DE" sz="2800" dirty="0" err="1" smtClean="0"/>
+              <a:t>Social</a:t>
+            </a:r>
+            <a:r>
+              <a:rPr lang="de-DE" sz="2800" dirty="0" smtClean="0"/>
+              <a:t> Media-Präsenz, Werbepartner in Printmedien</a:t>
+            </a:r>
+            <a:endParaRPr lang="de-DE" sz="2800" dirty="0"/>
+          </a:p>
+        </p:txBody>
+      </p:sp>
+      <p:sp>
+        <p:nvSpPr>
+          <p:cNvPr id="24" name="Rechteck 23"/>
+          <p:cNvSpPr/>
+          <p:nvPr/>
+        </p:nvSpPr>
+        <p:spPr>
+          <a:xfrm>
+            <a:off x="936174" y="5203305"/>
+            <a:ext cx="1988457" cy="841829"/>
+          </a:xfrm>
+          <a:prstGeom prst="rect">
+            <a:avLst/>
+          </a:prstGeom>
+          <a:solidFill>
+            <a:srgbClr val="7030A0"/>
+          </a:solidFill>
+          <a:ln>
+            <a:noFill/>
+          </a:ln>
+        </p:spPr>
+        <p:style>
+          <a:lnRef idx="2">
+            <a:schemeClr val="accent1">
+              <a:shade val="50000"/>
+            </a:schemeClr>
+          </a:lnRef>
+          <a:fillRef idx="1">
+            <a:schemeClr val="accent1"/>
+          </a:fillRef>
+          <a:effectRef idx="0">
+            <a:schemeClr val="accent1"/>
+          </a:effectRef>
+          <a:fontRef idx="minor">
+            <a:schemeClr val="lt1"/>
+          </a:fontRef>
+        </p:style>
+        <p:txBody>
+          <a:bodyPr rtlCol="0" anchor="ctr"/>
+          <a:lstStyle/>
+          <a:p>
+            <a:pPr algn="ctr"/>
+            <a:r>
+              <a:rPr lang="de-DE" sz="2400" dirty="0" smtClean="0"/>
+              <a:t>Verwendung in Firmen</a:t>
+            </a:r>
+            <a:endParaRPr lang="de-DE" sz="2400" dirty="0"/>
+          </a:p>
+        </p:txBody>
+      </p:sp>
+      <p:sp>
+        <p:nvSpPr>
+          <p:cNvPr id="25" name="Pfeil nach rechts 24"/>
+          <p:cNvSpPr/>
+          <p:nvPr/>
+        </p:nvSpPr>
+        <p:spPr>
+          <a:xfrm>
+            <a:off x="2924630" y="5333936"/>
+            <a:ext cx="2119087" cy="580565"/>
+          </a:xfrm>
+          <a:prstGeom prst="rightArrow">
+            <a:avLst/>
+          </a:prstGeom>
+          <a:solidFill>
+            <a:srgbClr val="7030A0"/>
+          </a:solidFill>
+          <a:ln>
+            <a:noFill/>
+          </a:ln>
+        </p:spPr>
+        <p:style>
+          <a:lnRef idx="2">
+            <a:schemeClr val="accent1">
+              <a:shade val="50000"/>
+            </a:schemeClr>
+          </a:lnRef>
+          <a:fillRef idx="1">
+            <a:schemeClr val="accent1"/>
+          </a:fillRef>
+          <a:effectRef idx="0">
+            <a:schemeClr val="accent1"/>
+          </a:effectRef>
+          <a:fontRef idx="minor">
+            <a:schemeClr val="lt1"/>
+          </a:fontRef>
+        </p:style>
+        <p:txBody>
+          <a:bodyPr rtlCol="0" anchor="ctr"/>
+          <a:lstStyle/>
+          <a:p>
+            <a:pPr algn="ctr"/>
+            <a:endParaRPr lang="de-DE"/>
+          </a:p>
+        </p:txBody>
+      </p:sp>
+      <p:sp>
+        <p:nvSpPr>
+          <p:cNvPr id="26" name="Rechteck 25"/>
+          <p:cNvSpPr/>
+          <p:nvPr/>
+        </p:nvSpPr>
+        <p:spPr>
+          <a:xfrm>
+            <a:off x="5043717" y="5203303"/>
+            <a:ext cx="6284686" cy="841829"/>
+          </a:xfrm>
+          <a:prstGeom prst="rect">
+            <a:avLst/>
+          </a:prstGeom>
+          <a:solidFill>
+            <a:srgbClr val="7030A0"/>
+          </a:solidFill>
+          <a:ln>
+            <a:noFill/>
+          </a:ln>
+        </p:spPr>
+        <p:style>
+          <a:lnRef idx="2">
+            <a:schemeClr val="accent1">
+              <a:shade val="50000"/>
+            </a:schemeClr>
+          </a:lnRef>
+          <a:fillRef idx="1">
+            <a:schemeClr val="accent1"/>
+          </a:fillRef>
+          <a:effectRef idx="0">
+            <a:schemeClr val="accent1"/>
+          </a:effectRef>
+          <a:fontRef idx="minor">
+            <a:schemeClr val="lt1"/>
+          </a:fontRef>
+        </p:style>
+        <p:txBody>
+          <a:bodyPr rtlCol="0" anchor="ctr"/>
+          <a:lstStyle/>
+          <a:p>
+            <a:pPr algn="ctr"/>
+            <a:r>
+              <a:rPr lang="de-DE" sz="2800" dirty="0" smtClean="0"/>
+              <a:t>Trennung von kostenloser und Enterprise-Version</a:t>
+            </a:r>
+            <a:endParaRPr lang="de-DE" sz="2800" dirty="0"/>
           </a:p>
         </p:txBody>
       </p:sp>
@@ -8196,7 +8857,6 @@
               <a:rPr lang="de-DE" sz="2400" dirty="0" smtClean="0"/>
               <a:t>Nutzung des eigenen Produkts</a:t>
             </a:r>
-            <a:endParaRPr lang="de-DE" sz="2400" dirty="0" smtClean="0"/>
           </a:p>
           <a:p>
             <a:pPr marL="285750" indent="-285750">
@@ -10120,7 +10780,7 @@
   <a:extraClrSchemeLst/>
   <a:extLst>
     <a:ext uri="{05A4C25C-085E-4340-85A3-A5531E510DB2}">
-      <thm15:themeFamily xmlns="" xmlns:thm15="http://schemas.microsoft.com/office/thememl/2012/main" name="Office Theme" id="{62F939B6-93AF-4DB8-9C6B-D6C7DFDC589F}" vid="{4A3C46E8-61CC-4603-A589-7422A47A8E4A}"/>
+      <thm15:themeFamily xmlns:thm15="http://schemas.microsoft.com/office/thememl/2012/main" xmlns="" name="Office Theme" id="{62F939B6-93AF-4DB8-9C6B-D6C7DFDC589F}" vid="{4A3C46E8-61CC-4603-A589-7422A47A8E4A}"/>
     </a:ext>
   </a:extLst>
 </a:theme>

--- a/5_Präsentation/Projektpräsentation_Serfling.pptx
+++ b/5_Präsentation/Projektpräsentation_Serfling.pptx
@@ -5,7 +5,7 @@
     <p:sldMasterId id="2147483648" r:id="rId1"/>
   </p:sldMasterIdLst>
   <p:notesMasterIdLst>
-    <p:notesMasterId r:id="rId19"/>
+    <p:notesMasterId r:id="rId21"/>
   </p:notesMasterIdLst>
   <p:sldIdLst>
     <p:sldId id="256" r:id="rId2"/>
@@ -21,10 +21,12 @@
     <p:sldId id="272" r:id="rId12"/>
     <p:sldId id="265" r:id="rId13"/>
     <p:sldId id="267" r:id="rId14"/>
-    <p:sldId id="268" r:id="rId15"/>
-    <p:sldId id="269" r:id="rId16"/>
-    <p:sldId id="270" r:id="rId17"/>
-    <p:sldId id="271" r:id="rId18"/>
+    <p:sldId id="273" r:id="rId15"/>
+    <p:sldId id="268" r:id="rId16"/>
+    <p:sldId id="274" r:id="rId17"/>
+    <p:sldId id="269" r:id="rId18"/>
+    <p:sldId id="270" r:id="rId19"/>
+    <p:sldId id="271" r:id="rId20"/>
   </p:sldIdLst>
   <p:sldSz cx="12192000" cy="6858000"/>
   <p:notesSz cx="6858000" cy="9144000"/>
@@ -125,7 +127,7 @@
   </p:defaultTextStyle>
   <p:extLst>
     <p:ext uri="{EFAFB233-063F-42B5-8137-9DF3F51BA10A}">
-      <p15:sldGuideLst xmlns:p15="http://schemas.microsoft.com/office/powerpoint/2012/main" xmlns="">
+      <p15:sldGuideLst xmlns="" xmlns:p15="http://schemas.microsoft.com/office/powerpoint/2012/main">
         <p15:guide id="1" orient="horz" pos="2160">
           <p15:clr>
             <a:srgbClr val="A4A3A4"/>
@@ -224,7 +226,7 @@
           <a:p>
             <a:fld id="{90F09366-0DA2-404A-A91F-D59506B6032C}" type="datetimeFigureOut">
               <a:rPr lang="en-US" smtClean="0"/>
-              <a:t>4/1/2016</a:t>
+              <a:t>4/2/2016</a:t>
             </a:fld>
             <a:endParaRPr lang="en-US"/>
           </a:p>
@@ -605,7 +607,7 @@
           <a:p>
             <a:fld id="{1E35A5A4-3185-44AB-AEEB-6B2FF51973C9}" type="datetimeFigureOut">
               <a:rPr lang="de-DE" smtClean="0"/>
-              <a:t>01.04.2016</a:t>
+              <a:t>02.04.2016</a:t>
             </a:fld>
             <a:endParaRPr lang="de-DE"/>
           </a:p>
@@ -922,7 +924,7 @@
           <a:p>
             <a:fld id="{1E35A5A4-3185-44AB-AEEB-6B2FF51973C9}" type="datetimeFigureOut">
               <a:rPr lang="de-DE" smtClean="0"/>
-              <a:t>01.04.2016</a:t>
+              <a:t>02.04.2016</a:t>
             </a:fld>
             <a:endParaRPr lang="de-DE"/>
           </a:p>
@@ -1092,7 +1094,7 @@
           <a:p>
             <a:fld id="{1E35A5A4-3185-44AB-AEEB-6B2FF51973C9}" type="datetimeFigureOut">
               <a:rPr lang="de-DE" smtClean="0"/>
-              <a:t>01.04.2016</a:t>
+              <a:t>02.04.2016</a:t>
             </a:fld>
             <a:endParaRPr lang="de-DE"/>
           </a:p>
@@ -1272,7 +1274,7 @@
           <a:p>
             <a:fld id="{1E35A5A4-3185-44AB-AEEB-6B2FF51973C9}" type="datetimeFigureOut">
               <a:rPr lang="de-DE" smtClean="0"/>
-              <a:t>01.04.2016</a:t>
+              <a:t>02.04.2016</a:t>
             </a:fld>
             <a:endParaRPr lang="de-DE"/>
           </a:p>
@@ -2792,7 +2794,7 @@
           <a:p>
             <a:fld id="{1E35A5A4-3185-44AB-AEEB-6B2FF51973C9}" type="datetimeFigureOut">
               <a:rPr lang="de-DE" smtClean="0"/>
-              <a:t>01.04.2016</a:t>
+              <a:t>02.04.2016</a:t>
             </a:fld>
             <a:endParaRPr lang="de-DE"/>
           </a:p>
@@ -3031,7 +3033,7 @@
           <a:p>
             <a:fld id="{1E35A5A4-3185-44AB-AEEB-6B2FF51973C9}" type="datetimeFigureOut">
               <a:rPr lang="de-DE" smtClean="0"/>
-              <a:t>01.04.2016</a:t>
+              <a:t>02.04.2016</a:t>
             </a:fld>
             <a:endParaRPr lang="de-DE"/>
           </a:p>
@@ -3405,7 +3407,7 @@
           <a:p>
             <a:fld id="{1E35A5A4-3185-44AB-AEEB-6B2FF51973C9}" type="datetimeFigureOut">
               <a:rPr lang="de-DE" smtClean="0"/>
-              <a:t>01.04.2016</a:t>
+              <a:t>02.04.2016</a:t>
             </a:fld>
             <a:endParaRPr lang="de-DE"/>
           </a:p>
@@ -3530,7 +3532,7 @@
           <a:p>
             <a:fld id="{1E35A5A4-3185-44AB-AEEB-6B2FF51973C9}" type="datetimeFigureOut">
               <a:rPr lang="de-DE" smtClean="0"/>
-              <a:t>01.04.2016</a:t>
+              <a:t>02.04.2016</a:t>
             </a:fld>
             <a:endParaRPr lang="de-DE"/>
           </a:p>
@@ -3632,7 +3634,7 @@
           <a:p>
             <a:fld id="{1E35A5A4-3185-44AB-AEEB-6B2FF51973C9}" type="datetimeFigureOut">
               <a:rPr lang="de-DE" smtClean="0"/>
-              <a:t>01.04.2016</a:t>
+              <a:t>02.04.2016</a:t>
             </a:fld>
             <a:endParaRPr lang="de-DE"/>
           </a:p>
@@ -3916,7 +3918,7 @@
           <a:p>
             <a:fld id="{1E35A5A4-3185-44AB-AEEB-6B2FF51973C9}" type="datetimeFigureOut">
               <a:rPr lang="de-DE" smtClean="0"/>
-              <a:t>01.04.2016</a:t>
+              <a:t>02.04.2016</a:t>
             </a:fld>
             <a:endParaRPr lang="de-DE"/>
           </a:p>
@@ -4129,7 +4131,7 @@
           <a:p>
             <a:fld id="{1E35A5A4-3185-44AB-AEEB-6B2FF51973C9}" type="datetimeFigureOut">
               <a:rPr lang="de-DE" smtClean="0"/>
-              <a:t>01.04.2016</a:t>
+              <a:t>02.04.2016</a:t>
             </a:fld>
             <a:endParaRPr lang="de-DE"/>
           </a:p>
@@ -7361,7 +7363,7 @@
         </p:nvSpPr>
         <p:spPr>
           <a:xfrm>
-            <a:off x="2801206" y="1584840"/>
+            <a:off x="2910116" y="1584840"/>
             <a:ext cx="2351413" cy="461665"/>
           </a:xfrm>
           <a:prstGeom prst="rect">
@@ -7381,7 +7383,11 @@
             </a:r>
             <a:r>
               <a:rPr lang="de-DE" sz="2400" dirty="0" smtClean="0"/>
-              <a:t>rreichbar durch:</a:t>
+              <a:t>rreichbar </a:t>
+            </a:r>
+            <a:r>
+              <a:rPr lang="de-DE" sz="2400" dirty="0" smtClean="0"/>
+              <a:t>durch</a:t>
             </a:r>
             <a:endParaRPr lang="de-DE" sz="2400" dirty="0"/>
           </a:p>
@@ -7934,7 +7940,23 @@
           <a:bodyPr/>
           <a:lstStyle/>
           <a:p>
-            <a:endParaRPr lang="de-DE"/>
+            <a:r>
+              <a:rPr lang="de-DE" dirty="0" smtClean="0"/>
+              <a:t>Insert Dashboard </a:t>
+            </a:r>
+            <a:r>
+              <a:rPr lang="de-DE" dirty="0" err="1" smtClean="0"/>
+              <a:t>Pic</a:t>
+            </a:r>
+            <a:r>
+              <a:rPr lang="de-DE" dirty="0" smtClean="0"/>
+              <a:t> </a:t>
+            </a:r>
+            <a:r>
+              <a:rPr lang="de-DE" dirty="0" err="1" smtClean="0"/>
+              <a:t>here</a:t>
+            </a:r>
+            <a:endParaRPr lang="de-DE" dirty="0"/>
           </a:p>
         </p:txBody>
       </p:sp>
@@ -8047,7 +8069,11 @@
           <a:bodyPr/>
           <a:lstStyle/>
           <a:p>
-            <a:endParaRPr lang="de-DE"/>
+            <a:r>
+              <a:rPr lang="de-DE" dirty="0" smtClean="0"/>
+              <a:t>1/2</a:t>
+            </a:r>
+            <a:endParaRPr lang="de-DE" dirty="0"/>
           </a:p>
         </p:txBody>
       </p:sp>
@@ -8090,6 +8116,52 @@
       </p:grpSpPr>
       <p:sp>
         <p:nvSpPr>
+          <p:cNvPr id="20" name="Ellipse 19"/>
+          <p:cNvSpPr/>
+          <p:nvPr/>
+        </p:nvSpPr>
+        <p:spPr>
+          <a:xfrm>
+            <a:off x="8548913" y="3060285"/>
+            <a:ext cx="2133600" cy="2123503"/>
+          </a:xfrm>
+          <a:prstGeom prst="ellipse">
+            <a:avLst/>
+          </a:prstGeom>
+          <a:solidFill>
+            <a:srgbClr val="7030A0"/>
+          </a:solidFill>
+          <a:ln>
+            <a:noFill/>
+          </a:ln>
+        </p:spPr>
+        <p:style>
+          <a:lnRef idx="2">
+            <a:schemeClr val="accent1">
+              <a:shade val="50000"/>
+            </a:schemeClr>
+          </a:lnRef>
+          <a:fillRef idx="1">
+            <a:schemeClr val="accent1"/>
+          </a:fillRef>
+          <a:effectRef idx="0">
+            <a:schemeClr val="accent1"/>
+          </a:effectRef>
+          <a:fontRef idx="minor">
+            <a:schemeClr val="lt1"/>
+          </a:fontRef>
+        </p:style>
+        <p:txBody>
+          <a:bodyPr rtlCol="0" anchor="ctr"/>
+          <a:lstStyle/>
+          <a:p>
+            <a:pPr algn="ctr"/>
+            <a:endParaRPr lang="de-DE"/>
+          </a:p>
+        </p:txBody>
+      </p:sp>
+      <p:sp>
+        <p:nvSpPr>
           <p:cNvPr id="2" name="Titel 1"/>
           <p:cNvSpPr>
             <a:spLocks noGrp="1"/>
@@ -8111,25 +8183,35 @@
           </a:p>
         </p:txBody>
       </p:sp>
-      <p:sp>
-        <p:nvSpPr>
-          <p:cNvPr id="3" name="Inhaltsplatzhalter 2"/>
-          <p:cNvSpPr>
-            <a:spLocks noGrp="1"/>
-          </p:cNvSpPr>
+      <p:pic>
+        <p:nvPicPr>
+          <p:cNvPr id="9" name="Inhaltsplatzhalter 8"/>
+          <p:cNvPicPr>
+            <a:picLocks noGrp="1" noChangeAspect="1"/>
+          </p:cNvPicPr>
           <p:nvPr>
             <p:ph idx="1"/>
           </p:nvPr>
-        </p:nvSpPr>
-        <p:spPr/>
-        <p:txBody>
-          <a:bodyPr/>
-          <a:lstStyle/>
-          <a:p>
-            <a:endParaRPr lang="de-DE"/>
-          </a:p>
-        </p:txBody>
-      </p:sp>
+        </p:nvPicPr>
+        <p:blipFill>
+          <a:blip r:embed="rId2">
+            <a:extLst>
+              <a:ext uri="{28A0092B-C50C-407E-A947-70E740481C1C}">
+                <a14:useLocalDpi xmlns:a14="http://schemas.microsoft.com/office/drawing/2010/main" val="0"/>
+              </a:ext>
+            </a:extLst>
+          </a:blip>
+          <a:stretch>
+            <a:fillRect/>
+          </a:stretch>
+        </p:blipFill>
+        <p:spPr>
+          <a:xfrm>
+            <a:off x="1587953" y="2665176"/>
+            <a:ext cx="872553" cy="1241311"/>
+          </a:xfrm>
+        </p:spPr>
+      </p:pic>
       <p:sp>
         <p:nvSpPr>
           <p:cNvPr id="4" name="Inhaltsplatzhalter 3"/>
@@ -8218,7 +8300,7 @@
           <a:p>
             <a:r>
               <a:rPr lang="de-DE" dirty="0" smtClean="0"/>
-              <a:t>Distribution</a:t>
+              <a:t>Produkt</a:t>
             </a:r>
             <a:endParaRPr lang="de-DE" dirty="0"/>
           </a:p>
@@ -8239,6 +8321,478 @@
           <a:bodyPr/>
           <a:lstStyle/>
           <a:p>
+            <a:r>
+              <a:rPr lang="de-DE" dirty="0" smtClean="0"/>
+              <a:t>2/2</a:t>
+            </a:r>
+            <a:endParaRPr lang="de-DE" dirty="0"/>
+          </a:p>
+        </p:txBody>
+      </p:sp>
+      <p:pic>
+        <p:nvPicPr>
+          <p:cNvPr id="10" name="Grafik 9"/>
+          <p:cNvPicPr>
+            <a:picLocks noChangeAspect="1"/>
+          </p:cNvPicPr>
+          <p:nvPr/>
+        </p:nvPicPr>
+        <p:blipFill>
+          <a:blip r:embed="rId3">
+            <a:extLst>
+              <a:ext uri="{28A0092B-C50C-407E-A947-70E740481C1C}">
+                <a14:useLocalDpi xmlns:a14="http://schemas.microsoft.com/office/drawing/2010/main" val="0"/>
+              </a:ext>
+            </a:extLst>
+          </a:blip>
+          <a:stretch>
+            <a:fillRect/>
+          </a:stretch>
+        </p:blipFill>
+        <p:spPr>
+          <a:xfrm>
+            <a:off x="3383642" y="2537226"/>
+            <a:ext cx="1348016" cy="1348016"/>
+          </a:xfrm>
+          <a:prstGeom prst="rect">
+            <a:avLst/>
+          </a:prstGeom>
+        </p:spPr>
+      </p:pic>
+      <p:sp>
+        <p:nvSpPr>
+          <p:cNvPr id="11" name="Rechteck 10"/>
+          <p:cNvSpPr/>
+          <p:nvPr/>
+        </p:nvSpPr>
+        <p:spPr>
+          <a:xfrm>
+            <a:off x="1349829" y="2481935"/>
+            <a:ext cx="3556000" cy="3381828"/>
+          </a:xfrm>
+          <a:prstGeom prst="rect">
+            <a:avLst/>
+          </a:prstGeom>
+          <a:noFill/>
+          <a:ln w="57150">
+            <a:solidFill>
+              <a:srgbClr val="7030A0"/>
+            </a:solidFill>
+          </a:ln>
+        </p:spPr>
+        <p:style>
+          <a:lnRef idx="2">
+            <a:schemeClr val="accent1">
+              <a:shade val="50000"/>
+            </a:schemeClr>
+          </a:lnRef>
+          <a:fillRef idx="1">
+            <a:schemeClr val="accent1"/>
+          </a:fillRef>
+          <a:effectRef idx="0">
+            <a:schemeClr val="accent1"/>
+          </a:effectRef>
+          <a:fontRef idx="minor">
+            <a:schemeClr val="lt1"/>
+          </a:fontRef>
+        </p:style>
+        <p:txBody>
+          <a:bodyPr rtlCol="0" anchor="ctr"/>
+          <a:lstStyle/>
+          <a:p>
+            <a:pPr algn="ctr"/>
+            <a:endParaRPr lang="de-DE" sz="1200" dirty="0">
+              <a:solidFill>
+                <a:schemeClr val="tx1"/>
+              </a:solidFill>
+            </a:endParaRPr>
+          </a:p>
+        </p:txBody>
+      </p:sp>
+      <p:pic>
+        <p:nvPicPr>
+          <p:cNvPr id="12" name="Grafik 11"/>
+          <p:cNvPicPr>
+            <a:picLocks noChangeAspect="1"/>
+          </p:cNvPicPr>
+          <p:nvPr/>
+        </p:nvPicPr>
+        <p:blipFill>
+          <a:blip r:embed="rId4" cstate="print">
+            <a:extLst>
+              <a:ext uri="{28A0092B-C50C-407E-A947-70E740481C1C}">
+                <a14:useLocalDpi xmlns:a14="http://schemas.microsoft.com/office/drawing/2010/main" val="0"/>
+              </a:ext>
+            </a:extLst>
+          </a:blip>
+          <a:stretch>
+            <a:fillRect/>
+          </a:stretch>
+        </p:blipFill>
+        <p:spPr>
+          <a:xfrm>
+            <a:off x="1325335" y="4775190"/>
+            <a:ext cx="3580494" cy="979279"/>
+          </a:xfrm>
+          <a:prstGeom prst="rect">
+            <a:avLst/>
+          </a:prstGeom>
+        </p:spPr>
+      </p:pic>
+      <p:sp>
+        <p:nvSpPr>
+          <p:cNvPr id="13" name="Textfeld 12"/>
+          <p:cNvSpPr txBox="1"/>
+          <p:nvPr/>
+        </p:nvSpPr>
+        <p:spPr>
+          <a:xfrm>
+            <a:off x="1624853" y="1915531"/>
+            <a:ext cx="3005951" cy="523220"/>
+          </a:xfrm>
+          <a:prstGeom prst="rect">
+            <a:avLst/>
+          </a:prstGeom>
+          <a:noFill/>
+        </p:spPr>
+        <p:txBody>
+          <a:bodyPr wrap="none" rtlCol="0">
+            <a:spAutoFit/>
+          </a:bodyPr>
+          <a:lstStyle/>
+          <a:p>
+            <a:r>
+              <a:rPr lang="de-DE" sz="2800" dirty="0" smtClean="0"/>
+              <a:t>Bestehender Markt</a:t>
+            </a:r>
+            <a:endParaRPr lang="de-DE" sz="2800" dirty="0"/>
+          </a:p>
+        </p:txBody>
+      </p:sp>
+      <p:sp>
+        <p:nvSpPr>
+          <p:cNvPr id="14" name="Textfeld 13"/>
+          <p:cNvSpPr txBox="1"/>
+          <p:nvPr/>
+        </p:nvSpPr>
+        <p:spPr>
+          <a:xfrm>
+            <a:off x="5145587" y="3849682"/>
+            <a:ext cx="689163" cy="646331"/>
+          </a:xfrm>
+          <a:prstGeom prst="rect">
+            <a:avLst/>
+          </a:prstGeom>
+          <a:noFill/>
+        </p:spPr>
+        <p:txBody>
+          <a:bodyPr wrap="none" rtlCol="0">
+            <a:spAutoFit/>
+          </a:bodyPr>
+          <a:lstStyle/>
+          <a:p>
+            <a:r>
+              <a:rPr lang="de-DE" sz="3600" dirty="0"/>
+              <a:t>v</a:t>
+            </a:r>
+            <a:r>
+              <a:rPr lang="de-DE" sz="3600" dirty="0" smtClean="0"/>
+              <a:t>s.</a:t>
+            </a:r>
+            <a:endParaRPr lang="de-DE" sz="3600" dirty="0"/>
+          </a:p>
+        </p:txBody>
+      </p:sp>
+      <p:pic>
+        <p:nvPicPr>
+          <p:cNvPr id="15" name="Grafik 14"/>
+          <p:cNvPicPr>
+            <a:picLocks noChangeAspect="1"/>
+          </p:cNvPicPr>
+          <p:nvPr/>
+        </p:nvPicPr>
+        <p:blipFill>
+          <a:blip r:embed="rId5">
+            <a:extLst>
+              <a:ext uri="{28A0092B-C50C-407E-A947-70E740481C1C}">
+                <a14:useLocalDpi xmlns:a14="http://schemas.microsoft.com/office/drawing/2010/main" val="0"/>
+              </a:ext>
+            </a:extLst>
+          </a:blip>
+          <a:stretch>
+            <a:fillRect/>
+          </a:stretch>
+        </p:blipFill>
+        <p:spPr>
+          <a:xfrm>
+            <a:off x="5808094" y="2438601"/>
+            <a:ext cx="1420363" cy="1363341"/>
+          </a:xfrm>
+          <a:prstGeom prst="rect">
+            <a:avLst/>
+          </a:prstGeom>
+        </p:spPr>
+      </p:pic>
+      <p:sp>
+        <p:nvSpPr>
+          <p:cNvPr id="16" name="Textfeld 15"/>
+          <p:cNvSpPr txBox="1"/>
+          <p:nvPr/>
+        </p:nvSpPr>
+        <p:spPr>
+          <a:xfrm>
+            <a:off x="5375720" y="1936589"/>
+            <a:ext cx="2285113" cy="523220"/>
+          </a:xfrm>
+          <a:prstGeom prst="rect">
+            <a:avLst/>
+          </a:prstGeom>
+          <a:noFill/>
+        </p:spPr>
+        <p:txBody>
+          <a:bodyPr wrap="none" rtlCol="0">
+            <a:spAutoFit/>
+          </a:bodyPr>
+          <a:lstStyle/>
+          <a:p>
+            <a:r>
+              <a:rPr lang="de-DE" sz="2800" dirty="0" smtClean="0"/>
+              <a:t>Unser Produkt</a:t>
+            </a:r>
+            <a:endParaRPr lang="de-DE" sz="2800" dirty="0"/>
+          </a:p>
+        </p:txBody>
+      </p:sp>
+      <p:sp>
+        <p:nvSpPr>
+          <p:cNvPr id="17" name="Textfeld 16"/>
+          <p:cNvSpPr txBox="1"/>
+          <p:nvPr/>
+        </p:nvSpPr>
+        <p:spPr>
+          <a:xfrm>
+            <a:off x="7671595" y="3798192"/>
+            <a:ext cx="413896" cy="646331"/>
+          </a:xfrm>
+          <a:prstGeom prst="rect">
+            <a:avLst/>
+          </a:prstGeom>
+          <a:noFill/>
+        </p:spPr>
+        <p:txBody>
+          <a:bodyPr wrap="none" rtlCol="0">
+            <a:spAutoFit/>
+          </a:bodyPr>
+          <a:lstStyle/>
+          <a:p>
+            <a:r>
+              <a:rPr lang="de-DE" sz="3600" dirty="0" smtClean="0"/>
+              <a:t>=</a:t>
+            </a:r>
+            <a:endParaRPr lang="de-DE" sz="3600" dirty="0"/>
+          </a:p>
+        </p:txBody>
+      </p:sp>
+      <p:pic>
+        <p:nvPicPr>
+          <p:cNvPr id="19" name="Grafik 18"/>
+          <p:cNvPicPr>
+            <a:picLocks noChangeAspect="1"/>
+          </p:cNvPicPr>
+          <p:nvPr/>
+        </p:nvPicPr>
+        <p:blipFill>
+          <a:blip r:embed="rId6" cstate="print">
+            <a:biLevel thresh="25000"/>
+            <a:extLst>
+              <a:ext uri="{28A0092B-C50C-407E-A947-70E740481C1C}">
+                <a14:useLocalDpi xmlns:a14="http://schemas.microsoft.com/office/drawing/2010/main" val="0"/>
+              </a:ext>
+            </a:extLst>
+          </a:blip>
+          <a:stretch>
+            <a:fillRect/>
+          </a:stretch>
+        </p:blipFill>
+        <p:spPr>
+          <a:xfrm>
+            <a:off x="9023379" y="3580511"/>
+            <a:ext cx="1184669" cy="1184669"/>
+          </a:xfrm>
+          <a:prstGeom prst="rect">
+            <a:avLst/>
+          </a:prstGeom>
+        </p:spPr>
+      </p:pic>
+      <p:sp>
+        <p:nvSpPr>
+          <p:cNvPr id="21" name="Textfeld 20"/>
+          <p:cNvSpPr txBox="1"/>
+          <p:nvPr/>
+        </p:nvSpPr>
+        <p:spPr>
+          <a:xfrm>
+            <a:off x="8112096" y="1929687"/>
+            <a:ext cx="3007233" cy="523220"/>
+          </a:xfrm>
+          <a:prstGeom prst="rect">
+            <a:avLst/>
+          </a:prstGeom>
+          <a:noFill/>
+        </p:spPr>
+        <p:txBody>
+          <a:bodyPr wrap="none" rtlCol="0">
+            <a:spAutoFit/>
+          </a:bodyPr>
+          <a:lstStyle/>
+          <a:p>
+            <a:r>
+              <a:rPr lang="de-DE" sz="2800" dirty="0" smtClean="0"/>
+              <a:t>Produktinnovation</a:t>
+            </a:r>
+            <a:endParaRPr lang="de-DE" sz="2800" dirty="0"/>
+          </a:p>
+        </p:txBody>
+      </p:sp>
+      <p:pic>
+        <p:nvPicPr>
+          <p:cNvPr id="24" name="Grafik 23"/>
+          <p:cNvPicPr>
+            <a:picLocks noChangeAspect="1"/>
+          </p:cNvPicPr>
+          <p:nvPr/>
+        </p:nvPicPr>
+        <p:blipFill>
+          <a:blip r:embed="rId7" cstate="print">
+            <a:lum bright="70000" contrast="-70000"/>
+            <a:extLst>
+              <a:ext uri="{28A0092B-C50C-407E-A947-70E740481C1C}">
+                <a14:useLocalDpi xmlns:a14="http://schemas.microsoft.com/office/drawing/2010/main" val="0"/>
+              </a:ext>
+            </a:extLst>
+          </a:blip>
+          <a:stretch>
+            <a:fillRect/>
+          </a:stretch>
+        </p:blipFill>
+        <p:spPr>
+          <a:xfrm>
+            <a:off x="2134606" y="3128814"/>
+            <a:ext cx="1986444" cy="1986444"/>
+          </a:xfrm>
+          <a:prstGeom prst="rect">
+            <a:avLst/>
+          </a:prstGeom>
+        </p:spPr>
+      </p:pic>
+      <p:sp>
+        <p:nvSpPr>
+          <p:cNvPr id="29" name="Textfeld 28"/>
+          <p:cNvSpPr txBox="1"/>
+          <p:nvPr/>
+        </p:nvSpPr>
+        <p:spPr>
+          <a:xfrm>
+            <a:off x="6311327" y="3849679"/>
+            <a:ext cx="413896" cy="646331"/>
+          </a:xfrm>
+          <a:prstGeom prst="rect">
+            <a:avLst/>
+          </a:prstGeom>
+          <a:noFill/>
+        </p:spPr>
+        <p:txBody>
+          <a:bodyPr wrap="none" rtlCol="0">
+            <a:spAutoFit/>
+          </a:bodyPr>
+          <a:lstStyle/>
+          <a:p>
+            <a:r>
+              <a:rPr lang="de-DE" sz="3600" dirty="0"/>
+              <a:t>+</a:t>
+            </a:r>
+          </a:p>
+        </p:txBody>
+      </p:sp>
+      <p:pic>
+        <p:nvPicPr>
+          <p:cNvPr id="30" name="Grafik 29"/>
+          <p:cNvPicPr>
+            <a:picLocks noChangeAspect="1"/>
+          </p:cNvPicPr>
+          <p:nvPr/>
+        </p:nvPicPr>
+        <p:blipFill>
+          <a:blip r:embed="rId8" cstate="print">
+            <a:duotone>
+              <a:schemeClr val="accent6">
+                <a:shade val="45000"/>
+                <a:satMod val="135000"/>
+              </a:schemeClr>
+              <a:prstClr val="white"/>
+            </a:duotone>
+            <a:extLst>
+              <a:ext uri="{28A0092B-C50C-407E-A947-70E740481C1C}">
+                <a14:useLocalDpi xmlns:a14="http://schemas.microsoft.com/office/drawing/2010/main" val="0"/>
+              </a:ext>
+            </a:extLst>
+          </a:blip>
+          <a:stretch>
+            <a:fillRect/>
+          </a:stretch>
+        </p:blipFill>
+        <p:spPr>
+          <a:xfrm>
+            <a:off x="5883265" y="4444523"/>
+            <a:ext cx="1270021" cy="1270021"/>
+          </a:xfrm>
+          <a:prstGeom prst="rect">
+            <a:avLst/>
+          </a:prstGeom>
+        </p:spPr>
+      </p:pic>
+      <p:sp>
+        <p:nvSpPr>
+          <p:cNvPr id="35" name="Rechteck 34"/>
+          <p:cNvSpPr/>
+          <p:nvPr/>
+        </p:nvSpPr>
+        <p:spPr>
+          <a:xfrm rot="8138575">
+            <a:off x="5826550" y="5022610"/>
+            <a:ext cx="1383451" cy="185296"/>
+          </a:xfrm>
+          <a:prstGeom prst="rect">
+            <a:avLst/>
+          </a:prstGeom>
+          <a:solidFill>
+            <a:srgbClr val="FF0000"/>
+          </a:solidFill>
+          <a:ln>
+            <a:noFill/>
+          </a:ln>
+        </p:spPr>
+        <p:style>
+          <a:lnRef idx="2">
+            <a:schemeClr val="accent1">
+              <a:shade val="50000"/>
+            </a:schemeClr>
+          </a:lnRef>
+          <a:fillRef idx="1">
+            <a:schemeClr val="accent1"/>
+          </a:fillRef>
+          <a:effectRef idx="0">
+            <a:schemeClr val="accent1"/>
+          </a:effectRef>
+          <a:fontRef idx="minor">
+            <a:schemeClr val="lt1"/>
+          </a:fontRef>
+        </p:style>
+        <p:txBody>
+          <a:bodyPr rtlCol="0" anchor="ctr"/>
+          <a:lstStyle/>
+          <a:p>
+            <a:pPr algn="ctr"/>
             <a:endParaRPr lang="de-DE"/>
           </a:p>
         </p:txBody>
@@ -8246,13 +8800,20 @@
     </p:spTree>
     <p:extLst>
       <p:ext uri="{BB962C8B-B14F-4D97-AF65-F5344CB8AC3E}">
-        <p14:creationId xmlns:p14="http://schemas.microsoft.com/office/powerpoint/2010/main" val="2728919635"/>
+        <p14:creationId xmlns:p14="http://schemas.microsoft.com/office/powerpoint/2010/main" val="4272859041"/>
       </p:ext>
     </p:extLst>
   </p:cSld>
   <p:clrMapOvr>
     <a:masterClrMapping/>
   </p:clrMapOvr>
+  <p:timing>
+    <p:tnLst>
+      <p:par>
+        <p:cTn id="1" dur="indefinite" restart="never" nodeType="tmRoot"/>
+      </p:par>
+    </p:tnLst>
+  </p:timing>
 </p:sld>
 </file>
 
@@ -8298,25 +8859,6 @@
       </p:sp>
       <p:sp>
         <p:nvSpPr>
-          <p:cNvPr id="3" name="Inhaltsplatzhalter 2"/>
-          <p:cNvSpPr>
-            <a:spLocks noGrp="1"/>
-          </p:cNvSpPr>
-          <p:nvPr>
-            <p:ph idx="1"/>
-          </p:nvPr>
-        </p:nvSpPr>
-        <p:spPr/>
-        <p:txBody>
-          <a:bodyPr/>
-          <a:lstStyle/>
-          <a:p>
-            <a:endParaRPr lang="de-DE"/>
-          </a:p>
-        </p:txBody>
-      </p:sp>
-      <p:sp>
-        <p:nvSpPr>
           <p:cNvPr id="4" name="Inhaltsplatzhalter 3"/>
           <p:cNvSpPr>
             <a:spLocks noGrp="1"/>
@@ -8403,7 +8945,7 @@
           <a:p>
             <a:r>
               <a:rPr lang="de-DE" dirty="0" smtClean="0"/>
-              <a:t>Preis</a:t>
+              <a:t>Distribution</a:t>
             </a:r>
             <a:endParaRPr lang="de-DE" dirty="0"/>
           </a:p>
@@ -8424,14 +8966,278 @@
           <a:bodyPr/>
           <a:lstStyle/>
           <a:p>
-            <a:endParaRPr lang="de-DE"/>
-          </a:p>
-        </p:txBody>
-      </p:sp>
+            <a:r>
+              <a:rPr lang="de-DE" dirty="0" smtClean="0"/>
+              <a:t>1/2</a:t>
+            </a:r>
+            <a:endParaRPr lang="de-DE" dirty="0"/>
+          </a:p>
+        </p:txBody>
+      </p:sp>
+      <p:pic>
+        <p:nvPicPr>
+          <p:cNvPr id="9" name="Grafik 8"/>
+          <p:cNvPicPr>
+            <a:picLocks noChangeAspect="1"/>
+          </p:cNvPicPr>
+          <p:nvPr/>
+        </p:nvPicPr>
+        <p:blipFill>
+          <a:blip r:embed="rId2">
+            <a:extLst>
+              <a:ext uri="{28A0092B-C50C-407E-A947-70E740481C1C}">
+                <a14:useLocalDpi xmlns:a14="http://schemas.microsoft.com/office/drawing/2010/main" val="0"/>
+              </a:ext>
+            </a:extLst>
+          </a:blip>
+          <a:stretch>
+            <a:fillRect/>
+          </a:stretch>
+        </p:blipFill>
+        <p:spPr>
+          <a:xfrm>
+            <a:off x="507990" y="1872343"/>
+            <a:ext cx="5715000" cy="3810000"/>
+          </a:xfrm>
+          <a:prstGeom prst="rect">
+            <a:avLst/>
+          </a:prstGeom>
+        </p:spPr>
+      </p:pic>
+      <p:pic>
+        <p:nvPicPr>
+          <p:cNvPr id="10" name="Grafik 9"/>
+          <p:cNvPicPr>
+            <a:picLocks noChangeAspect="1"/>
+          </p:cNvPicPr>
+          <p:nvPr/>
+        </p:nvPicPr>
+        <p:blipFill>
+          <a:blip r:embed="rId3" cstate="print">
+            <a:extLst>
+              <a:ext uri="{28A0092B-C50C-407E-A947-70E740481C1C}">
+                <a14:useLocalDpi xmlns:a14="http://schemas.microsoft.com/office/drawing/2010/main" val="0"/>
+              </a:ext>
+            </a:extLst>
+          </a:blip>
+          <a:stretch>
+            <a:fillRect/>
+          </a:stretch>
+        </p:blipFill>
+        <p:spPr>
+          <a:xfrm>
+            <a:off x="2831982" y="2952569"/>
+            <a:ext cx="1067015" cy="1649548"/>
+          </a:xfrm>
+          <a:prstGeom prst="rect">
+            <a:avLst/>
+          </a:prstGeom>
+        </p:spPr>
+      </p:pic>
+      <p:sp>
+        <p:nvSpPr>
+          <p:cNvPr id="11" name="Pfeil nach rechts 10"/>
+          <p:cNvSpPr/>
+          <p:nvPr/>
+        </p:nvSpPr>
+        <p:spPr>
+          <a:xfrm>
+            <a:off x="4978403" y="2718887"/>
+            <a:ext cx="2235200" cy="1825171"/>
+          </a:xfrm>
+          <a:prstGeom prst="rightArrow">
+            <a:avLst/>
+          </a:prstGeom>
+          <a:solidFill>
+            <a:srgbClr val="7030A0"/>
+          </a:solidFill>
+          <a:ln>
+            <a:noFill/>
+          </a:ln>
+        </p:spPr>
+        <p:style>
+          <a:lnRef idx="2">
+            <a:schemeClr val="accent1">
+              <a:shade val="50000"/>
+            </a:schemeClr>
+          </a:lnRef>
+          <a:fillRef idx="1">
+            <a:schemeClr val="accent1"/>
+          </a:fillRef>
+          <a:effectRef idx="0">
+            <a:schemeClr val="accent1"/>
+          </a:effectRef>
+          <a:fontRef idx="minor">
+            <a:schemeClr val="lt1"/>
+          </a:fontRef>
+        </p:style>
+        <p:txBody>
+          <a:bodyPr rtlCol="0" anchor="ctr"/>
+          <a:lstStyle/>
+          <a:p>
+            <a:pPr algn="ctr"/>
+            <a:r>
+              <a:rPr lang="de-DE" sz="2800" dirty="0" smtClean="0"/>
+              <a:t>Bei Bedarf</a:t>
+            </a:r>
+            <a:endParaRPr lang="de-DE" sz="2800" dirty="0"/>
+          </a:p>
+        </p:txBody>
+      </p:sp>
+      <p:pic>
+        <p:nvPicPr>
+          <p:cNvPr id="12" name="Grafik 11"/>
+          <p:cNvPicPr>
+            <a:picLocks noChangeAspect="1"/>
+          </p:cNvPicPr>
+          <p:nvPr/>
+        </p:nvPicPr>
+        <p:blipFill>
+          <a:blip r:embed="rId4">
+            <a:extLst>
+              <a:ext uri="{28A0092B-C50C-407E-A947-70E740481C1C}">
+                <a14:useLocalDpi xmlns:a14="http://schemas.microsoft.com/office/drawing/2010/main" val="0"/>
+              </a:ext>
+            </a:extLst>
+          </a:blip>
+          <a:stretch>
+            <a:fillRect/>
+          </a:stretch>
+        </p:blipFill>
+        <p:spPr>
+          <a:xfrm>
+            <a:off x="7547432" y="1872343"/>
+            <a:ext cx="3424465" cy="3424465"/>
+          </a:xfrm>
+          <a:prstGeom prst="rect">
+            <a:avLst/>
+          </a:prstGeom>
+        </p:spPr>
+      </p:pic>
+      <p:pic>
+        <p:nvPicPr>
+          <p:cNvPr id="13" name="Grafik 12"/>
+          <p:cNvPicPr>
+            <a:picLocks noChangeAspect="1"/>
+          </p:cNvPicPr>
+          <p:nvPr/>
+        </p:nvPicPr>
+        <p:blipFill>
+          <a:blip r:embed="rId5" cstate="print">
+            <a:extLst>
+              <a:ext uri="{28A0092B-C50C-407E-A947-70E740481C1C}">
+                <a14:useLocalDpi xmlns:a14="http://schemas.microsoft.com/office/drawing/2010/main" val="0"/>
+              </a:ext>
+            </a:extLst>
+          </a:blip>
+          <a:stretch>
+            <a:fillRect/>
+          </a:stretch>
+        </p:blipFill>
+        <p:spPr>
+          <a:xfrm>
+            <a:off x="9714826" y="2306500"/>
+            <a:ext cx="533508" cy="824774"/>
+          </a:xfrm>
+          <a:prstGeom prst="rect">
+            <a:avLst/>
+          </a:prstGeom>
+        </p:spPr>
+      </p:pic>
+      <p:pic>
+        <p:nvPicPr>
+          <p:cNvPr id="14" name="Grafik 13"/>
+          <p:cNvPicPr>
+            <a:picLocks noChangeAspect="1"/>
+          </p:cNvPicPr>
+          <p:nvPr/>
+        </p:nvPicPr>
+        <p:blipFill>
+          <a:blip r:embed="rId5" cstate="print">
+            <a:extLst>
+              <a:ext uri="{28A0092B-C50C-407E-A947-70E740481C1C}">
+                <a14:useLocalDpi xmlns:a14="http://schemas.microsoft.com/office/drawing/2010/main" val="0"/>
+              </a:ext>
+            </a:extLst>
+          </a:blip>
+          <a:stretch>
+            <a:fillRect/>
+          </a:stretch>
+        </p:blipFill>
+        <p:spPr>
+          <a:xfrm>
+            <a:off x="9714826" y="3364956"/>
+            <a:ext cx="533508" cy="824774"/>
+          </a:xfrm>
+          <a:prstGeom prst="rect">
+            <a:avLst/>
+          </a:prstGeom>
+        </p:spPr>
+      </p:pic>
+      <p:pic>
+        <p:nvPicPr>
+          <p:cNvPr id="15" name="Grafik 14"/>
+          <p:cNvPicPr>
+            <a:picLocks noChangeAspect="1"/>
+          </p:cNvPicPr>
+          <p:nvPr/>
+        </p:nvPicPr>
+        <p:blipFill>
+          <a:blip r:embed="rId5" cstate="print">
+            <a:extLst>
+              <a:ext uri="{28A0092B-C50C-407E-A947-70E740481C1C}">
+                <a14:useLocalDpi xmlns:a14="http://schemas.microsoft.com/office/drawing/2010/main" val="0"/>
+              </a:ext>
+            </a:extLst>
+          </a:blip>
+          <a:stretch>
+            <a:fillRect/>
+          </a:stretch>
+        </p:blipFill>
+        <p:spPr>
+          <a:xfrm>
+            <a:off x="8357740" y="3777343"/>
+            <a:ext cx="533508" cy="824774"/>
+          </a:xfrm>
+          <a:prstGeom prst="rect">
+            <a:avLst/>
+          </a:prstGeom>
+        </p:spPr>
+      </p:pic>
+      <p:pic>
+        <p:nvPicPr>
+          <p:cNvPr id="16" name="Grafik 15"/>
+          <p:cNvPicPr>
+            <a:picLocks noChangeAspect="1"/>
+          </p:cNvPicPr>
+          <p:nvPr/>
+        </p:nvPicPr>
+        <p:blipFill>
+          <a:blip r:embed="rId5" cstate="print">
+            <a:extLst>
+              <a:ext uri="{28A0092B-C50C-407E-A947-70E740481C1C}">
+                <a14:useLocalDpi xmlns:a14="http://schemas.microsoft.com/office/drawing/2010/main" val="0"/>
+              </a:ext>
+            </a:extLst>
+          </a:blip>
+          <a:stretch>
+            <a:fillRect/>
+          </a:stretch>
+        </p:blipFill>
+        <p:spPr>
+          <a:xfrm>
+            <a:off x="8198083" y="2479583"/>
+            <a:ext cx="533508" cy="824774"/>
+          </a:xfrm>
+          <a:prstGeom prst="rect">
+            <a:avLst/>
+          </a:prstGeom>
+        </p:spPr>
+      </p:pic>
     </p:spTree>
     <p:extLst>
       <p:ext uri="{BB962C8B-B14F-4D97-AF65-F5344CB8AC3E}">
-        <p14:creationId xmlns:p14="http://schemas.microsoft.com/office/powerpoint/2010/main" val="2537696220"/>
+        <p14:creationId xmlns:p14="http://schemas.microsoft.com/office/powerpoint/2010/main" val="2728919635"/>
       </p:ext>
     </p:extLst>
   </p:cSld>
@@ -8483,6 +9289,695 @@
       </p:sp>
       <p:sp>
         <p:nvSpPr>
+          <p:cNvPr id="4" name="Inhaltsplatzhalter 3"/>
+          <p:cNvSpPr>
+            <a:spLocks noGrp="1"/>
+          </p:cNvSpPr>
+          <p:nvPr>
+            <p:ph sz="quarter" idx="12"/>
+          </p:nvPr>
+        </p:nvSpPr>
+        <p:spPr/>
+        <p:txBody>
+          <a:bodyPr>
+            <a:normAutofit fontScale="92500"/>
+          </a:bodyPr>
+          <a:lstStyle/>
+          <a:p>
+            <a:r>
+              <a:rPr lang="de-DE" dirty="0" smtClean="0"/>
+              <a:t>Marketingstrategie/-ziele</a:t>
+            </a:r>
+            <a:endParaRPr lang="de-DE" dirty="0"/>
+          </a:p>
+        </p:txBody>
+      </p:sp>
+      <p:sp>
+        <p:nvSpPr>
+          <p:cNvPr id="5" name="Inhaltsplatzhalter 4"/>
+          <p:cNvSpPr>
+            <a:spLocks noGrp="1"/>
+          </p:cNvSpPr>
+          <p:nvPr>
+            <p:ph sz="quarter" idx="13"/>
+          </p:nvPr>
+        </p:nvSpPr>
+        <p:spPr/>
+        <p:txBody>
+          <a:bodyPr/>
+          <a:lstStyle/>
+          <a:p>
+            <a:r>
+              <a:rPr lang="de-DE" dirty="0" smtClean="0"/>
+              <a:t>Marketingmix</a:t>
+            </a:r>
+            <a:endParaRPr lang="de-DE" dirty="0"/>
+          </a:p>
+        </p:txBody>
+      </p:sp>
+      <p:sp>
+        <p:nvSpPr>
+          <p:cNvPr id="6" name="Inhaltsplatzhalter 5"/>
+          <p:cNvSpPr>
+            <a:spLocks noGrp="1"/>
+          </p:cNvSpPr>
+          <p:nvPr>
+            <p:ph sz="quarter" idx="14"/>
+          </p:nvPr>
+        </p:nvSpPr>
+        <p:spPr/>
+        <p:txBody>
+          <a:bodyPr/>
+          <a:lstStyle/>
+          <a:p>
+            <a:r>
+              <a:rPr lang="de-DE" dirty="0" smtClean="0"/>
+              <a:t>Fazit</a:t>
+            </a:r>
+            <a:endParaRPr lang="de-DE" dirty="0"/>
+          </a:p>
+        </p:txBody>
+      </p:sp>
+      <p:sp>
+        <p:nvSpPr>
+          <p:cNvPr id="7" name="Textplatzhalter 6"/>
+          <p:cNvSpPr>
+            <a:spLocks noGrp="1"/>
+          </p:cNvSpPr>
+          <p:nvPr>
+            <p:ph type="body" sz="quarter" idx="15"/>
+          </p:nvPr>
+        </p:nvSpPr>
+        <p:spPr/>
+        <p:txBody>
+          <a:bodyPr/>
+          <a:lstStyle/>
+          <a:p>
+            <a:r>
+              <a:rPr lang="de-DE" dirty="0" smtClean="0"/>
+              <a:t>Distribution</a:t>
+            </a:r>
+            <a:endParaRPr lang="de-DE" dirty="0"/>
+          </a:p>
+        </p:txBody>
+      </p:sp>
+      <p:sp>
+        <p:nvSpPr>
+          <p:cNvPr id="8" name="Textplatzhalter 7"/>
+          <p:cNvSpPr>
+            <a:spLocks noGrp="1"/>
+          </p:cNvSpPr>
+          <p:nvPr>
+            <p:ph type="body" sz="quarter" idx="16"/>
+          </p:nvPr>
+        </p:nvSpPr>
+        <p:spPr/>
+        <p:txBody>
+          <a:bodyPr/>
+          <a:lstStyle/>
+          <a:p>
+            <a:r>
+              <a:rPr lang="de-DE" dirty="0" smtClean="0"/>
+              <a:t>2/2</a:t>
+            </a:r>
+            <a:endParaRPr lang="de-DE" dirty="0"/>
+          </a:p>
+        </p:txBody>
+      </p:sp>
+      <p:grpSp>
+        <p:nvGrpSpPr>
+          <p:cNvPr id="18" name="Gruppieren 17"/>
+          <p:cNvGrpSpPr/>
+          <p:nvPr/>
+        </p:nvGrpSpPr>
+        <p:grpSpPr>
+          <a:xfrm>
+            <a:off x="1365708" y="2033231"/>
+            <a:ext cx="2609850" cy="3459182"/>
+            <a:chOff x="1597932" y="2395472"/>
+            <a:chExt cx="2609850" cy="3459182"/>
+          </a:xfrm>
+        </p:grpSpPr>
+        <p:pic>
+          <p:nvPicPr>
+            <p:cNvPr id="3" name="Grafik 2"/>
+            <p:cNvPicPr>
+              <a:picLocks noChangeAspect="1"/>
+            </p:cNvPicPr>
+            <p:nvPr/>
+          </p:nvPicPr>
+          <p:blipFill>
+            <a:blip r:embed="rId2">
+              <a:extLst>
+                <a:ext uri="{28A0092B-C50C-407E-A947-70E740481C1C}">
+                  <a14:useLocalDpi xmlns:a14="http://schemas.microsoft.com/office/drawing/2010/main" val="0"/>
+                </a:ext>
+              </a:extLst>
+            </a:blip>
+            <a:stretch>
+              <a:fillRect/>
+            </a:stretch>
+          </p:blipFill>
+          <p:spPr>
+            <a:xfrm>
+              <a:off x="1597932" y="3349579"/>
+              <a:ext cx="2609850" cy="2505075"/>
+            </a:xfrm>
+            <a:prstGeom prst="rect">
+              <a:avLst/>
+            </a:prstGeom>
+          </p:spPr>
+        </p:pic>
+        <p:sp>
+          <p:nvSpPr>
+            <p:cNvPr id="17" name="Textfeld 16"/>
+            <p:cNvSpPr txBox="1"/>
+            <p:nvPr/>
+          </p:nvSpPr>
+          <p:spPr>
+            <a:xfrm>
+              <a:off x="1734909" y="2395472"/>
+              <a:ext cx="2335896" cy="954107"/>
+            </a:xfrm>
+            <a:prstGeom prst="rect">
+              <a:avLst/>
+            </a:prstGeom>
+            <a:noFill/>
+          </p:spPr>
+          <p:txBody>
+            <a:bodyPr wrap="none" rtlCol="0">
+              <a:spAutoFit/>
+            </a:bodyPr>
+            <a:lstStyle/>
+            <a:p>
+              <a:r>
+                <a:rPr lang="de-DE" sz="2800" dirty="0" smtClean="0"/>
+                <a:t>Kostenlose </a:t>
+              </a:r>
+              <a:br>
+                <a:rPr lang="de-DE" sz="2800" dirty="0" smtClean="0"/>
+              </a:br>
+              <a:r>
+                <a:rPr lang="de-DE" sz="2800" dirty="0" smtClean="0"/>
+                <a:t>Online-Version</a:t>
+              </a:r>
+              <a:endParaRPr lang="de-DE" sz="2800" dirty="0"/>
+            </a:p>
+          </p:txBody>
+        </p:sp>
+      </p:grpSp>
+      <p:sp>
+        <p:nvSpPr>
+          <p:cNvPr id="19" name="Pfeil nach rechts 18"/>
+          <p:cNvSpPr/>
+          <p:nvPr/>
+        </p:nvSpPr>
+        <p:spPr>
+          <a:xfrm>
+            <a:off x="4223667" y="3250282"/>
+            <a:ext cx="3309257" cy="1715290"/>
+          </a:xfrm>
+          <a:prstGeom prst="rightArrow">
+            <a:avLst/>
+          </a:prstGeom>
+          <a:solidFill>
+            <a:srgbClr val="7030A0"/>
+          </a:solidFill>
+          <a:ln>
+            <a:noFill/>
+          </a:ln>
+        </p:spPr>
+        <p:style>
+          <a:lnRef idx="2">
+            <a:schemeClr val="accent1">
+              <a:shade val="50000"/>
+            </a:schemeClr>
+          </a:lnRef>
+          <a:fillRef idx="1">
+            <a:schemeClr val="accent1"/>
+          </a:fillRef>
+          <a:effectRef idx="0">
+            <a:schemeClr val="accent1"/>
+          </a:effectRef>
+          <a:fontRef idx="minor">
+            <a:schemeClr val="lt1"/>
+          </a:fontRef>
+        </p:style>
+        <p:txBody>
+          <a:bodyPr rtlCol="0" anchor="ctr"/>
+          <a:lstStyle/>
+          <a:p>
+            <a:pPr algn="ctr"/>
+            <a:r>
+              <a:rPr lang="de-DE" sz="2800" dirty="0" smtClean="0"/>
+              <a:t>Auslieferung und Installation</a:t>
+            </a:r>
+            <a:endParaRPr lang="de-DE" sz="2800" dirty="0"/>
+          </a:p>
+        </p:txBody>
+      </p:sp>
+      <p:grpSp>
+        <p:nvGrpSpPr>
+          <p:cNvPr id="26" name="Gruppieren 25"/>
+          <p:cNvGrpSpPr/>
+          <p:nvPr/>
+        </p:nvGrpSpPr>
+        <p:grpSpPr>
+          <a:xfrm>
+            <a:off x="7649023" y="1946147"/>
+            <a:ext cx="3236698" cy="3569289"/>
+            <a:chOff x="7329715" y="1830035"/>
+            <a:chExt cx="3236698" cy="3569289"/>
+          </a:xfrm>
+        </p:grpSpPr>
+        <p:grpSp>
+          <p:nvGrpSpPr>
+            <p:cNvPr id="25" name="Gruppieren 24"/>
+            <p:cNvGrpSpPr/>
+            <p:nvPr/>
+          </p:nvGrpSpPr>
+          <p:grpSpPr>
+            <a:xfrm>
+              <a:off x="7329715" y="2859325"/>
+              <a:ext cx="3236698" cy="2539999"/>
+              <a:chOff x="7329715" y="2859325"/>
+              <a:chExt cx="3236698" cy="2539999"/>
+            </a:xfrm>
+          </p:grpSpPr>
+          <p:sp>
+            <p:nvSpPr>
+              <p:cNvPr id="22" name="Rechteck 21"/>
+              <p:cNvSpPr/>
+              <p:nvPr/>
+            </p:nvSpPr>
+            <p:spPr>
+              <a:xfrm>
+                <a:off x="7329715" y="2859325"/>
+                <a:ext cx="3236698" cy="2539999"/>
+              </a:xfrm>
+              <a:prstGeom prst="rect">
+                <a:avLst/>
+              </a:prstGeom>
+              <a:noFill/>
+              <a:ln w="38100">
+                <a:solidFill>
+                  <a:srgbClr val="7030A0"/>
+                </a:solidFill>
+              </a:ln>
+            </p:spPr>
+            <p:style>
+              <a:lnRef idx="2">
+                <a:schemeClr val="accent1">
+                  <a:shade val="50000"/>
+                </a:schemeClr>
+              </a:lnRef>
+              <a:fillRef idx="1">
+                <a:schemeClr val="accent1"/>
+              </a:fillRef>
+              <a:effectRef idx="0">
+                <a:schemeClr val="accent1"/>
+              </a:effectRef>
+              <a:fontRef idx="minor">
+                <a:schemeClr val="lt1"/>
+              </a:fontRef>
+            </p:style>
+            <p:txBody>
+              <a:bodyPr rtlCol="0" anchor="ctr"/>
+              <a:lstStyle/>
+              <a:p>
+                <a:pPr algn="ctr"/>
+                <a:endParaRPr lang="de-DE"/>
+              </a:p>
+            </p:txBody>
+          </p:sp>
+          <p:pic>
+            <p:nvPicPr>
+              <p:cNvPr id="10" name="Grafik 9"/>
+              <p:cNvPicPr>
+                <a:picLocks noChangeAspect="1"/>
+              </p:cNvPicPr>
+              <p:nvPr/>
+            </p:nvPicPr>
+            <p:blipFill>
+              <a:blip r:embed="rId3" cstate="print">
+                <a:extLst>
+                  <a:ext uri="{28A0092B-C50C-407E-A947-70E740481C1C}">
+                    <a14:useLocalDpi xmlns:a14="http://schemas.microsoft.com/office/drawing/2010/main" val="0"/>
+                  </a:ext>
+                </a:extLst>
+              </a:blip>
+              <a:stretch>
+                <a:fillRect/>
+              </a:stretch>
+            </p:blipFill>
+            <p:spPr>
+              <a:xfrm>
+                <a:off x="7697466" y="3991815"/>
+                <a:ext cx="696685" cy="1077038"/>
+              </a:xfrm>
+              <a:prstGeom prst="rect">
+                <a:avLst/>
+              </a:prstGeom>
+            </p:spPr>
+          </p:pic>
+          <p:pic>
+            <p:nvPicPr>
+              <p:cNvPr id="21" name="Grafik 20"/>
+              <p:cNvPicPr>
+                <a:picLocks noChangeAspect="1"/>
+              </p:cNvPicPr>
+              <p:nvPr/>
+            </p:nvPicPr>
+            <p:blipFill>
+              <a:blip r:embed="rId4" cstate="print">
+                <a:extLst>
+                  <a:ext uri="{28A0092B-C50C-407E-A947-70E740481C1C}">
+                    <a14:useLocalDpi xmlns:a14="http://schemas.microsoft.com/office/drawing/2010/main" val="0"/>
+                  </a:ext>
+                </a:extLst>
+              </a:blip>
+              <a:stretch>
+                <a:fillRect/>
+              </a:stretch>
+            </p:blipFill>
+            <p:spPr>
+              <a:xfrm>
+                <a:off x="8824699" y="3328439"/>
+                <a:ext cx="1741714" cy="1741714"/>
+              </a:xfrm>
+              <a:prstGeom prst="rect">
+                <a:avLst/>
+              </a:prstGeom>
+            </p:spPr>
+          </p:pic>
+          <p:pic>
+            <p:nvPicPr>
+              <p:cNvPr id="23" name="Grafik 22"/>
+              <p:cNvPicPr>
+                <a:picLocks noChangeAspect="1"/>
+              </p:cNvPicPr>
+              <p:nvPr/>
+            </p:nvPicPr>
+            <p:blipFill>
+              <a:blip r:embed="rId5" cstate="print">
+                <a:extLst>
+                  <a:ext uri="{28A0092B-C50C-407E-A947-70E740481C1C}">
+                    <a14:useLocalDpi xmlns:a14="http://schemas.microsoft.com/office/drawing/2010/main" val="0"/>
+                  </a:ext>
+                </a:extLst>
+              </a:blip>
+              <a:stretch>
+                <a:fillRect/>
+              </a:stretch>
+            </p:blipFill>
+            <p:spPr>
+              <a:xfrm>
+                <a:off x="8384453" y="2971444"/>
+                <a:ext cx="880491" cy="845143"/>
+              </a:xfrm>
+              <a:prstGeom prst="rect">
+                <a:avLst/>
+              </a:prstGeom>
+            </p:spPr>
+          </p:pic>
+        </p:grpSp>
+        <p:sp>
+          <p:nvSpPr>
+            <p:cNvPr id="24" name="Textfeld 23"/>
+            <p:cNvSpPr txBox="1"/>
+            <p:nvPr/>
+          </p:nvSpPr>
+          <p:spPr>
+            <a:xfrm>
+              <a:off x="7434637" y="1830035"/>
+              <a:ext cx="3026854" cy="954107"/>
+            </a:xfrm>
+            <a:prstGeom prst="rect">
+              <a:avLst/>
+            </a:prstGeom>
+            <a:noFill/>
+          </p:spPr>
+          <p:txBody>
+            <a:bodyPr wrap="none" rtlCol="0">
+              <a:spAutoFit/>
+            </a:bodyPr>
+            <a:lstStyle/>
+            <a:p>
+              <a:r>
+                <a:rPr lang="de-DE" sz="2800" dirty="0" smtClean="0"/>
+                <a:t>Enterprise-Version </a:t>
+              </a:r>
+            </a:p>
+            <a:p>
+              <a:r>
+                <a:rPr lang="de-DE" sz="2800" dirty="0" smtClean="0"/>
+                <a:t>mit eigenem Server</a:t>
+              </a:r>
+              <a:endParaRPr lang="de-DE" sz="2800" dirty="0"/>
+            </a:p>
+          </p:txBody>
+        </p:sp>
+      </p:grpSp>
+    </p:spTree>
+    <p:extLst>
+      <p:ext uri="{BB962C8B-B14F-4D97-AF65-F5344CB8AC3E}">
+        <p14:creationId xmlns:p14="http://schemas.microsoft.com/office/powerpoint/2010/main" val="779814319"/>
+      </p:ext>
+    </p:extLst>
+  </p:cSld>
+  <p:clrMapOvr>
+    <a:masterClrMapping/>
+  </p:clrMapOvr>
+</p:sld>
+</file>
+
+<file path=ppt/slides/slide17.xml><?xml version="1.0" encoding="utf-8"?>
+<p:sld xmlns:a="http://schemas.openxmlformats.org/drawingml/2006/main" xmlns:r="http://schemas.openxmlformats.org/officeDocument/2006/relationships" xmlns:p="http://schemas.openxmlformats.org/presentationml/2006/main">
+  <p:cSld>
+    <p:spTree>
+      <p:nvGrpSpPr>
+        <p:cNvPr id="1" name=""/>
+        <p:cNvGrpSpPr/>
+        <p:nvPr/>
+      </p:nvGrpSpPr>
+      <p:grpSpPr>
+        <a:xfrm>
+          <a:off x="0" y="0"/>
+          <a:ext cx="0" cy="0"/>
+          <a:chOff x="0" y="0"/>
+          <a:chExt cx="0" cy="0"/>
+        </a:xfrm>
+      </p:grpSpPr>
+      <p:sp>
+        <p:nvSpPr>
+          <p:cNvPr id="2" name="Titel 1"/>
+          <p:cNvSpPr>
+            <a:spLocks noGrp="1"/>
+          </p:cNvSpPr>
+          <p:nvPr>
+            <p:ph type="title"/>
+          </p:nvPr>
+        </p:nvSpPr>
+        <p:spPr/>
+        <p:txBody>
+          <a:bodyPr/>
+          <a:lstStyle/>
+          <a:p>
+            <a:r>
+              <a:rPr lang="de-DE" dirty="0" smtClean="0"/>
+              <a:t>Marketingmix</a:t>
+            </a:r>
+            <a:endParaRPr lang="de-DE" dirty="0"/>
+          </a:p>
+        </p:txBody>
+      </p:sp>
+      <p:sp>
+        <p:nvSpPr>
+          <p:cNvPr id="3" name="Inhaltsplatzhalter 2"/>
+          <p:cNvSpPr>
+            <a:spLocks noGrp="1"/>
+          </p:cNvSpPr>
+          <p:nvPr>
+            <p:ph idx="1"/>
+          </p:nvPr>
+        </p:nvSpPr>
+        <p:spPr/>
+        <p:txBody>
+          <a:bodyPr/>
+          <a:lstStyle/>
+          <a:p>
+            <a:endParaRPr lang="de-DE"/>
+          </a:p>
+        </p:txBody>
+      </p:sp>
+      <p:sp>
+        <p:nvSpPr>
+          <p:cNvPr id="4" name="Inhaltsplatzhalter 3"/>
+          <p:cNvSpPr>
+            <a:spLocks noGrp="1"/>
+          </p:cNvSpPr>
+          <p:nvPr>
+            <p:ph sz="quarter" idx="12"/>
+          </p:nvPr>
+        </p:nvSpPr>
+        <p:spPr/>
+        <p:txBody>
+          <a:bodyPr>
+            <a:normAutofit fontScale="92500"/>
+          </a:bodyPr>
+          <a:lstStyle/>
+          <a:p>
+            <a:r>
+              <a:rPr lang="de-DE" dirty="0" smtClean="0"/>
+              <a:t>Marketingstrategie/-ziele</a:t>
+            </a:r>
+            <a:endParaRPr lang="de-DE" dirty="0"/>
+          </a:p>
+        </p:txBody>
+      </p:sp>
+      <p:sp>
+        <p:nvSpPr>
+          <p:cNvPr id="5" name="Inhaltsplatzhalter 4"/>
+          <p:cNvSpPr>
+            <a:spLocks noGrp="1"/>
+          </p:cNvSpPr>
+          <p:nvPr>
+            <p:ph sz="quarter" idx="13"/>
+          </p:nvPr>
+        </p:nvSpPr>
+        <p:spPr/>
+        <p:txBody>
+          <a:bodyPr/>
+          <a:lstStyle/>
+          <a:p>
+            <a:r>
+              <a:rPr lang="de-DE" dirty="0" smtClean="0"/>
+              <a:t>Marketingmix</a:t>
+            </a:r>
+            <a:endParaRPr lang="de-DE" dirty="0"/>
+          </a:p>
+        </p:txBody>
+      </p:sp>
+      <p:sp>
+        <p:nvSpPr>
+          <p:cNvPr id="6" name="Inhaltsplatzhalter 5"/>
+          <p:cNvSpPr>
+            <a:spLocks noGrp="1"/>
+          </p:cNvSpPr>
+          <p:nvPr>
+            <p:ph sz="quarter" idx="14"/>
+          </p:nvPr>
+        </p:nvSpPr>
+        <p:spPr/>
+        <p:txBody>
+          <a:bodyPr/>
+          <a:lstStyle/>
+          <a:p>
+            <a:r>
+              <a:rPr lang="de-DE" dirty="0" smtClean="0"/>
+              <a:t>Fazit</a:t>
+            </a:r>
+            <a:endParaRPr lang="de-DE" dirty="0"/>
+          </a:p>
+        </p:txBody>
+      </p:sp>
+      <p:sp>
+        <p:nvSpPr>
+          <p:cNvPr id="7" name="Textplatzhalter 6"/>
+          <p:cNvSpPr>
+            <a:spLocks noGrp="1"/>
+          </p:cNvSpPr>
+          <p:nvPr>
+            <p:ph type="body" sz="quarter" idx="15"/>
+          </p:nvPr>
+        </p:nvSpPr>
+        <p:spPr/>
+        <p:txBody>
+          <a:bodyPr/>
+          <a:lstStyle/>
+          <a:p>
+            <a:r>
+              <a:rPr lang="de-DE" dirty="0" smtClean="0"/>
+              <a:t>Preis</a:t>
+            </a:r>
+            <a:endParaRPr lang="de-DE" dirty="0"/>
+          </a:p>
+        </p:txBody>
+      </p:sp>
+      <p:sp>
+        <p:nvSpPr>
+          <p:cNvPr id="8" name="Textplatzhalter 7"/>
+          <p:cNvSpPr>
+            <a:spLocks noGrp="1"/>
+          </p:cNvSpPr>
+          <p:nvPr>
+            <p:ph type="body" sz="quarter" idx="16"/>
+          </p:nvPr>
+        </p:nvSpPr>
+        <p:spPr/>
+        <p:txBody>
+          <a:bodyPr/>
+          <a:lstStyle/>
+          <a:p>
+            <a:endParaRPr lang="de-DE"/>
+          </a:p>
+        </p:txBody>
+      </p:sp>
+    </p:spTree>
+    <p:extLst>
+      <p:ext uri="{BB962C8B-B14F-4D97-AF65-F5344CB8AC3E}">
+        <p14:creationId xmlns:p14="http://schemas.microsoft.com/office/powerpoint/2010/main" val="2537696220"/>
+      </p:ext>
+    </p:extLst>
+  </p:cSld>
+  <p:clrMapOvr>
+    <a:masterClrMapping/>
+  </p:clrMapOvr>
+</p:sld>
+</file>
+
+<file path=ppt/slides/slide18.xml><?xml version="1.0" encoding="utf-8"?>
+<p:sld xmlns:a="http://schemas.openxmlformats.org/drawingml/2006/main" xmlns:r="http://schemas.openxmlformats.org/officeDocument/2006/relationships" xmlns:p="http://schemas.openxmlformats.org/presentationml/2006/main">
+  <p:cSld>
+    <p:spTree>
+      <p:nvGrpSpPr>
+        <p:cNvPr id="1" name=""/>
+        <p:cNvGrpSpPr/>
+        <p:nvPr/>
+      </p:nvGrpSpPr>
+      <p:grpSpPr>
+        <a:xfrm>
+          <a:off x="0" y="0"/>
+          <a:ext cx="0" cy="0"/>
+          <a:chOff x="0" y="0"/>
+          <a:chExt cx="0" cy="0"/>
+        </a:xfrm>
+      </p:grpSpPr>
+      <p:sp>
+        <p:nvSpPr>
+          <p:cNvPr id="2" name="Titel 1"/>
+          <p:cNvSpPr>
+            <a:spLocks noGrp="1"/>
+          </p:cNvSpPr>
+          <p:nvPr>
+            <p:ph type="title"/>
+          </p:nvPr>
+        </p:nvSpPr>
+        <p:spPr/>
+        <p:txBody>
+          <a:bodyPr/>
+          <a:lstStyle/>
+          <a:p>
+            <a:r>
+              <a:rPr lang="de-DE" dirty="0" smtClean="0"/>
+              <a:t>Marketingmix</a:t>
+            </a:r>
+            <a:endParaRPr lang="de-DE" dirty="0"/>
+          </a:p>
+        </p:txBody>
+      </p:sp>
+      <p:sp>
+        <p:nvSpPr>
           <p:cNvPr id="3" name="Inhaltsplatzhalter 2"/>
           <p:cNvSpPr>
             <a:spLocks noGrp="1"/>
@@ -8628,7 +10123,7 @@
 </p:sld>
 </file>
 
-<file path=ppt/slides/slide17.xml><?xml version="1.0" encoding="utf-8"?>
+<file path=ppt/slides/slide19.xml><?xml version="1.0" encoding="utf-8"?>
 <p:sld xmlns:a="http://schemas.openxmlformats.org/drawingml/2006/main" xmlns:r="http://schemas.openxmlformats.org/officeDocument/2006/relationships" xmlns:p="http://schemas.openxmlformats.org/presentationml/2006/main">
   <p:cSld>
     <p:spTree>
@@ -10780,7 +12275,7 @@
   <a:extraClrSchemeLst/>
   <a:extLst>
     <a:ext uri="{05A4C25C-085E-4340-85A3-A5531E510DB2}">
-      <thm15:themeFamily xmlns:thm15="http://schemas.microsoft.com/office/thememl/2012/main" xmlns="" name="Office Theme" id="{62F939B6-93AF-4DB8-9C6B-D6C7DFDC589F}" vid="{4A3C46E8-61CC-4603-A589-7422A47A8E4A}"/>
+      <thm15:themeFamily xmlns="" xmlns:thm15="http://schemas.microsoft.com/office/thememl/2012/main" name="Office Theme" id="{62F939B6-93AF-4DB8-9C6B-D6C7DFDC589F}" vid="{4A3C46E8-61CC-4603-A589-7422A47A8E4A}"/>
     </a:ext>
   </a:extLst>
 </a:theme>

--- a/5_Präsentation/Projektpräsentation_Serfling.pptx
+++ b/5_Präsentation/Projektpräsentation_Serfling.pptx
@@ -5,7 +5,7 @@
     <p:sldMasterId id="2147483648" r:id="rId1"/>
   </p:sldMasterIdLst>
   <p:notesMasterIdLst>
-    <p:notesMasterId r:id="rId21"/>
+    <p:notesMasterId r:id="rId23"/>
   </p:notesMasterIdLst>
   <p:sldIdLst>
     <p:sldId id="256" r:id="rId2"/>
@@ -26,7 +26,9 @@
     <p:sldId id="274" r:id="rId17"/>
     <p:sldId id="269" r:id="rId18"/>
     <p:sldId id="270" r:id="rId19"/>
-    <p:sldId id="271" r:id="rId20"/>
+    <p:sldId id="275" r:id="rId20"/>
+    <p:sldId id="276" r:id="rId21"/>
+    <p:sldId id="271" r:id="rId22"/>
   </p:sldIdLst>
   <p:sldSz cx="12192000" cy="6858000"/>
   <p:notesSz cx="6858000" cy="9144000"/>
@@ -127,7 +129,7 @@
   </p:defaultTextStyle>
   <p:extLst>
     <p:ext uri="{EFAFB233-063F-42B5-8137-9DF3F51BA10A}">
-      <p15:sldGuideLst xmlns="" xmlns:p15="http://schemas.microsoft.com/office/powerpoint/2012/main">
+      <p15:sldGuideLst xmlns:p15="http://schemas.microsoft.com/office/powerpoint/2012/main" xmlns="">
         <p15:guide id="1" orient="horz" pos="2160">
           <p15:clr>
             <a:srgbClr val="A4A3A4"/>
@@ -142,6 +144,4033 @@
     </p:ext>
   </p:extLst>
 </p:presentation>
+</file>
+
+<file path=ppt/diagrams/colors1.xml><?xml version="1.0" encoding="utf-8"?>
+<dgm:colorsDef xmlns:dgm="http://schemas.openxmlformats.org/drawingml/2006/diagram" xmlns:a="http://schemas.openxmlformats.org/drawingml/2006/main" uniqueId="urn:microsoft.com/office/officeart/2005/8/colors/accent1_2">
+  <dgm:title val=""/>
+  <dgm:desc val=""/>
+  <dgm:catLst>
+    <dgm:cat type="accent1" pri="11200"/>
+  </dgm:catLst>
+  <dgm:styleLbl name="node0">
+    <dgm:fillClrLst meth="repeat">
+      <a:schemeClr val="accent1"/>
+    </dgm:fillClrLst>
+    <dgm:linClrLst meth="repeat">
+      <a:schemeClr val="lt1"/>
+    </dgm:linClrLst>
+    <dgm:effectClrLst/>
+    <dgm:txLinClrLst/>
+    <dgm:txFillClrLst/>
+    <dgm:txEffectClrLst/>
+  </dgm:styleLbl>
+  <dgm:styleLbl name="alignNode1">
+    <dgm:fillClrLst meth="repeat">
+      <a:schemeClr val="accent1"/>
+    </dgm:fillClrLst>
+    <dgm:linClrLst meth="repeat">
+      <a:schemeClr val="accent1"/>
+    </dgm:linClrLst>
+    <dgm:effectClrLst/>
+    <dgm:txLinClrLst/>
+    <dgm:txFillClrLst/>
+    <dgm:txEffectClrLst/>
+  </dgm:styleLbl>
+  <dgm:styleLbl name="node1">
+    <dgm:fillClrLst meth="repeat">
+      <a:schemeClr val="accent1"/>
+    </dgm:fillClrLst>
+    <dgm:linClrLst meth="repeat">
+      <a:schemeClr val="lt1"/>
+    </dgm:linClrLst>
+    <dgm:effectClrLst/>
+    <dgm:txLinClrLst/>
+    <dgm:txFillClrLst/>
+    <dgm:txEffectClrLst/>
+  </dgm:styleLbl>
+  <dgm:styleLbl name="lnNode1">
+    <dgm:fillClrLst meth="repeat">
+      <a:schemeClr val="accent1"/>
+    </dgm:fillClrLst>
+    <dgm:linClrLst meth="repeat">
+      <a:schemeClr val="lt1"/>
+    </dgm:linClrLst>
+    <dgm:effectClrLst/>
+    <dgm:txLinClrLst/>
+    <dgm:txFillClrLst/>
+    <dgm:txEffectClrLst/>
+  </dgm:styleLbl>
+  <dgm:styleLbl name="vennNode1">
+    <dgm:fillClrLst meth="repeat">
+      <a:schemeClr val="accent1">
+        <a:alpha val="50000"/>
+      </a:schemeClr>
+    </dgm:fillClrLst>
+    <dgm:linClrLst meth="repeat">
+      <a:schemeClr val="lt1"/>
+    </dgm:linClrLst>
+    <dgm:effectClrLst/>
+    <dgm:txLinClrLst/>
+    <dgm:txFillClrLst/>
+    <dgm:txEffectClrLst/>
+  </dgm:styleLbl>
+  <dgm:styleLbl name="node2">
+    <dgm:fillClrLst meth="repeat">
+      <a:schemeClr val="accent1"/>
+    </dgm:fillClrLst>
+    <dgm:linClrLst meth="repeat">
+      <a:schemeClr val="lt1"/>
+    </dgm:linClrLst>
+    <dgm:effectClrLst/>
+    <dgm:txLinClrLst/>
+    <dgm:txFillClrLst/>
+    <dgm:txEffectClrLst/>
+  </dgm:styleLbl>
+  <dgm:styleLbl name="node3">
+    <dgm:fillClrLst meth="repeat">
+      <a:schemeClr val="accent1"/>
+    </dgm:fillClrLst>
+    <dgm:linClrLst meth="repeat">
+      <a:schemeClr val="lt1"/>
+    </dgm:linClrLst>
+    <dgm:effectClrLst/>
+    <dgm:txLinClrLst/>
+    <dgm:txFillClrLst/>
+    <dgm:txEffectClrLst/>
+  </dgm:styleLbl>
+  <dgm:styleLbl name="node4">
+    <dgm:fillClrLst meth="repeat">
+      <a:schemeClr val="accent1"/>
+    </dgm:fillClrLst>
+    <dgm:linClrLst meth="repeat">
+      <a:schemeClr val="lt1"/>
+    </dgm:linClrLst>
+    <dgm:effectClrLst/>
+    <dgm:txLinClrLst/>
+    <dgm:txFillClrLst/>
+    <dgm:txEffectClrLst/>
+  </dgm:styleLbl>
+  <dgm:styleLbl name="fgImgPlace1">
+    <dgm:fillClrLst meth="repeat">
+      <a:schemeClr val="accent1">
+        <a:tint val="50000"/>
+      </a:schemeClr>
+    </dgm:fillClrLst>
+    <dgm:linClrLst meth="repeat">
+      <a:schemeClr val="lt1"/>
+    </dgm:linClrLst>
+    <dgm:effectClrLst/>
+    <dgm:txLinClrLst/>
+    <dgm:txFillClrLst meth="repeat">
+      <a:schemeClr val="lt1"/>
+    </dgm:txFillClrLst>
+    <dgm:txEffectClrLst/>
+  </dgm:styleLbl>
+  <dgm:styleLbl name="alignImgPlace1">
+    <dgm:fillClrLst meth="repeat">
+      <a:schemeClr val="accent1">
+        <a:tint val="50000"/>
+      </a:schemeClr>
+    </dgm:fillClrLst>
+    <dgm:linClrLst meth="repeat">
+      <a:schemeClr val="lt1"/>
+    </dgm:linClrLst>
+    <dgm:effectClrLst/>
+    <dgm:txLinClrLst/>
+    <dgm:txFillClrLst meth="repeat">
+      <a:schemeClr val="lt1"/>
+    </dgm:txFillClrLst>
+    <dgm:txEffectClrLst/>
+  </dgm:styleLbl>
+  <dgm:styleLbl name="bgImgPlace1">
+    <dgm:fillClrLst meth="repeat">
+      <a:schemeClr val="accent1">
+        <a:tint val="50000"/>
+      </a:schemeClr>
+    </dgm:fillClrLst>
+    <dgm:linClrLst meth="repeat">
+      <a:schemeClr val="lt1"/>
+    </dgm:linClrLst>
+    <dgm:effectClrLst/>
+    <dgm:txLinClrLst/>
+    <dgm:txFillClrLst meth="repeat">
+      <a:schemeClr val="lt1"/>
+    </dgm:txFillClrLst>
+    <dgm:txEffectClrLst/>
+  </dgm:styleLbl>
+  <dgm:styleLbl name="sibTrans2D1">
+    <dgm:fillClrLst meth="repeat">
+      <a:schemeClr val="accent1">
+        <a:tint val="60000"/>
+      </a:schemeClr>
+    </dgm:fillClrLst>
+    <dgm:linClrLst meth="repeat">
+      <a:schemeClr val="accent1">
+        <a:tint val="60000"/>
+      </a:schemeClr>
+    </dgm:linClrLst>
+    <dgm:effectClrLst/>
+    <dgm:txLinClrLst/>
+    <dgm:txFillClrLst/>
+    <dgm:txEffectClrLst/>
+  </dgm:styleLbl>
+  <dgm:styleLbl name="fgSibTrans2D1">
+    <dgm:fillClrLst meth="repeat">
+      <a:schemeClr val="accent1">
+        <a:tint val="60000"/>
+      </a:schemeClr>
+    </dgm:fillClrLst>
+    <dgm:linClrLst meth="repeat">
+      <a:schemeClr val="accent1">
+        <a:tint val="60000"/>
+      </a:schemeClr>
+    </dgm:linClrLst>
+    <dgm:effectClrLst/>
+    <dgm:txLinClrLst/>
+    <dgm:txFillClrLst/>
+    <dgm:txEffectClrLst/>
+  </dgm:styleLbl>
+  <dgm:styleLbl name="bgSibTrans2D1">
+    <dgm:fillClrLst meth="repeat">
+      <a:schemeClr val="accent1">
+        <a:tint val="60000"/>
+      </a:schemeClr>
+    </dgm:fillClrLst>
+    <dgm:linClrLst meth="repeat">
+      <a:schemeClr val="accent1">
+        <a:tint val="60000"/>
+      </a:schemeClr>
+    </dgm:linClrLst>
+    <dgm:effectClrLst/>
+    <dgm:txLinClrLst/>
+    <dgm:txFillClrLst/>
+    <dgm:txEffectClrLst/>
+  </dgm:styleLbl>
+  <dgm:styleLbl name="sibTrans1D1">
+    <dgm:fillClrLst meth="repeat">
+      <a:schemeClr val="accent1"/>
+    </dgm:fillClrLst>
+    <dgm:linClrLst meth="repeat">
+      <a:schemeClr val="accent1"/>
+    </dgm:linClrLst>
+    <dgm:effectClrLst/>
+    <dgm:txLinClrLst/>
+    <dgm:txFillClrLst meth="repeat">
+      <a:schemeClr val="tx1"/>
+    </dgm:txFillClrLst>
+    <dgm:txEffectClrLst/>
+  </dgm:styleLbl>
+  <dgm:styleLbl name="callout">
+    <dgm:fillClrLst meth="repeat">
+      <a:schemeClr val="accent1"/>
+    </dgm:fillClrLst>
+    <dgm:linClrLst meth="repeat">
+      <a:schemeClr val="accent1">
+        <a:tint val="50000"/>
+      </a:schemeClr>
+    </dgm:linClrLst>
+    <dgm:effectClrLst/>
+    <dgm:txLinClrLst/>
+    <dgm:txFillClrLst meth="repeat">
+      <a:schemeClr val="tx1"/>
+    </dgm:txFillClrLst>
+    <dgm:txEffectClrLst/>
+  </dgm:styleLbl>
+  <dgm:styleLbl name="asst0">
+    <dgm:fillClrLst meth="repeat">
+      <a:schemeClr val="accent1"/>
+    </dgm:fillClrLst>
+    <dgm:linClrLst meth="repeat">
+      <a:schemeClr val="lt1"/>
+    </dgm:linClrLst>
+    <dgm:effectClrLst/>
+    <dgm:txLinClrLst/>
+    <dgm:txFillClrLst/>
+    <dgm:txEffectClrLst/>
+  </dgm:styleLbl>
+  <dgm:styleLbl name="asst1">
+    <dgm:fillClrLst meth="repeat">
+      <a:schemeClr val="accent1"/>
+    </dgm:fillClrLst>
+    <dgm:linClrLst meth="repeat">
+      <a:schemeClr val="lt1"/>
+    </dgm:linClrLst>
+    <dgm:effectClrLst/>
+    <dgm:txLinClrLst/>
+    <dgm:txFillClrLst/>
+    <dgm:txEffectClrLst/>
+  </dgm:styleLbl>
+  <dgm:styleLbl name="asst2">
+    <dgm:fillClrLst meth="repeat">
+      <a:schemeClr val="accent1"/>
+    </dgm:fillClrLst>
+    <dgm:linClrLst meth="repeat">
+      <a:schemeClr val="lt1"/>
+    </dgm:linClrLst>
+    <dgm:effectClrLst/>
+    <dgm:txLinClrLst/>
+    <dgm:txFillClrLst/>
+    <dgm:txEffectClrLst/>
+  </dgm:styleLbl>
+  <dgm:styleLbl name="asst3">
+    <dgm:fillClrLst meth="repeat">
+      <a:schemeClr val="accent1"/>
+    </dgm:fillClrLst>
+    <dgm:linClrLst meth="repeat">
+      <a:schemeClr val="lt1"/>
+    </dgm:linClrLst>
+    <dgm:effectClrLst/>
+    <dgm:txLinClrLst/>
+    <dgm:txFillClrLst/>
+    <dgm:txEffectClrLst/>
+  </dgm:styleLbl>
+  <dgm:styleLbl name="asst4">
+    <dgm:fillClrLst meth="repeat">
+      <a:schemeClr val="accent1"/>
+    </dgm:fillClrLst>
+    <dgm:linClrLst meth="repeat">
+      <a:schemeClr val="lt1"/>
+    </dgm:linClrLst>
+    <dgm:effectClrLst/>
+    <dgm:txLinClrLst/>
+    <dgm:txFillClrLst/>
+    <dgm:txEffectClrLst/>
+  </dgm:styleLbl>
+  <dgm:styleLbl name="parChTrans2D1">
+    <dgm:fillClrLst meth="repeat">
+      <a:schemeClr val="accent1">
+        <a:tint val="60000"/>
+      </a:schemeClr>
+    </dgm:fillClrLst>
+    <dgm:linClrLst meth="repeat">
+      <a:schemeClr val="accent1">
+        <a:tint val="60000"/>
+      </a:schemeClr>
+    </dgm:linClrLst>
+    <dgm:effectClrLst/>
+    <dgm:txLinClrLst/>
+    <dgm:txFillClrLst meth="repeat">
+      <a:schemeClr val="lt1"/>
+    </dgm:txFillClrLst>
+    <dgm:txEffectClrLst/>
+  </dgm:styleLbl>
+  <dgm:styleLbl name="parChTrans2D2">
+    <dgm:fillClrLst meth="repeat">
+      <a:schemeClr val="accent1"/>
+    </dgm:fillClrLst>
+    <dgm:linClrLst meth="repeat">
+      <a:schemeClr val="accent1"/>
+    </dgm:linClrLst>
+    <dgm:effectClrLst/>
+    <dgm:txLinClrLst/>
+    <dgm:txFillClrLst meth="repeat">
+      <a:schemeClr val="lt1"/>
+    </dgm:txFillClrLst>
+    <dgm:txEffectClrLst/>
+  </dgm:styleLbl>
+  <dgm:styleLbl name="parChTrans2D3">
+    <dgm:fillClrLst meth="repeat">
+      <a:schemeClr val="accent1"/>
+    </dgm:fillClrLst>
+    <dgm:linClrLst meth="repeat">
+      <a:schemeClr val="accent1"/>
+    </dgm:linClrLst>
+    <dgm:effectClrLst/>
+    <dgm:txLinClrLst/>
+    <dgm:txFillClrLst meth="repeat">
+      <a:schemeClr val="lt1"/>
+    </dgm:txFillClrLst>
+    <dgm:txEffectClrLst/>
+  </dgm:styleLbl>
+  <dgm:styleLbl name="parChTrans2D4">
+    <dgm:fillClrLst meth="repeat">
+      <a:schemeClr val="accent1"/>
+    </dgm:fillClrLst>
+    <dgm:linClrLst meth="repeat">
+      <a:schemeClr val="accent1"/>
+    </dgm:linClrLst>
+    <dgm:effectClrLst/>
+    <dgm:txLinClrLst/>
+    <dgm:txFillClrLst meth="repeat">
+      <a:schemeClr val="lt1"/>
+    </dgm:txFillClrLst>
+    <dgm:txEffectClrLst/>
+  </dgm:styleLbl>
+  <dgm:styleLbl name="parChTrans1D1">
+    <dgm:fillClrLst meth="repeat">
+      <a:schemeClr val="accent1"/>
+    </dgm:fillClrLst>
+    <dgm:linClrLst meth="repeat">
+      <a:schemeClr val="accent1">
+        <a:shade val="60000"/>
+      </a:schemeClr>
+    </dgm:linClrLst>
+    <dgm:effectClrLst/>
+    <dgm:txLinClrLst/>
+    <dgm:txFillClrLst meth="repeat">
+      <a:schemeClr val="tx1"/>
+    </dgm:txFillClrLst>
+    <dgm:txEffectClrLst/>
+  </dgm:styleLbl>
+  <dgm:styleLbl name="parChTrans1D2">
+    <dgm:fillClrLst meth="repeat">
+      <a:schemeClr val="accent1"/>
+    </dgm:fillClrLst>
+    <dgm:linClrLst meth="repeat">
+      <a:schemeClr val="accent1">
+        <a:shade val="60000"/>
+      </a:schemeClr>
+    </dgm:linClrLst>
+    <dgm:effectClrLst/>
+    <dgm:txLinClrLst/>
+    <dgm:txFillClrLst meth="repeat">
+      <a:schemeClr val="tx1"/>
+    </dgm:txFillClrLst>
+    <dgm:txEffectClrLst/>
+  </dgm:styleLbl>
+  <dgm:styleLbl name="parChTrans1D3">
+    <dgm:fillClrLst meth="repeat">
+      <a:schemeClr val="accent1"/>
+    </dgm:fillClrLst>
+    <dgm:linClrLst meth="repeat">
+      <a:schemeClr val="accent1">
+        <a:shade val="80000"/>
+      </a:schemeClr>
+    </dgm:linClrLst>
+    <dgm:effectClrLst/>
+    <dgm:txLinClrLst/>
+    <dgm:txFillClrLst meth="repeat">
+      <a:schemeClr val="tx1"/>
+    </dgm:txFillClrLst>
+    <dgm:txEffectClrLst/>
+  </dgm:styleLbl>
+  <dgm:styleLbl name="parChTrans1D4">
+    <dgm:fillClrLst meth="repeat">
+      <a:schemeClr val="accent1"/>
+    </dgm:fillClrLst>
+    <dgm:linClrLst meth="repeat">
+      <a:schemeClr val="accent1">
+        <a:shade val="80000"/>
+      </a:schemeClr>
+    </dgm:linClrLst>
+    <dgm:effectClrLst/>
+    <dgm:txLinClrLst/>
+    <dgm:txFillClrLst meth="repeat">
+      <a:schemeClr val="tx1"/>
+    </dgm:txFillClrLst>
+    <dgm:txEffectClrLst/>
+  </dgm:styleLbl>
+  <dgm:styleLbl name="fgAcc1">
+    <dgm:fillClrLst meth="repeat">
+      <a:schemeClr val="lt1">
+        <a:alpha val="90000"/>
+      </a:schemeClr>
+    </dgm:fillClrLst>
+    <dgm:linClrLst meth="repeat">
+      <a:schemeClr val="accent1"/>
+    </dgm:linClrLst>
+    <dgm:effectClrLst/>
+    <dgm:txLinClrLst/>
+    <dgm:txFillClrLst meth="repeat">
+      <a:schemeClr val="dk1"/>
+    </dgm:txFillClrLst>
+    <dgm:txEffectClrLst/>
+  </dgm:styleLbl>
+  <dgm:styleLbl name="conFgAcc1">
+    <dgm:fillClrLst meth="repeat">
+      <a:schemeClr val="lt1">
+        <a:alpha val="90000"/>
+      </a:schemeClr>
+    </dgm:fillClrLst>
+    <dgm:linClrLst meth="repeat">
+      <a:schemeClr val="accent1"/>
+    </dgm:linClrLst>
+    <dgm:effectClrLst/>
+    <dgm:txLinClrLst/>
+    <dgm:txFillClrLst meth="repeat">
+      <a:schemeClr val="dk1"/>
+    </dgm:txFillClrLst>
+    <dgm:txEffectClrLst/>
+  </dgm:styleLbl>
+  <dgm:styleLbl name="alignAcc1">
+    <dgm:fillClrLst meth="repeat">
+      <a:schemeClr val="lt1">
+        <a:alpha val="90000"/>
+      </a:schemeClr>
+    </dgm:fillClrLst>
+    <dgm:linClrLst meth="repeat">
+      <a:schemeClr val="accent1"/>
+    </dgm:linClrLst>
+    <dgm:effectClrLst/>
+    <dgm:txLinClrLst/>
+    <dgm:txFillClrLst meth="repeat">
+      <a:schemeClr val="dk1"/>
+    </dgm:txFillClrLst>
+    <dgm:txEffectClrLst/>
+  </dgm:styleLbl>
+  <dgm:styleLbl name="trAlignAcc1">
+    <dgm:fillClrLst meth="repeat">
+      <a:schemeClr val="lt1">
+        <a:alpha val="40000"/>
+      </a:schemeClr>
+    </dgm:fillClrLst>
+    <dgm:linClrLst meth="repeat">
+      <a:schemeClr val="accent1"/>
+    </dgm:linClrLst>
+    <dgm:effectClrLst/>
+    <dgm:txLinClrLst/>
+    <dgm:txFillClrLst meth="repeat">
+      <a:schemeClr val="dk1"/>
+    </dgm:txFillClrLst>
+    <dgm:txEffectClrLst/>
+  </dgm:styleLbl>
+  <dgm:styleLbl name="bgAcc1">
+    <dgm:fillClrLst meth="repeat">
+      <a:schemeClr val="lt1">
+        <a:alpha val="90000"/>
+      </a:schemeClr>
+    </dgm:fillClrLst>
+    <dgm:linClrLst meth="repeat">
+      <a:schemeClr val="accent1"/>
+    </dgm:linClrLst>
+    <dgm:effectClrLst/>
+    <dgm:txLinClrLst/>
+    <dgm:txFillClrLst meth="repeat">
+      <a:schemeClr val="dk1"/>
+    </dgm:txFillClrLst>
+    <dgm:txEffectClrLst/>
+  </dgm:styleLbl>
+  <dgm:styleLbl name="solidFgAcc1">
+    <dgm:fillClrLst meth="repeat">
+      <a:schemeClr val="lt1"/>
+    </dgm:fillClrLst>
+    <dgm:linClrLst meth="repeat">
+      <a:schemeClr val="accent1"/>
+    </dgm:linClrLst>
+    <dgm:effectClrLst/>
+    <dgm:txLinClrLst/>
+    <dgm:txFillClrLst meth="repeat">
+      <a:schemeClr val="dk1"/>
+    </dgm:txFillClrLst>
+    <dgm:txEffectClrLst/>
+  </dgm:styleLbl>
+  <dgm:styleLbl name="solidAlignAcc1">
+    <dgm:fillClrLst meth="repeat">
+      <a:schemeClr val="lt1"/>
+    </dgm:fillClrLst>
+    <dgm:linClrLst meth="repeat">
+      <a:schemeClr val="accent1"/>
+    </dgm:linClrLst>
+    <dgm:effectClrLst/>
+    <dgm:txLinClrLst/>
+    <dgm:txFillClrLst meth="repeat">
+      <a:schemeClr val="dk1"/>
+    </dgm:txFillClrLst>
+    <dgm:txEffectClrLst/>
+  </dgm:styleLbl>
+  <dgm:styleLbl name="solidBgAcc1">
+    <dgm:fillClrLst meth="repeat">
+      <a:schemeClr val="lt1"/>
+    </dgm:fillClrLst>
+    <dgm:linClrLst meth="repeat">
+      <a:schemeClr val="accent1"/>
+    </dgm:linClrLst>
+    <dgm:effectClrLst/>
+    <dgm:txLinClrLst/>
+    <dgm:txFillClrLst meth="repeat">
+      <a:schemeClr val="dk1"/>
+    </dgm:txFillClrLst>
+    <dgm:txEffectClrLst/>
+  </dgm:styleLbl>
+  <dgm:styleLbl name="fgAccFollowNode1">
+    <dgm:fillClrLst meth="repeat">
+      <a:schemeClr val="accent1">
+        <a:alpha val="90000"/>
+        <a:tint val="40000"/>
+      </a:schemeClr>
+    </dgm:fillClrLst>
+    <dgm:linClrLst meth="repeat">
+      <a:schemeClr val="accent1">
+        <a:alpha val="90000"/>
+        <a:tint val="40000"/>
+      </a:schemeClr>
+    </dgm:linClrLst>
+    <dgm:effectClrLst/>
+    <dgm:txLinClrLst/>
+    <dgm:txFillClrLst meth="repeat">
+      <a:schemeClr val="dk1"/>
+    </dgm:txFillClrLst>
+    <dgm:txEffectClrLst/>
+  </dgm:styleLbl>
+  <dgm:styleLbl name="alignAccFollowNode1">
+    <dgm:fillClrLst meth="repeat">
+      <a:schemeClr val="accent1">
+        <a:alpha val="90000"/>
+        <a:tint val="40000"/>
+      </a:schemeClr>
+    </dgm:fillClrLst>
+    <dgm:linClrLst meth="repeat">
+      <a:schemeClr val="accent1">
+        <a:alpha val="90000"/>
+        <a:tint val="40000"/>
+      </a:schemeClr>
+    </dgm:linClrLst>
+    <dgm:effectClrLst/>
+    <dgm:txLinClrLst/>
+    <dgm:txFillClrLst meth="repeat">
+      <a:schemeClr val="dk1"/>
+    </dgm:txFillClrLst>
+    <dgm:txEffectClrLst/>
+  </dgm:styleLbl>
+  <dgm:styleLbl name="bgAccFollowNode1">
+    <dgm:fillClrLst meth="repeat">
+      <a:schemeClr val="accent1">
+        <a:alpha val="90000"/>
+        <a:tint val="40000"/>
+      </a:schemeClr>
+    </dgm:fillClrLst>
+    <dgm:linClrLst meth="repeat">
+      <a:schemeClr val="accent1">
+        <a:alpha val="90000"/>
+        <a:tint val="40000"/>
+      </a:schemeClr>
+    </dgm:linClrLst>
+    <dgm:effectClrLst/>
+    <dgm:txLinClrLst/>
+    <dgm:txFillClrLst meth="repeat">
+      <a:schemeClr val="dk1"/>
+    </dgm:txFillClrLst>
+    <dgm:txEffectClrLst/>
+  </dgm:styleLbl>
+  <dgm:styleLbl name="fgAcc0">
+    <dgm:fillClrLst meth="repeat">
+      <a:schemeClr val="lt1">
+        <a:alpha val="90000"/>
+      </a:schemeClr>
+    </dgm:fillClrLst>
+    <dgm:linClrLst meth="repeat">
+      <a:schemeClr val="accent1"/>
+    </dgm:linClrLst>
+    <dgm:effectClrLst/>
+    <dgm:txLinClrLst/>
+    <dgm:txFillClrLst meth="repeat">
+      <a:schemeClr val="dk1"/>
+    </dgm:txFillClrLst>
+    <dgm:txEffectClrLst/>
+  </dgm:styleLbl>
+  <dgm:styleLbl name="fgAcc2">
+    <dgm:fillClrLst meth="repeat">
+      <a:schemeClr val="lt1">
+        <a:alpha val="90000"/>
+      </a:schemeClr>
+    </dgm:fillClrLst>
+    <dgm:linClrLst meth="repeat">
+      <a:schemeClr val="accent1"/>
+    </dgm:linClrLst>
+    <dgm:effectClrLst/>
+    <dgm:txLinClrLst/>
+    <dgm:txFillClrLst meth="repeat">
+      <a:schemeClr val="dk1"/>
+    </dgm:txFillClrLst>
+    <dgm:txEffectClrLst/>
+  </dgm:styleLbl>
+  <dgm:styleLbl name="fgAcc3">
+    <dgm:fillClrLst meth="repeat">
+      <a:schemeClr val="lt1">
+        <a:alpha val="90000"/>
+      </a:schemeClr>
+    </dgm:fillClrLst>
+    <dgm:linClrLst meth="repeat">
+      <a:schemeClr val="accent1"/>
+    </dgm:linClrLst>
+    <dgm:effectClrLst/>
+    <dgm:txLinClrLst/>
+    <dgm:txFillClrLst meth="repeat">
+      <a:schemeClr val="dk1"/>
+    </dgm:txFillClrLst>
+    <dgm:txEffectClrLst/>
+  </dgm:styleLbl>
+  <dgm:styleLbl name="fgAcc4">
+    <dgm:fillClrLst meth="repeat">
+      <a:schemeClr val="lt1">
+        <a:alpha val="90000"/>
+      </a:schemeClr>
+    </dgm:fillClrLst>
+    <dgm:linClrLst meth="repeat">
+      <a:schemeClr val="accent1"/>
+    </dgm:linClrLst>
+    <dgm:effectClrLst/>
+    <dgm:txLinClrLst/>
+    <dgm:txFillClrLst meth="repeat">
+      <a:schemeClr val="dk1"/>
+    </dgm:txFillClrLst>
+    <dgm:txEffectClrLst/>
+  </dgm:styleLbl>
+  <dgm:styleLbl name="bgShp">
+    <dgm:fillClrLst meth="repeat">
+      <a:schemeClr val="accent1">
+        <a:tint val="40000"/>
+      </a:schemeClr>
+    </dgm:fillClrLst>
+    <dgm:linClrLst meth="repeat">
+      <a:schemeClr val="accent1"/>
+    </dgm:linClrLst>
+    <dgm:effectClrLst/>
+    <dgm:txLinClrLst/>
+    <dgm:txFillClrLst meth="repeat">
+      <a:schemeClr val="dk1"/>
+    </dgm:txFillClrLst>
+    <dgm:txEffectClrLst/>
+  </dgm:styleLbl>
+  <dgm:styleLbl name="dkBgShp">
+    <dgm:fillClrLst meth="repeat">
+      <a:schemeClr val="accent1">
+        <a:shade val="80000"/>
+      </a:schemeClr>
+    </dgm:fillClrLst>
+    <dgm:linClrLst meth="repeat">
+      <a:schemeClr val="accent1"/>
+    </dgm:linClrLst>
+    <dgm:effectClrLst/>
+    <dgm:txLinClrLst/>
+    <dgm:txFillClrLst meth="repeat">
+      <a:schemeClr val="lt1"/>
+    </dgm:txFillClrLst>
+    <dgm:txEffectClrLst/>
+  </dgm:styleLbl>
+  <dgm:styleLbl name="trBgShp">
+    <dgm:fillClrLst meth="repeat">
+      <a:schemeClr val="accent1">
+        <a:tint val="50000"/>
+        <a:alpha val="40000"/>
+      </a:schemeClr>
+    </dgm:fillClrLst>
+    <dgm:linClrLst meth="repeat">
+      <a:schemeClr val="accent1"/>
+    </dgm:linClrLst>
+    <dgm:effectClrLst/>
+    <dgm:txLinClrLst/>
+    <dgm:txFillClrLst meth="repeat">
+      <a:schemeClr val="lt1"/>
+    </dgm:txFillClrLst>
+    <dgm:txEffectClrLst/>
+  </dgm:styleLbl>
+  <dgm:styleLbl name="fgShp">
+    <dgm:fillClrLst meth="repeat">
+      <a:schemeClr val="accent1">
+        <a:tint val="60000"/>
+      </a:schemeClr>
+    </dgm:fillClrLst>
+    <dgm:linClrLst meth="repeat">
+      <a:schemeClr val="lt1"/>
+    </dgm:linClrLst>
+    <dgm:effectClrLst/>
+    <dgm:txLinClrLst/>
+    <dgm:txFillClrLst meth="repeat">
+      <a:schemeClr val="dk1"/>
+    </dgm:txFillClrLst>
+    <dgm:txEffectClrLst/>
+  </dgm:styleLbl>
+  <dgm:styleLbl name="revTx">
+    <dgm:fillClrLst meth="repeat">
+      <a:schemeClr val="lt1">
+        <a:alpha val="0"/>
+      </a:schemeClr>
+    </dgm:fillClrLst>
+    <dgm:linClrLst meth="repeat">
+      <a:schemeClr val="dk1">
+        <a:alpha val="0"/>
+      </a:schemeClr>
+    </dgm:linClrLst>
+    <dgm:effectClrLst/>
+    <dgm:txLinClrLst/>
+    <dgm:txFillClrLst meth="repeat">
+      <a:schemeClr val="tx1"/>
+    </dgm:txFillClrLst>
+    <dgm:txEffectClrLst/>
+  </dgm:styleLbl>
+</dgm:colorsDef>
+</file>
+
+<file path=ppt/diagrams/data1.xml><?xml version="1.0" encoding="utf-8"?>
+<dgm:dataModel xmlns:dgm="http://schemas.openxmlformats.org/drawingml/2006/diagram" xmlns:a="http://schemas.openxmlformats.org/drawingml/2006/main">
+  <dgm:ptLst>
+    <dgm:pt modelId="{4B331ADE-99F9-474A-A89A-9902D8D43452}" type="doc">
+      <dgm:prSet loTypeId="urn:microsoft.com/office/officeart/2005/8/layout/arrow2" loCatId="process" qsTypeId="urn:microsoft.com/office/officeart/2005/8/quickstyle/simple2" qsCatId="simple" csTypeId="urn:microsoft.com/office/officeart/2005/8/colors/accent1_2" csCatId="accent1" phldr="1"/>
+      <dgm:spPr/>
+    </dgm:pt>
+    <dgm:pt modelId="{D0FCAB48-853D-458F-A48E-D60FA2C5EFD7}">
+      <dgm:prSet phldrT="[Text]" custT="1"/>
+      <dgm:spPr/>
+      <dgm:t>
+        <a:bodyPr/>
+        <a:lstStyle/>
+        <a:p>
+          <a:r>
+            <a:rPr lang="de-DE" sz="2400" dirty="0" smtClean="0"/>
+            <a:t>Sicherstellung der Validität der HTML-Seite</a:t>
+          </a:r>
+          <a:endParaRPr lang="de-DE" sz="2400" dirty="0"/>
+        </a:p>
+      </dgm:t>
+    </dgm:pt>
+    <dgm:pt modelId="{A788AB02-253F-4B67-A890-C337E4014399}" type="parTrans" cxnId="{CF6716C5-5019-4F03-856F-DE70B27BBEB3}">
+      <dgm:prSet/>
+      <dgm:spPr/>
+      <dgm:t>
+        <a:bodyPr/>
+        <a:lstStyle/>
+        <a:p>
+          <a:endParaRPr lang="de-DE"/>
+        </a:p>
+      </dgm:t>
+    </dgm:pt>
+    <dgm:pt modelId="{1B9E878D-FDD1-4E82-BAF9-A0BFB34AD870}" type="sibTrans" cxnId="{CF6716C5-5019-4F03-856F-DE70B27BBEB3}">
+      <dgm:prSet/>
+      <dgm:spPr/>
+      <dgm:t>
+        <a:bodyPr/>
+        <a:lstStyle/>
+        <a:p>
+          <a:endParaRPr lang="de-DE"/>
+        </a:p>
+      </dgm:t>
+    </dgm:pt>
+    <dgm:pt modelId="{20AA1D83-B12A-416D-BCF7-2817BFC9AA25}">
+      <dgm:prSet phldrT="[Text]" custT="1"/>
+      <dgm:spPr/>
+      <dgm:t>
+        <a:bodyPr/>
+        <a:lstStyle/>
+        <a:p>
+          <a:r>
+            <a:rPr lang="de-DE" sz="2400" i="1" dirty="0" smtClean="0"/>
+            <a:t>Google-AdWords-Keyword-Tools</a:t>
+          </a:r>
+          <a:endParaRPr lang="de-DE" sz="2400" i="1" dirty="0"/>
+        </a:p>
+      </dgm:t>
+    </dgm:pt>
+    <dgm:pt modelId="{5264C431-7790-4997-B80D-8B3CEB330EE3}" type="parTrans" cxnId="{658AD44A-74D5-46DA-8F95-9BA84D428F5A}">
+      <dgm:prSet/>
+      <dgm:spPr/>
+      <dgm:t>
+        <a:bodyPr/>
+        <a:lstStyle/>
+        <a:p>
+          <a:endParaRPr lang="de-DE"/>
+        </a:p>
+      </dgm:t>
+    </dgm:pt>
+    <dgm:pt modelId="{FE4BC919-D095-4EDA-BA5F-AF0E1C81F4B1}" type="sibTrans" cxnId="{658AD44A-74D5-46DA-8F95-9BA84D428F5A}">
+      <dgm:prSet/>
+      <dgm:spPr/>
+      <dgm:t>
+        <a:bodyPr/>
+        <a:lstStyle/>
+        <a:p>
+          <a:endParaRPr lang="de-DE"/>
+        </a:p>
+      </dgm:t>
+    </dgm:pt>
+    <dgm:pt modelId="{6A901E0F-A740-4C43-96AC-FD3A538288A8}">
+      <dgm:prSet phldrT="[Text]" custT="1"/>
+      <dgm:spPr/>
+      <dgm:t>
+        <a:bodyPr/>
+        <a:lstStyle/>
+        <a:p>
+          <a:r>
+            <a:rPr lang="de-DE" sz="2400" dirty="0" smtClean="0"/>
+            <a:t>Optimierung des Seiteninhalts</a:t>
+          </a:r>
+          <a:endParaRPr lang="de-DE" sz="2400" dirty="0"/>
+        </a:p>
+      </dgm:t>
+    </dgm:pt>
+    <dgm:pt modelId="{0E1BDE17-0D93-4707-805A-03D47938663D}" type="parTrans" cxnId="{736214C3-EECB-430F-8AC6-AB23F2C171E9}">
+      <dgm:prSet/>
+      <dgm:spPr/>
+      <dgm:t>
+        <a:bodyPr/>
+        <a:lstStyle/>
+        <a:p>
+          <a:endParaRPr lang="de-DE"/>
+        </a:p>
+      </dgm:t>
+    </dgm:pt>
+    <dgm:pt modelId="{48E46650-6BBC-45EC-8851-5A11BDD2374A}" type="sibTrans" cxnId="{736214C3-EECB-430F-8AC6-AB23F2C171E9}">
+      <dgm:prSet/>
+      <dgm:spPr/>
+      <dgm:t>
+        <a:bodyPr/>
+        <a:lstStyle/>
+        <a:p>
+          <a:endParaRPr lang="de-DE"/>
+        </a:p>
+      </dgm:t>
+    </dgm:pt>
+    <dgm:pt modelId="{188F7E11-8E9F-4A3B-87F7-7912D3A7334A}" type="pres">
+      <dgm:prSet presAssocID="{4B331ADE-99F9-474A-A89A-9902D8D43452}" presName="arrowDiagram" presStyleCnt="0">
+        <dgm:presLayoutVars>
+          <dgm:chMax val="5"/>
+          <dgm:dir/>
+          <dgm:resizeHandles val="exact"/>
+        </dgm:presLayoutVars>
+      </dgm:prSet>
+      <dgm:spPr/>
+    </dgm:pt>
+    <dgm:pt modelId="{2C105717-CB27-4C08-882A-FB91DFAED314}" type="pres">
+      <dgm:prSet presAssocID="{4B331ADE-99F9-474A-A89A-9902D8D43452}" presName="arrow" presStyleLbl="bgShp" presStyleIdx="0" presStyleCnt="1" custScaleX="93468" custScaleY="103540"/>
+      <dgm:spPr>
+        <a:solidFill>
+          <a:srgbClr val="7030A0"/>
+        </a:solidFill>
+      </dgm:spPr>
+    </dgm:pt>
+    <dgm:pt modelId="{F8E02F39-0547-467F-9A59-6D722541E9F2}" type="pres">
+      <dgm:prSet presAssocID="{4B331ADE-99F9-474A-A89A-9902D8D43452}" presName="arrowDiagram3" presStyleCnt="0"/>
+      <dgm:spPr/>
+    </dgm:pt>
+    <dgm:pt modelId="{8EF3D869-E30E-4B62-9123-076A8948CE18}" type="pres">
+      <dgm:prSet presAssocID="{D0FCAB48-853D-458F-A48E-D60FA2C5EFD7}" presName="bullet3a" presStyleLbl="node1" presStyleIdx="0" presStyleCnt="3"/>
+      <dgm:spPr>
+        <a:solidFill>
+          <a:srgbClr val="482E76"/>
+        </a:solidFill>
+      </dgm:spPr>
+    </dgm:pt>
+    <dgm:pt modelId="{E97FD5CA-5413-4B34-A32E-E94573D81ED5}" type="pres">
+      <dgm:prSet presAssocID="{D0FCAB48-853D-458F-A48E-D60FA2C5EFD7}" presName="textBox3a" presStyleLbl="revTx" presStyleIdx="0" presStyleCnt="3" custScaleX="262661" custLinFactX="2236" custLinFactNeighborX="100000" custLinFactNeighborY="3604">
+        <dgm:presLayoutVars>
+          <dgm:bulletEnabled val="1"/>
+        </dgm:presLayoutVars>
+      </dgm:prSet>
+      <dgm:spPr/>
+      <dgm:t>
+        <a:bodyPr/>
+        <a:lstStyle/>
+        <a:p>
+          <a:endParaRPr lang="de-DE"/>
+        </a:p>
+      </dgm:t>
+    </dgm:pt>
+    <dgm:pt modelId="{093ECE9E-BE56-446E-AC86-697C7AA3AD8B}" type="pres">
+      <dgm:prSet presAssocID="{20AA1D83-B12A-416D-BCF7-2817BFC9AA25}" presName="bullet3b" presStyleLbl="node1" presStyleIdx="1" presStyleCnt="3"/>
+      <dgm:spPr>
+        <a:solidFill>
+          <a:srgbClr val="482E76"/>
+        </a:solidFill>
+      </dgm:spPr>
+    </dgm:pt>
+    <dgm:pt modelId="{88794B32-F397-47BE-9D4C-0CFDD6DD1CD9}" type="pres">
+      <dgm:prSet presAssocID="{20AA1D83-B12A-416D-BCF7-2817BFC9AA25}" presName="textBox3b" presStyleLbl="revTx" presStyleIdx="1" presStyleCnt="3" custScaleX="202589" custScaleY="37660" custLinFactX="-4899" custLinFactNeighborX="-100000" custLinFactNeighborY="-68636">
+        <dgm:presLayoutVars>
+          <dgm:bulletEnabled val="1"/>
+        </dgm:presLayoutVars>
+      </dgm:prSet>
+      <dgm:spPr/>
+      <dgm:t>
+        <a:bodyPr/>
+        <a:lstStyle/>
+        <a:p>
+          <a:endParaRPr lang="de-DE"/>
+        </a:p>
+      </dgm:t>
+    </dgm:pt>
+    <dgm:pt modelId="{F8A11955-2252-4939-B5DB-B40E439251AD}" type="pres">
+      <dgm:prSet presAssocID="{6A901E0F-A740-4C43-96AC-FD3A538288A8}" presName="bullet3c" presStyleLbl="node1" presStyleIdx="2" presStyleCnt="3"/>
+      <dgm:spPr>
+        <a:solidFill>
+          <a:srgbClr val="482E76"/>
+        </a:solidFill>
+      </dgm:spPr>
+    </dgm:pt>
+    <dgm:pt modelId="{A45B65FC-998A-4DA5-868B-C79B7C6522BA}" type="pres">
+      <dgm:prSet presAssocID="{6A901E0F-A740-4C43-96AC-FD3A538288A8}" presName="textBox3c" presStyleLbl="revTx" presStyleIdx="2" presStyleCnt="3" custScaleX="210625" custScaleY="42768" custLinFactNeighborX="-1808" custLinFactNeighborY="-5355">
+        <dgm:presLayoutVars>
+          <dgm:bulletEnabled val="1"/>
+        </dgm:presLayoutVars>
+      </dgm:prSet>
+      <dgm:spPr/>
+      <dgm:t>
+        <a:bodyPr/>
+        <a:lstStyle/>
+        <a:p>
+          <a:endParaRPr lang="de-DE"/>
+        </a:p>
+      </dgm:t>
+    </dgm:pt>
+  </dgm:ptLst>
+  <dgm:cxnLst>
+    <dgm:cxn modelId="{736214C3-EECB-430F-8AC6-AB23F2C171E9}" srcId="{4B331ADE-99F9-474A-A89A-9902D8D43452}" destId="{6A901E0F-A740-4C43-96AC-FD3A538288A8}" srcOrd="2" destOrd="0" parTransId="{0E1BDE17-0D93-4707-805A-03D47938663D}" sibTransId="{48E46650-6BBC-45EC-8851-5A11BDD2374A}"/>
+    <dgm:cxn modelId="{722ACFD6-C20D-4CEF-864F-9325A395B345}" type="presOf" srcId="{6A901E0F-A740-4C43-96AC-FD3A538288A8}" destId="{A45B65FC-998A-4DA5-868B-C79B7C6522BA}" srcOrd="0" destOrd="0" presId="urn:microsoft.com/office/officeart/2005/8/layout/arrow2"/>
+    <dgm:cxn modelId="{3438979D-CCE7-44C6-80ED-21948DEB48E3}" type="presOf" srcId="{4B331ADE-99F9-474A-A89A-9902D8D43452}" destId="{188F7E11-8E9F-4A3B-87F7-7912D3A7334A}" srcOrd="0" destOrd="0" presId="urn:microsoft.com/office/officeart/2005/8/layout/arrow2"/>
+    <dgm:cxn modelId="{CF6716C5-5019-4F03-856F-DE70B27BBEB3}" srcId="{4B331ADE-99F9-474A-A89A-9902D8D43452}" destId="{D0FCAB48-853D-458F-A48E-D60FA2C5EFD7}" srcOrd="0" destOrd="0" parTransId="{A788AB02-253F-4B67-A890-C337E4014399}" sibTransId="{1B9E878D-FDD1-4E82-BAF9-A0BFB34AD870}"/>
+    <dgm:cxn modelId="{ED0514D4-FCC3-468E-8133-E6813F8C5653}" type="presOf" srcId="{D0FCAB48-853D-458F-A48E-D60FA2C5EFD7}" destId="{E97FD5CA-5413-4B34-A32E-E94573D81ED5}" srcOrd="0" destOrd="0" presId="urn:microsoft.com/office/officeart/2005/8/layout/arrow2"/>
+    <dgm:cxn modelId="{658AD44A-74D5-46DA-8F95-9BA84D428F5A}" srcId="{4B331ADE-99F9-474A-A89A-9902D8D43452}" destId="{20AA1D83-B12A-416D-BCF7-2817BFC9AA25}" srcOrd="1" destOrd="0" parTransId="{5264C431-7790-4997-B80D-8B3CEB330EE3}" sibTransId="{FE4BC919-D095-4EDA-BA5F-AF0E1C81F4B1}"/>
+    <dgm:cxn modelId="{EF6C37BC-4C74-4172-9AAE-0856BA5D132B}" type="presOf" srcId="{20AA1D83-B12A-416D-BCF7-2817BFC9AA25}" destId="{88794B32-F397-47BE-9D4C-0CFDD6DD1CD9}" srcOrd="0" destOrd="0" presId="urn:microsoft.com/office/officeart/2005/8/layout/arrow2"/>
+    <dgm:cxn modelId="{CEF561D3-E7C5-4B0A-B43C-247888932F8B}" type="presParOf" srcId="{188F7E11-8E9F-4A3B-87F7-7912D3A7334A}" destId="{2C105717-CB27-4C08-882A-FB91DFAED314}" srcOrd="0" destOrd="0" presId="urn:microsoft.com/office/officeart/2005/8/layout/arrow2"/>
+    <dgm:cxn modelId="{DF3FA7CC-79E7-43B9-9E01-85FAD569898C}" type="presParOf" srcId="{188F7E11-8E9F-4A3B-87F7-7912D3A7334A}" destId="{F8E02F39-0547-467F-9A59-6D722541E9F2}" srcOrd="1" destOrd="0" presId="urn:microsoft.com/office/officeart/2005/8/layout/arrow2"/>
+    <dgm:cxn modelId="{0154DCA3-25BE-4259-BCB2-4982A4F5B17F}" type="presParOf" srcId="{F8E02F39-0547-467F-9A59-6D722541E9F2}" destId="{8EF3D869-E30E-4B62-9123-076A8948CE18}" srcOrd="0" destOrd="0" presId="urn:microsoft.com/office/officeart/2005/8/layout/arrow2"/>
+    <dgm:cxn modelId="{B96C2A2C-15C2-4E5B-88C9-D18D7AF18653}" type="presParOf" srcId="{F8E02F39-0547-467F-9A59-6D722541E9F2}" destId="{E97FD5CA-5413-4B34-A32E-E94573D81ED5}" srcOrd="1" destOrd="0" presId="urn:microsoft.com/office/officeart/2005/8/layout/arrow2"/>
+    <dgm:cxn modelId="{FF4B2ADE-AA6F-4A17-808E-2E971542DB67}" type="presParOf" srcId="{F8E02F39-0547-467F-9A59-6D722541E9F2}" destId="{093ECE9E-BE56-446E-AC86-697C7AA3AD8B}" srcOrd="2" destOrd="0" presId="urn:microsoft.com/office/officeart/2005/8/layout/arrow2"/>
+    <dgm:cxn modelId="{DA2F8244-FAA9-4F77-8C61-E99F4734EC35}" type="presParOf" srcId="{F8E02F39-0547-467F-9A59-6D722541E9F2}" destId="{88794B32-F397-47BE-9D4C-0CFDD6DD1CD9}" srcOrd="3" destOrd="0" presId="urn:microsoft.com/office/officeart/2005/8/layout/arrow2"/>
+    <dgm:cxn modelId="{F660A5E2-212E-482B-AF6F-CDBB37388EBD}" type="presParOf" srcId="{F8E02F39-0547-467F-9A59-6D722541E9F2}" destId="{F8A11955-2252-4939-B5DB-B40E439251AD}" srcOrd="4" destOrd="0" presId="urn:microsoft.com/office/officeart/2005/8/layout/arrow2"/>
+    <dgm:cxn modelId="{3157C55C-BACD-4580-B442-62298A815934}" type="presParOf" srcId="{F8E02F39-0547-467F-9A59-6D722541E9F2}" destId="{A45B65FC-998A-4DA5-868B-C79B7C6522BA}" srcOrd="5" destOrd="0" presId="urn:microsoft.com/office/officeart/2005/8/layout/arrow2"/>
+  </dgm:cxnLst>
+  <dgm:bg/>
+  <dgm:whole/>
+  <dgm:extLst>
+    <a:ext uri="http://schemas.microsoft.com/office/drawing/2008/diagram">
+      <dsp:dataModelExt xmlns:dsp="http://schemas.microsoft.com/office/drawing/2008/diagram" relId="rId7" minVer="http://schemas.openxmlformats.org/drawingml/2006/diagram"/>
+    </a:ext>
+  </dgm:extLst>
+</dgm:dataModel>
+</file>
+
+<file path=ppt/diagrams/drawing1.xml><?xml version="1.0" encoding="utf-8"?>
+<dsp:drawing xmlns:dgm="http://schemas.openxmlformats.org/drawingml/2006/diagram" xmlns:dsp="http://schemas.microsoft.com/office/drawing/2008/diagram" xmlns:a="http://schemas.openxmlformats.org/drawingml/2006/main">
+  <dsp:spTree>
+    <dsp:nvGrpSpPr>
+      <dsp:cNvPr id="0" name=""/>
+      <dsp:cNvGrpSpPr/>
+    </dsp:nvGrpSpPr>
+    <dsp:grpSpPr/>
+    <dsp:sp modelId="{2C105717-CB27-4C08-882A-FB91DFAED314}">
+      <dsp:nvSpPr>
+        <dsp:cNvPr id="0" name=""/>
+        <dsp:cNvSpPr/>
+      </dsp:nvSpPr>
+      <dsp:spPr>
+        <a:xfrm>
+          <a:off x="381933" y="-74002"/>
+          <a:ext cx="6252563" cy="4328957"/>
+        </a:xfrm>
+        <a:prstGeom prst="swooshArrow">
+          <a:avLst>
+            <a:gd name="adj1" fmla="val 25000"/>
+            <a:gd name="adj2" fmla="val 25000"/>
+          </a:avLst>
+        </a:prstGeom>
+        <a:solidFill>
+          <a:srgbClr val="7030A0"/>
+        </a:solidFill>
+        <a:ln>
+          <a:noFill/>
+        </a:ln>
+        <a:effectLst/>
+      </dsp:spPr>
+      <dsp:style>
+        <a:lnRef idx="0">
+          <a:scrgbClr r="0" g="0" b="0"/>
+        </a:lnRef>
+        <a:fillRef idx="1">
+          <a:scrgbClr r="0" g="0" b="0"/>
+        </a:fillRef>
+        <a:effectRef idx="0">
+          <a:scrgbClr r="0" g="0" b="0"/>
+        </a:effectRef>
+        <a:fontRef idx="minor"/>
+      </dsp:style>
+    </dsp:sp>
+    <dsp:sp modelId="{8EF3D869-E30E-4B62-9123-076A8948CE18}">
+      <dsp:nvSpPr>
+        <dsp:cNvPr id="0" name=""/>
+        <dsp:cNvSpPr/>
+      </dsp:nvSpPr>
+      <dsp:spPr>
+        <a:xfrm>
+          <a:off x="1013023" y="2885693"/>
+          <a:ext cx="173927" cy="173927"/>
+        </a:xfrm>
+        <a:prstGeom prst="ellipse">
+          <a:avLst/>
+        </a:prstGeom>
+        <a:solidFill>
+          <a:srgbClr val="482E76"/>
+        </a:solidFill>
+        <a:ln w="19050" cap="flat" cmpd="sng" algn="ctr">
+          <a:solidFill>
+            <a:schemeClr val="lt1">
+              <a:hueOff val="0"/>
+              <a:satOff val="0"/>
+              <a:lumOff val="0"/>
+              <a:alphaOff val="0"/>
+            </a:schemeClr>
+          </a:solidFill>
+          <a:prstDash val="solid"/>
+          <a:miter lim="800000"/>
+        </a:ln>
+        <a:effectLst/>
+      </dsp:spPr>
+      <dsp:style>
+        <a:lnRef idx="3">
+          <a:scrgbClr r="0" g="0" b="0"/>
+        </a:lnRef>
+        <a:fillRef idx="1">
+          <a:scrgbClr r="0" g="0" b="0"/>
+        </a:fillRef>
+        <a:effectRef idx="1">
+          <a:scrgbClr r="0" g="0" b="0"/>
+        </a:effectRef>
+        <a:fontRef idx="minor">
+          <a:schemeClr val="lt1"/>
+        </a:fontRef>
+      </dsp:style>
+    </dsp:sp>
+    <dsp:sp modelId="{E97FD5CA-5413-4B34-A32E-E94573D81ED5}">
+      <dsp:nvSpPr>
+        <dsp:cNvPr id="0" name=""/>
+        <dsp:cNvSpPr/>
+      </dsp:nvSpPr>
+      <dsp:spPr>
+        <a:xfrm>
+          <a:off x="1425832" y="2972656"/>
+          <a:ext cx="4093989" cy="1208295"/>
+        </a:xfrm>
+        <a:prstGeom prst="rect">
+          <a:avLst/>
+        </a:prstGeom>
+        <a:noFill/>
+        <a:ln>
+          <a:noFill/>
+        </a:ln>
+        <a:effectLst/>
+      </dsp:spPr>
+      <dsp:style>
+        <a:lnRef idx="0">
+          <a:scrgbClr r="0" g="0" b="0"/>
+        </a:lnRef>
+        <a:fillRef idx="0">
+          <a:scrgbClr r="0" g="0" b="0"/>
+        </a:fillRef>
+        <a:effectRef idx="0">
+          <a:scrgbClr r="0" g="0" b="0"/>
+        </a:effectRef>
+        <a:fontRef idx="minor"/>
+      </dsp:style>
+      <dsp:txBody>
+        <a:bodyPr spcFirstLastPara="0" vert="horz" wrap="square" lIns="92161" tIns="0" rIns="0" bIns="0" numCol="1" spcCol="1270" anchor="t" anchorCtr="0">
+          <a:noAutofit/>
+        </a:bodyPr>
+        <a:lstStyle/>
+        <a:p>
+          <a:pPr lvl="0" algn="l" defTabSz="1066800">
+            <a:lnSpc>
+              <a:spcPct val="90000"/>
+            </a:lnSpc>
+            <a:spcBef>
+              <a:spcPct val="0"/>
+            </a:spcBef>
+            <a:spcAft>
+              <a:spcPct val="35000"/>
+            </a:spcAft>
+          </a:pPr>
+          <a:r>
+            <a:rPr lang="de-DE" sz="2400" kern="1200" dirty="0" smtClean="0"/>
+            <a:t>Sicherstellung der Validität der HTML-Seite</a:t>
+          </a:r>
+          <a:endParaRPr lang="de-DE" sz="2400" kern="1200" dirty="0"/>
+        </a:p>
+      </dsp:txBody>
+      <dsp:txXfrm>
+        <a:off x="1425832" y="2972656"/>
+        <a:ext cx="4093989" cy="1208295"/>
+      </dsp:txXfrm>
+    </dsp:sp>
+    <dsp:sp modelId="{093ECE9E-BE56-446E-AC86-697C7AA3AD8B}">
+      <dsp:nvSpPr>
+        <dsp:cNvPr id="0" name=""/>
+        <dsp:cNvSpPr/>
+      </dsp:nvSpPr>
+      <dsp:spPr>
+        <a:xfrm>
+          <a:off x="2548269" y="1749310"/>
+          <a:ext cx="314407" cy="314407"/>
+        </a:xfrm>
+        <a:prstGeom prst="ellipse">
+          <a:avLst/>
+        </a:prstGeom>
+        <a:solidFill>
+          <a:srgbClr val="482E76"/>
+        </a:solidFill>
+        <a:ln w="19050" cap="flat" cmpd="sng" algn="ctr">
+          <a:solidFill>
+            <a:schemeClr val="lt1">
+              <a:hueOff val="0"/>
+              <a:satOff val="0"/>
+              <a:lumOff val="0"/>
+              <a:alphaOff val="0"/>
+            </a:schemeClr>
+          </a:solidFill>
+          <a:prstDash val="solid"/>
+          <a:miter lim="800000"/>
+        </a:ln>
+        <a:effectLst/>
+      </dsp:spPr>
+      <dsp:style>
+        <a:lnRef idx="3">
+          <a:scrgbClr r="0" g="0" b="0"/>
+        </a:lnRef>
+        <a:fillRef idx="1">
+          <a:scrgbClr r="0" g="0" b="0"/>
+        </a:fillRef>
+        <a:effectRef idx="1">
+          <a:scrgbClr r="0" g="0" b="0"/>
+        </a:effectRef>
+        <a:fontRef idx="minor">
+          <a:schemeClr val="lt1"/>
+        </a:fontRef>
+      </dsp:style>
+    </dsp:sp>
+    <dsp:sp modelId="{88794B32-F397-47BE-9D4C-0CFDD6DD1CD9}">
+      <dsp:nvSpPr>
+        <dsp:cNvPr id="0" name=""/>
+        <dsp:cNvSpPr/>
+      </dsp:nvSpPr>
+      <dsp:spPr>
+        <a:xfrm>
+          <a:off x="197808" y="1054373"/>
+          <a:ext cx="3252537" cy="856553"/>
+        </a:xfrm>
+        <a:prstGeom prst="rect">
+          <a:avLst/>
+        </a:prstGeom>
+        <a:noFill/>
+        <a:ln>
+          <a:noFill/>
+        </a:ln>
+        <a:effectLst/>
+      </dsp:spPr>
+      <dsp:style>
+        <a:lnRef idx="0">
+          <a:scrgbClr r="0" g="0" b="0"/>
+        </a:lnRef>
+        <a:fillRef idx="0">
+          <a:scrgbClr r="0" g="0" b="0"/>
+        </a:fillRef>
+        <a:effectRef idx="0">
+          <a:scrgbClr r="0" g="0" b="0"/>
+        </a:effectRef>
+        <a:fontRef idx="minor"/>
+      </dsp:style>
+      <dsp:txBody>
+        <a:bodyPr spcFirstLastPara="0" vert="horz" wrap="square" lIns="166598" tIns="0" rIns="0" bIns="0" numCol="1" spcCol="1270" anchor="t" anchorCtr="0">
+          <a:noAutofit/>
+        </a:bodyPr>
+        <a:lstStyle/>
+        <a:p>
+          <a:pPr lvl="0" algn="l" defTabSz="1066800">
+            <a:lnSpc>
+              <a:spcPct val="90000"/>
+            </a:lnSpc>
+            <a:spcBef>
+              <a:spcPct val="0"/>
+            </a:spcBef>
+            <a:spcAft>
+              <a:spcPct val="35000"/>
+            </a:spcAft>
+          </a:pPr>
+          <a:r>
+            <a:rPr lang="de-DE" sz="2400" i="1" kern="1200" dirty="0" smtClean="0"/>
+            <a:t>Google-AdWords-Keyword-Tools</a:t>
+          </a:r>
+          <a:endParaRPr lang="de-DE" sz="2400" i="1" kern="1200" dirty="0"/>
+        </a:p>
+      </dsp:txBody>
+      <dsp:txXfrm>
+        <a:off x="197808" y="1054373"/>
+        <a:ext cx="3252537" cy="856553"/>
+      </dsp:txXfrm>
+    </dsp:sp>
+    <dsp:sp modelId="{F8A11955-2252-4939-B5DB-B40E439251AD}">
+      <dsp:nvSpPr>
+        <dsp:cNvPr id="0" name=""/>
+        <dsp:cNvSpPr/>
+      </dsp:nvSpPr>
+      <dsp:spPr>
+        <a:xfrm>
+          <a:off x="4394577" y="1057780"/>
+          <a:ext cx="434819" cy="434819"/>
+        </a:xfrm>
+        <a:prstGeom prst="ellipse">
+          <a:avLst/>
+        </a:prstGeom>
+        <a:solidFill>
+          <a:srgbClr val="482E76"/>
+        </a:solidFill>
+        <a:ln w="19050" cap="flat" cmpd="sng" algn="ctr">
+          <a:solidFill>
+            <a:schemeClr val="lt1">
+              <a:hueOff val="0"/>
+              <a:satOff val="0"/>
+              <a:lumOff val="0"/>
+              <a:alphaOff val="0"/>
+            </a:schemeClr>
+          </a:solidFill>
+          <a:prstDash val="solid"/>
+          <a:miter lim="800000"/>
+        </a:ln>
+        <a:effectLst/>
+      </dsp:spPr>
+      <dsp:style>
+        <a:lnRef idx="3">
+          <a:scrgbClr r="0" g="0" b="0"/>
+        </a:lnRef>
+        <a:fillRef idx="1">
+          <a:scrgbClr r="0" g="0" b="0"/>
+        </a:fillRef>
+        <a:effectRef idx="1">
+          <a:scrgbClr r="0" g="0" b="0"/>
+        </a:effectRef>
+        <a:fontRef idx="minor">
+          <a:schemeClr val="lt1"/>
+        </a:fontRef>
+      </dsp:style>
+    </dsp:sp>
+    <dsp:sp modelId="{A45B65FC-998A-4DA5-868B-C79B7C6522BA}">
+      <dsp:nvSpPr>
+        <dsp:cNvPr id="0" name=""/>
+        <dsp:cNvSpPr/>
+      </dsp:nvSpPr>
+      <dsp:spPr>
+        <a:xfrm>
+          <a:off x="3694925" y="1951099"/>
+          <a:ext cx="3381553" cy="1242736"/>
+        </a:xfrm>
+        <a:prstGeom prst="rect">
+          <a:avLst/>
+        </a:prstGeom>
+        <a:noFill/>
+        <a:ln>
+          <a:noFill/>
+        </a:ln>
+        <a:effectLst/>
+      </dsp:spPr>
+      <dsp:style>
+        <a:lnRef idx="0">
+          <a:scrgbClr r="0" g="0" b="0"/>
+        </a:lnRef>
+        <a:fillRef idx="0">
+          <a:scrgbClr r="0" g="0" b="0"/>
+        </a:fillRef>
+        <a:effectRef idx="0">
+          <a:scrgbClr r="0" g="0" b="0"/>
+        </a:effectRef>
+        <a:fontRef idx="minor"/>
+      </dsp:style>
+      <dsp:txBody>
+        <a:bodyPr spcFirstLastPara="0" vert="horz" wrap="square" lIns="230402" tIns="0" rIns="0" bIns="0" numCol="1" spcCol="1270" anchor="t" anchorCtr="0">
+          <a:noAutofit/>
+        </a:bodyPr>
+        <a:lstStyle/>
+        <a:p>
+          <a:pPr lvl="0" algn="l" defTabSz="1066800">
+            <a:lnSpc>
+              <a:spcPct val="90000"/>
+            </a:lnSpc>
+            <a:spcBef>
+              <a:spcPct val="0"/>
+            </a:spcBef>
+            <a:spcAft>
+              <a:spcPct val="35000"/>
+            </a:spcAft>
+          </a:pPr>
+          <a:r>
+            <a:rPr lang="de-DE" sz="2400" kern="1200" dirty="0" smtClean="0"/>
+            <a:t>Optimierung des Seiteninhalts</a:t>
+          </a:r>
+          <a:endParaRPr lang="de-DE" sz="2400" kern="1200" dirty="0"/>
+        </a:p>
+      </dsp:txBody>
+      <dsp:txXfrm>
+        <a:off x="3694925" y="1951099"/>
+        <a:ext cx="3381553" cy="1242736"/>
+      </dsp:txXfrm>
+    </dsp:sp>
+  </dsp:spTree>
+</dsp:drawing>
+</file>
+
+<file path=ppt/diagrams/layout1.xml><?xml version="1.0" encoding="utf-8"?>
+<dgm:layoutDef xmlns:dgm="http://schemas.openxmlformats.org/drawingml/2006/diagram" xmlns:a="http://schemas.openxmlformats.org/drawingml/2006/main" uniqueId="urn:microsoft.com/office/officeart/2005/8/layout/arrow2">
+  <dgm:title val=""/>
+  <dgm:desc val=""/>
+  <dgm:catLst>
+    <dgm:cat type="process" pri="23000"/>
+  </dgm:catLst>
+  <dgm:sampData useDef="1">
+    <dgm:dataModel>
+      <dgm:ptLst/>
+      <dgm:bg/>
+      <dgm:whole/>
+    </dgm:dataModel>
+  </dgm:sampData>
+  <dgm:styleData>
+    <dgm:dataModel>
+      <dgm:ptLst>
+        <dgm:pt modelId="0" type="doc"/>
+        <dgm:pt modelId="1"/>
+        <dgm:pt modelId="2"/>
+      </dgm:ptLst>
+      <dgm:cxnLst>
+        <dgm:cxn modelId="3" srcId="0" destId="1" srcOrd="0" destOrd="0"/>
+        <dgm:cxn modelId="4" srcId="0" destId="2" srcOrd="1" destOrd="0"/>
+      </dgm:cxnLst>
+      <dgm:bg/>
+      <dgm:whole/>
+    </dgm:dataModel>
+  </dgm:styleData>
+  <dgm:clrData>
+    <dgm:dataModel>
+      <dgm:ptLst>
+        <dgm:pt modelId="0" type="doc"/>
+        <dgm:pt modelId="1"/>
+        <dgm:pt modelId="2"/>
+        <dgm:pt modelId="3"/>
+        <dgm:pt modelId="4"/>
+      </dgm:ptLst>
+      <dgm:cxnLst>
+        <dgm:cxn modelId="5" srcId="0" destId="1" srcOrd="0" destOrd="0"/>
+        <dgm:cxn modelId="6" srcId="0" destId="2" srcOrd="1" destOrd="0"/>
+        <dgm:cxn modelId="7" srcId="0" destId="3" srcOrd="2" destOrd="0"/>
+        <dgm:cxn modelId="8" srcId="0" destId="4" srcOrd="3" destOrd="0"/>
+      </dgm:cxnLst>
+      <dgm:bg/>
+      <dgm:whole/>
+    </dgm:dataModel>
+  </dgm:clrData>
+  <dgm:layoutNode name="arrowDiagram">
+    <dgm:varLst>
+      <dgm:chMax val="5"/>
+      <dgm:dir/>
+      <dgm:resizeHandles val="exact"/>
+    </dgm:varLst>
+    <dgm:alg type="composite">
+      <dgm:param type="ar" val="1.6"/>
+    </dgm:alg>
+    <dgm:shape xmlns:r="http://schemas.openxmlformats.org/officeDocument/2006/relationships" r:blip="">
+      <dgm:adjLst/>
+    </dgm:shape>
+    <dgm:presOf/>
+    <dgm:constrLst>
+      <dgm:constr type="l" for="ch" forName="arrow"/>
+      <dgm:constr type="t" for="ch" forName="arrow"/>
+      <dgm:constr type="w" for="ch" forName="arrow" refType="w"/>
+      <dgm:constr type="h" for="ch" forName="arrow" refType="h"/>
+      <dgm:constr type="ctrX" for="ch" forName="arrowDiagram1" refType="w" fact="0.5"/>
+      <dgm:constr type="ctrY" for="ch" forName="arrowDiagram1" refType="h" fact="0.5"/>
+      <dgm:constr type="w" for="ch" forName="arrowDiagram1" refType="w"/>
+      <dgm:constr type="h" for="ch" forName="arrowDiagram1" refType="h"/>
+      <dgm:constr type="ctrX" for="ch" forName="arrowDiagram2" refType="w" fact="0.5"/>
+      <dgm:constr type="ctrY" for="ch" forName="arrowDiagram2" refType="h" fact="0.5"/>
+      <dgm:constr type="w" for="ch" forName="arrowDiagram2" refType="w"/>
+      <dgm:constr type="h" for="ch" forName="arrowDiagram2" refType="h"/>
+      <dgm:constr type="ctrX" for="ch" forName="arrowDiagram3" refType="w" fact="0.5"/>
+      <dgm:constr type="ctrY" for="ch" forName="arrowDiagram3" refType="h" fact="0.5"/>
+      <dgm:constr type="w" for="ch" forName="arrowDiagram3" refType="w"/>
+      <dgm:constr type="h" for="ch" forName="arrowDiagram3" refType="h"/>
+      <dgm:constr type="ctrX" for="ch" forName="arrowDiagram4" refType="w" fact="0.5"/>
+      <dgm:constr type="ctrY" for="ch" forName="arrowDiagram4" refType="h" fact="0.5"/>
+      <dgm:constr type="w" for="ch" forName="arrowDiagram4" refType="w"/>
+      <dgm:constr type="h" for="ch" forName="arrowDiagram4" refType="h"/>
+      <dgm:constr type="ctrX" for="ch" forName="arrowDiagram5" refType="w" fact="0.5"/>
+      <dgm:constr type="ctrY" for="ch" forName="arrowDiagram5" refType="h" fact="0.5"/>
+      <dgm:constr type="w" for="ch" forName="arrowDiagram5" refType="w"/>
+      <dgm:constr type="h" for="ch" forName="arrowDiagram5" refType="h"/>
+    </dgm:constrLst>
+    <dgm:ruleLst/>
+    <dgm:choose name="Name0">
+      <dgm:if name="Name1" axis="ch" ptType="node" func="cnt" op="gte" val="1">
+        <dgm:layoutNode name="arrow" styleLbl="bgShp">
+          <dgm:alg type="sp"/>
+          <dgm:shape xmlns:r="http://schemas.openxmlformats.org/officeDocument/2006/relationships" type="swooshArrow" r:blip="">
+            <dgm:adjLst>
+              <dgm:adj idx="2" val="0.25"/>
+            </dgm:adjLst>
+          </dgm:shape>
+          <dgm:presOf/>
+          <dgm:constrLst/>
+          <dgm:ruleLst/>
+        </dgm:layoutNode>
+        <dgm:choose name="Name2">
+          <dgm:if name="Name3" axis="ch" ptType="node" func="cnt" op="lt" val="1"/>
+          <dgm:if name="Name4" axis="ch" ptType="node" func="cnt" op="equ" val="1">
+            <dgm:layoutNode name="arrowDiagram1">
+              <dgm:varLst>
+                <dgm:bulletEnabled val="1"/>
+              </dgm:varLst>
+              <dgm:alg type="composite">
+                <dgm:param type="vertAlign" val="none"/>
+                <dgm:param type="horzAlign" val="none"/>
+              </dgm:alg>
+              <dgm:shape xmlns:r="http://schemas.openxmlformats.org/officeDocument/2006/relationships" r:blip="">
+                <dgm:adjLst/>
+              </dgm:shape>
+              <dgm:presOf/>
+              <dgm:constrLst>
+                <dgm:constr type="ctrX" for="ch" forName="bullet1" refType="w" fact="0.8"/>
+                <dgm:constr type="ctrY" for="ch" forName="bullet1" refType="h" fact="0.262"/>
+                <dgm:constr type="w" for="ch" forName="bullet1" refType="w" fact="0.074"/>
+                <dgm:constr type="h" for="ch" forName="bullet1" refType="w" refFor="ch" refForName="bullet1"/>
+                <dgm:constr type="r" for="ch" forName="textBox1" refType="ctrX" refFor="ch" refForName="bullet1"/>
+                <dgm:constr type="t" for="ch" forName="textBox1" refType="ctrY" refFor="ch" refForName="bullet1"/>
+                <dgm:constr type="w" for="ch" forName="textBox1" refType="w" fact="0.4"/>
+                <dgm:constr type="h" for="ch" forName="textBox1" refType="h" fact="0.738"/>
+                <dgm:constr type="userA" refType="h" refFor="ch" refForName="bullet1" fact="0.53"/>
+                <dgm:constr type="rMarg" for="ch" forName="textBox1" refType="userA" fact="2.834"/>
+                <dgm:constr type="primFontSz" for="ch" ptType="node" op="equ" val="65"/>
+              </dgm:constrLst>
+              <dgm:ruleLst/>
+              <dgm:forEach name="Name5" axis="ch" ptType="node" cnt="1">
+                <dgm:layoutNode name="bullet1" styleLbl="node1">
+                  <dgm:alg type="sp"/>
+                  <dgm:shape xmlns:r="http://schemas.openxmlformats.org/officeDocument/2006/relationships" type="ellipse" r:blip="">
+                    <dgm:adjLst/>
+                  </dgm:shape>
+                  <dgm:presOf/>
+                  <dgm:constrLst/>
+                  <dgm:ruleLst/>
+                </dgm:layoutNode>
+                <dgm:layoutNode name="textBox1" styleLbl="revTx">
+                  <dgm:varLst>
+                    <dgm:bulletEnabled val="1"/>
+                  </dgm:varLst>
+                  <dgm:alg type="tx">
+                    <dgm:param type="txAnchorVert" val="t"/>
+                    <dgm:param type="parTxLTRAlign" val="r"/>
+                    <dgm:param type="parTxRTLAlign" val="r"/>
+                  </dgm:alg>
+                  <dgm:shape xmlns:r="http://schemas.openxmlformats.org/officeDocument/2006/relationships" type="round2DiagRect" r:blip="">
+                    <dgm:adjLst/>
+                  </dgm:shape>
+                  <dgm:presOf axis="desOrSelf" ptType="node"/>
+                  <dgm:constrLst>
+                    <dgm:constr type="lMarg"/>
+                    <dgm:constr type="tMarg"/>
+                    <dgm:constr type="bMarg"/>
+                  </dgm:constrLst>
+                  <dgm:ruleLst>
+                    <dgm:rule type="primFontSz" val="5" fact="NaN" max="NaN"/>
+                  </dgm:ruleLst>
+                </dgm:layoutNode>
+              </dgm:forEach>
+            </dgm:layoutNode>
+          </dgm:if>
+          <dgm:if name="Name6" axis="ch" ptType="node" func="cnt" op="equ" val="2">
+            <dgm:layoutNode name="arrowDiagram2">
+              <dgm:alg type="composite">
+                <dgm:param type="vertAlign" val="none"/>
+                <dgm:param type="horzAlign" val="none"/>
+              </dgm:alg>
+              <dgm:shape xmlns:r="http://schemas.openxmlformats.org/officeDocument/2006/relationships" r:blip="">
+                <dgm:adjLst/>
+              </dgm:shape>
+              <dgm:presOf/>
+              <dgm:choose name="Name7">
+                <dgm:if name="Name8" func="var" arg="dir" op="equ" val="norm">
+                  <dgm:constrLst>
+                    <dgm:constr type="ctrX" for="ch" forName="bullet2a" refType="w" fact="0.25"/>
+                    <dgm:constr type="ctrY" for="ch" forName="bullet2a" refType="h" fact="0.573"/>
+                    <dgm:constr type="w" for="ch" forName="bullet2a" refType="w" fact="0.035"/>
+                    <dgm:constr type="h" for="ch" forName="bullet2a" refType="w" refFor="ch" refForName="bullet2a"/>
+                    <dgm:constr type="l" for="ch" forName="textBox2a" refType="ctrX" refFor="ch" refForName="bullet2a"/>
+                    <dgm:constr type="t" for="ch" forName="textBox2a" refType="ctrY" refFor="ch" refForName="bullet2a"/>
+                    <dgm:constr type="w" for="ch" forName="textBox2a" refType="w" fact="0.325"/>
+                    <dgm:constr type="h" for="ch" forName="textBox2a" refType="h" fact="0.427"/>
+                    <dgm:constr type="userA" refType="h" refFor="ch" refForName="bullet2a" fact="0.53"/>
+                    <dgm:constr type="lMarg" for="ch" forName="textBox2a" refType="userA" fact="2.834"/>
+                    <dgm:constr type="ctrX" for="ch" forName="bullet2b" refType="w" fact="0.585"/>
+                    <dgm:constr type="ctrY" for="ch" forName="bullet2b" refType="h" fact="0.338"/>
+                    <dgm:constr type="w" for="ch" forName="bullet2b" refType="w" fact="0.06"/>
+                    <dgm:constr type="h" for="ch" forName="bullet2b" refType="w" refFor="ch" refForName="bullet2b"/>
+                    <dgm:constr type="l" for="ch" forName="textBox2b" refType="ctrX" refFor="ch" refForName="bullet2b"/>
+                    <dgm:constr type="t" for="ch" forName="textBox2b" refType="ctrY" refFor="ch" refForName="bullet2b"/>
+                    <dgm:constr type="w" for="ch" forName="textBox2b" refType="w" fact="0.325"/>
+                    <dgm:constr type="h" for="ch" forName="textBox2b" refType="h" fact="0.662"/>
+                    <dgm:constr type="userB" refType="h" refFor="ch" refForName="bullet2b" fact="0.53"/>
+                    <dgm:constr type="lMarg" for="ch" forName="textBox2b" refType="userB" fact="2.834"/>
+                    <dgm:constr type="primFontSz" for="ch" ptType="node" op="equ" val="65"/>
+                  </dgm:constrLst>
+                </dgm:if>
+                <dgm:else name="Name9">
+                  <dgm:constrLst>
+                    <dgm:constr type="ctrX" for="ch" forName="bullet2a" refType="w" fact="0.25"/>
+                    <dgm:constr type="ctrY" for="ch" forName="bullet2a" refType="h" fact="0.573"/>
+                    <dgm:constr type="w" for="ch" forName="bullet2a" refType="w" fact="0.035"/>
+                    <dgm:constr type="h" for="ch" forName="bullet2a" refType="w" refFor="ch" refForName="bullet2a"/>
+                    <dgm:constr type="r" for="ch" forName="textBox2a" refType="ctrX" refFor="ch" refForName="bullet2a"/>
+                    <dgm:constr type="b" for="ch" forName="textBox2a" refType="ctrY" refFor="ch" refForName="bullet2a"/>
+                    <dgm:constr type="w" for="ch" forName="textBox2a" refType="w" fact="0.25"/>
+                    <dgm:constr type="h" for="ch" forName="textBox2a" refType="h" fact="0.573"/>
+                    <dgm:constr type="userA" refType="h" refFor="ch" refForName="bullet2a" fact="0.53"/>
+                    <dgm:constr type="rMarg" for="ch" forName="textBox2a" refType="userA" fact="2.834"/>
+                    <dgm:constr type="ctrX" for="ch" forName="bullet2b" refType="w" fact="0.585"/>
+                    <dgm:constr type="ctrY" for="ch" forName="bullet2b" refType="h" fact="0.338"/>
+                    <dgm:constr type="w" for="ch" forName="bullet2b" refType="w" fact="0.06"/>
+                    <dgm:constr type="h" for="ch" forName="bullet2b" refType="w" refFor="ch" refForName="bullet2b"/>
+                    <dgm:constr type="r" for="ch" forName="textBox2b" refType="ctrX" refFor="ch" refForName="bullet2b"/>
+                    <dgm:constr type="b" for="ch" forName="textBox2b" refType="ctrY" refFor="ch" refForName="bullet2b"/>
+                    <dgm:constr type="w" for="ch" forName="textBox2b" refType="w" fact="0.28"/>
+                    <dgm:constr type="h" for="ch" forName="textBox2b" refType="h" fact="0.338"/>
+                    <dgm:constr type="userB" refType="h" refFor="ch" refForName="bullet2b" fact="0.53"/>
+                    <dgm:constr type="rMarg" for="ch" forName="textBox2b" refType="userB" fact="2.834"/>
+                    <dgm:constr type="primFontSz" for="ch" ptType="node" op="equ" val="65"/>
+                  </dgm:constrLst>
+                </dgm:else>
+              </dgm:choose>
+              <dgm:ruleLst/>
+              <dgm:forEach name="Name10" axis="ch" ptType="node" cnt="1">
+                <dgm:layoutNode name="bullet2a" styleLbl="node1">
+                  <dgm:alg type="sp"/>
+                  <dgm:shape xmlns:r="http://schemas.openxmlformats.org/officeDocument/2006/relationships" type="ellipse" r:blip="">
+                    <dgm:adjLst/>
+                  </dgm:shape>
+                  <dgm:presOf/>
+                  <dgm:constrLst/>
+                  <dgm:ruleLst/>
+                </dgm:layoutNode>
+                <dgm:layoutNode name="textBox2a" styleLbl="revTx">
+                  <dgm:varLst>
+                    <dgm:bulletEnabled val="1"/>
+                  </dgm:varLst>
+                  <dgm:choose name="Name11">
+                    <dgm:if name="Name12" func="var" arg="dir" op="equ" val="norm">
+                      <dgm:choose name="Name13">
+                        <dgm:if name="Name14" axis="root des" ptType="all node" func="maxDepth" op="gt" val="1">
+                          <dgm:alg type="tx">
+                            <dgm:param type="txAnchorVert" val="t"/>
+                            <dgm:param type="parTxLTRAlign" val="l"/>
+                            <dgm:param type="parTxRTLAlign" val="r"/>
+                          </dgm:alg>
+                        </dgm:if>
+                        <dgm:else name="Name15">
+                          <dgm:alg type="tx">
+                            <dgm:param type="txAnchorVert" val="t"/>
+                            <dgm:param type="parTxLTRAlign" val="l"/>
+                            <dgm:param type="parTxRTLAlign" val="l"/>
+                          </dgm:alg>
+                        </dgm:else>
+                      </dgm:choose>
+                    </dgm:if>
+                    <dgm:else name="Name16">
+                      <dgm:choose name="Name17">
+                        <dgm:if name="Name18" axis="root des" ptType="all node" func="maxDepth" op="gt" val="1">
+                          <dgm:alg type="tx">
+                            <dgm:param type="txAnchorVert" val="b"/>
+                            <dgm:param type="txAnchorVertCh" val="b"/>
+                            <dgm:param type="parTxLTRAlign" val="l"/>
+                            <dgm:param type="parTxRTLAlign" val="r"/>
+                          </dgm:alg>
+                        </dgm:if>
+                        <dgm:else name="Name19">
+                          <dgm:alg type="tx">
+                            <dgm:param type="txAnchorVert" val="b"/>
+                            <dgm:param type="parTxLTRAlign" val="r"/>
+                            <dgm:param type="parTxRTLAlign" val="r"/>
+                          </dgm:alg>
+                        </dgm:else>
+                      </dgm:choose>
+                    </dgm:else>
+                  </dgm:choose>
+                  <dgm:shape xmlns:r="http://schemas.openxmlformats.org/officeDocument/2006/relationships" type="rect" r:blip="">
+                    <dgm:adjLst/>
+                  </dgm:shape>
+                  <dgm:presOf axis="desOrSelf" ptType="node"/>
+                  <dgm:choose name="Name20">
+                    <dgm:if name="Name21" func="var" arg="dir" op="equ" val="norm">
+                      <dgm:constrLst>
+                        <dgm:constr type="rMarg"/>
+                        <dgm:constr type="tMarg"/>
+                        <dgm:constr type="bMarg"/>
+                      </dgm:constrLst>
+                    </dgm:if>
+                    <dgm:else name="Name22">
+                      <dgm:constrLst>
+                        <dgm:constr type="lMarg"/>
+                        <dgm:constr type="tMarg"/>
+                        <dgm:constr type="bMarg"/>
+                      </dgm:constrLst>
+                    </dgm:else>
+                  </dgm:choose>
+                  <dgm:ruleLst>
+                    <dgm:rule type="primFontSz" val="5" fact="NaN" max="NaN"/>
+                  </dgm:ruleLst>
+                </dgm:layoutNode>
+              </dgm:forEach>
+              <dgm:forEach name="Name23" axis="ch" ptType="node" st="2" cnt="1">
+                <dgm:layoutNode name="bullet2b" styleLbl="node1">
+                  <dgm:alg type="sp"/>
+                  <dgm:shape xmlns:r="http://schemas.openxmlformats.org/officeDocument/2006/relationships" type="ellipse" r:blip="">
+                    <dgm:adjLst/>
+                  </dgm:shape>
+                  <dgm:presOf/>
+                  <dgm:constrLst/>
+                  <dgm:ruleLst/>
+                </dgm:layoutNode>
+                <dgm:layoutNode name="textBox2b" styleLbl="revTx">
+                  <dgm:varLst>
+                    <dgm:bulletEnabled val="1"/>
+                  </dgm:varLst>
+                  <dgm:choose name="Name24">
+                    <dgm:if name="Name25" func="var" arg="dir" op="equ" val="norm">
+                      <dgm:choose name="Name26">
+                        <dgm:if name="Name27" axis="root des" ptType="all node" func="maxDepth" op="gt" val="1">
+                          <dgm:alg type="tx">
+                            <dgm:param type="txAnchorVert" val="t"/>
+                            <dgm:param type="parTxLTRAlign" val="l"/>
+                            <dgm:param type="parTxRTLAlign" val="r"/>
+                          </dgm:alg>
+                        </dgm:if>
+                        <dgm:else name="Name28">
+                          <dgm:alg type="tx">
+                            <dgm:param type="txAnchorVert" val="t"/>
+                            <dgm:param type="parTxLTRAlign" val="l"/>
+                            <dgm:param type="parTxRTLAlign" val="l"/>
+                          </dgm:alg>
+                        </dgm:else>
+                      </dgm:choose>
+                    </dgm:if>
+                    <dgm:else name="Name29">
+                      <dgm:choose name="Name30">
+                        <dgm:if name="Name31" axis="root des" ptType="all node" func="maxDepth" op="gt" val="1">
+                          <dgm:alg type="tx">
+                            <dgm:param type="txAnchorVert" val="b"/>
+                            <dgm:param type="txAnchorVertCh" val="b"/>
+                            <dgm:param type="parTxLTRAlign" val="l"/>
+                            <dgm:param type="parTxRTLAlign" val="r"/>
+                          </dgm:alg>
+                        </dgm:if>
+                        <dgm:else name="Name32">
+                          <dgm:alg type="tx">
+                            <dgm:param type="txAnchorVert" val="b"/>
+                            <dgm:param type="parTxLTRAlign" val="r"/>
+                            <dgm:param type="parTxRTLAlign" val="r"/>
+                          </dgm:alg>
+                        </dgm:else>
+                      </dgm:choose>
+                    </dgm:else>
+                  </dgm:choose>
+                  <dgm:shape xmlns:r="http://schemas.openxmlformats.org/officeDocument/2006/relationships" type="rect" r:blip="">
+                    <dgm:adjLst/>
+                  </dgm:shape>
+                  <dgm:presOf axis="desOrSelf" ptType="node"/>
+                  <dgm:choose name="Name33">
+                    <dgm:if name="Name34" func="var" arg="dir" op="equ" val="norm">
+                      <dgm:constrLst>
+                        <dgm:constr type="rMarg"/>
+                        <dgm:constr type="tMarg"/>
+                        <dgm:constr type="bMarg"/>
+                      </dgm:constrLst>
+                    </dgm:if>
+                    <dgm:else name="Name35">
+                      <dgm:constrLst>
+                        <dgm:constr type="lMarg"/>
+                        <dgm:constr type="tMarg"/>
+                        <dgm:constr type="bMarg"/>
+                      </dgm:constrLst>
+                    </dgm:else>
+                  </dgm:choose>
+                  <dgm:ruleLst>
+                    <dgm:rule type="primFontSz" val="5" fact="NaN" max="NaN"/>
+                  </dgm:ruleLst>
+                </dgm:layoutNode>
+              </dgm:forEach>
+            </dgm:layoutNode>
+          </dgm:if>
+          <dgm:if name="Name36" axis="ch" ptType="node" func="cnt" op="equ" val="3">
+            <dgm:layoutNode name="arrowDiagram3">
+              <dgm:alg type="composite">
+                <dgm:param type="vertAlign" val="none"/>
+                <dgm:param type="horzAlign" val="none"/>
+              </dgm:alg>
+              <dgm:shape xmlns:r="http://schemas.openxmlformats.org/officeDocument/2006/relationships" r:blip="">
+                <dgm:adjLst/>
+              </dgm:shape>
+              <dgm:presOf/>
+              <dgm:choose name="Name37">
+                <dgm:if name="Name38" func="var" arg="dir" op="equ" val="norm">
+                  <dgm:constrLst>
+                    <dgm:constr type="ctrX" for="ch" forName="bullet3a" refType="w" fact="0.14"/>
+                    <dgm:constr type="ctrY" for="ch" forName="bullet3a" refType="h" fact="0.711"/>
+                    <dgm:constr type="w" for="ch" forName="bullet3a" refType="w" fact="0.026"/>
+                    <dgm:constr type="h" for="ch" forName="bullet3a" refType="w" refFor="ch" refForName="bullet3a"/>
+                    <dgm:constr type="l" for="ch" forName="textBox3a" refType="ctrX" refFor="ch" refForName="bullet3a"/>
+                    <dgm:constr type="t" for="ch" forName="textBox3a" refType="ctrY" refFor="ch" refForName="bullet3a"/>
+                    <dgm:constr type="w" for="ch" forName="textBox3a" refType="w" fact="0.233"/>
+                    <dgm:constr type="h" for="ch" forName="textBox3a" refType="h" fact="0.289"/>
+                    <dgm:constr type="userA" refType="h" refFor="ch" refForName="bullet3a" fact="0.53"/>
+                    <dgm:constr type="lMarg" for="ch" forName="textBox3a" refType="userA" fact="2.834"/>
+                    <dgm:constr type="ctrX" for="ch" forName="bullet3b" refType="w" fact="0.38"/>
+                    <dgm:constr type="ctrY" for="ch" forName="bullet3b" refType="h" fact="0.456"/>
+                    <dgm:constr type="w" for="ch" forName="bullet3b" refType="w" fact="0.047"/>
+                    <dgm:constr type="h" for="ch" forName="bullet3b" refType="w" refFor="ch" refForName="bullet3b"/>
+                    <dgm:constr type="l" for="ch" forName="textBox3b" refType="ctrX" refFor="ch" refForName="bullet3b"/>
+                    <dgm:constr type="t" for="ch" forName="textBox3b" refType="ctrY" refFor="ch" refForName="bullet3b"/>
+                    <dgm:constr type="w" for="ch" forName="textBox3b" refType="w" fact="0.24"/>
+                    <dgm:constr type="h" for="ch" forName="textBox3b" refType="h" fact="0.544"/>
+                    <dgm:constr type="userB" refType="h" refFor="ch" refForName="bullet3b" fact="0.53"/>
+                    <dgm:constr type="lMarg" for="ch" forName="textBox3b" refType="userB" fact="2.834"/>
+                    <dgm:constr type="ctrX" for="ch" forName="bullet3c" refType="w" fact="0.665"/>
+                    <dgm:constr type="ctrY" for="ch" forName="bullet3c" refType="h" fact="0.305"/>
+                    <dgm:constr type="w" for="ch" forName="bullet3c" refType="w" fact="0.065"/>
+                    <dgm:constr type="h" for="ch" forName="bullet3c" refType="w" refFor="ch" refForName="bullet3c"/>
+                    <dgm:constr type="l" for="ch" forName="textBox3c" refType="ctrX" refFor="ch" refForName="bullet3c"/>
+                    <dgm:constr type="t" for="ch" forName="textBox3c" refType="ctrY" refFor="ch" refForName="bullet3c"/>
+                    <dgm:constr type="w" for="ch" forName="textBox3c" refType="w" fact="0.24"/>
+                    <dgm:constr type="h" for="ch" forName="textBox3c" refType="h" fact="0.695"/>
+                    <dgm:constr type="userC" refType="h" refFor="ch" refForName="bullet3c" fact="0.53"/>
+                    <dgm:constr type="lMarg" for="ch" forName="textBox3c" refType="userC" fact="2.834"/>
+                    <dgm:constr type="primFontSz" for="ch" ptType="node" op="equ" val="65"/>
+                  </dgm:constrLst>
+                </dgm:if>
+                <dgm:else name="Name39">
+                  <dgm:constrLst>
+                    <dgm:constr type="ctrX" for="ch" forName="bullet3a" refType="w" fact="0.14"/>
+                    <dgm:constr type="ctrY" for="ch" forName="bullet3a" refType="h" fact="0.711"/>
+                    <dgm:constr type="w" for="ch" forName="bullet3a" refType="w" fact="0.026"/>
+                    <dgm:constr type="h" for="ch" forName="bullet3a" refType="w" refFor="ch" refForName="bullet3a"/>
+                    <dgm:constr type="r" for="ch" forName="textBox3a" refType="ctrX" refFor="ch" refForName="bullet3a"/>
+                    <dgm:constr type="b" for="ch" forName="textBox3a" refType="ctrY" refFor="ch" refForName="bullet3a"/>
+                    <dgm:constr type="w" for="ch" forName="textBox3a" refType="w" fact="0.14"/>
+                    <dgm:constr type="h" for="ch" forName="textBox3a" refType="h" fact="0.711"/>
+                    <dgm:constr type="userA" refType="h" refFor="ch" refForName="bullet3a" fact="0.53"/>
+                    <dgm:constr type="rMarg" for="ch" forName="textBox3a" refType="userA" fact="2.834"/>
+                    <dgm:constr type="ctrX" for="ch" forName="bullet3b" refType="w" fact="0.38"/>
+                    <dgm:constr type="ctrY" for="ch" forName="bullet3b" refType="h" fact="0.456"/>
+                    <dgm:constr type="w" for="ch" forName="bullet3b" refType="w" fact="0.047"/>
+                    <dgm:constr type="h" for="ch" forName="bullet3b" refType="w" refFor="ch" refForName="bullet3b"/>
+                    <dgm:constr type="r" for="ch" forName="textBox3b" refType="ctrX" refFor="ch" refForName="bullet3b"/>
+                    <dgm:constr type="b" for="ch" forName="textBox3b" refType="ctrY" refFor="ch" refForName="bullet3b"/>
+                    <dgm:constr type="w" for="ch" forName="textBox3b" refType="w" fact="0.24"/>
+                    <dgm:constr type="h" for="ch" forName="textBox3b" refType="h" fact="0.456"/>
+                    <dgm:constr type="userB" refType="h" refFor="ch" refForName="bullet3b" fact="0.53"/>
+                    <dgm:constr type="rMarg" for="ch" forName="textBox3b" refType="userB" fact="2.834"/>
+                    <dgm:constr type="ctrX" for="ch" forName="bullet3c" refType="w" fact="0.665"/>
+                    <dgm:constr type="ctrY" for="ch" forName="bullet3c" refType="h" fact="0.305"/>
+                    <dgm:constr type="w" for="ch" forName="bullet3c" refType="w" fact="0.065"/>
+                    <dgm:constr type="h" for="ch" forName="bullet3c" refType="w" refFor="ch" refForName="bullet3c"/>
+                    <dgm:constr type="r" for="ch" forName="textBox3c" refType="ctrX" refFor="ch" refForName="bullet3c"/>
+                    <dgm:constr type="b" for="ch" forName="textBox3c" refType="ctrY" refFor="ch" refForName="bullet3c"/>
+                    <dgm:constr type="w" for="ch" forName="textBox3c" refType="w" fact="0.24"/>
+                    <dgm:constr type="h" for="ch" forName="textBox3c" refType="h" fact="0.305"/>
+                    <dgm:constr type="userC" refType="h" refFor="ch" refForName="bullet3c" fact="0.53"/>
+                    <dgm:constr type="rMarg" for="ch" forName="textBox3c" refType="userC" fact="2.834"/>
+                    <dgm:constr type="primFontSz" for="ch" ptType="node" op="equ" val="65"/>
+                  </dgm:constrLst>
+                </dgm:else>
+              </dgm:choose>
+              <dgm:ruleLst/>
+              <dgm:forEach name="Name40" axis="ch" ptType="node" cnt="1">
+                <dgm:layoutNode name="bullet3a" styleLbl="node1">
+                  <dgm:alg type="sp"/>
+                  <dgm:shape xmlns:r="http://schemas.openxmlformats.org/officeDocument/2006/relationships" type="ellipse" r:blip="">
+                    <dgm:adjLst/>
+                  </dgm:shape>
+                  <dgm:presOf/>
+                  <dgm:constrLst/>
+                  <dgm:ruleLst/>
+                </dgm:layoutNode>
+                <dgm:layoutNode name="textBox3a" styleLbl="revTx">
+                  <dgm:varLst>
+                    <dgm:bulletEnabled val="1"/>
+                  </dgm:varLst>
+                  <dgm:choose name="Name41">
+                    <dgm:if name="Name42" func="var" arg="dir" op="equ" val="norm">
+                      <dgm:choose name="Name43">
+                        <dgm:if name="Name44" axis="root des" ptType="all node" func="maxDepth" op="gt" val="1">
+                          <dgm:alg type="tx">
+                            <dgm:param type="txAnchorVert" val="t"/>
+                            <dgm:param type="parTxLTRAlign" val="l"/>
+                            <dgm:param type="parTxRTLAlign" val="r"/>
+                          </dgm:alg>
+                        </dgm:if>
+                        <dgm:else name="Name45">
+                          <dgm:alg type="tx">
+                            <dgm:param type="txAnchorVert" val="t"/>
+                            <dgm:param type="parTxLTRAlign" val="l"/>
+                            <dgm:param type="parTxRTLAlign" val="l"/>
+                          </dgm:alg>
+                        </dgm:else>
+                      </dgm:choose>
+                    </dgm:if>
+                    <dgm:else name="Name46">
+                      <dgm:choose name="Name47">
+                        <dgm:if name="Name48" axis="root des" ptType="all node" func="maxDepth" op="gt" val="1">
+                          <dgm:alg type="tx">
+                            <dgm:param type="txAnchorVert" val="b"/>
+                            <dgm:param type="txAnchorVertCh" val="b"/>
+                            <dgm:param type="parTxLTRAlign" val="l"/>
+                            <dgm:param type="parTxRTLAlign" val="r"/>
+                          </dgm:alg>
+                        </dgm:if>
+                        <dgm:else name="Name49">
+                          <dgm:alg type="tx">
+                            <dgm:param type="txAnchorVert" val="b"/>
+                            <dgm:param type="parTxLTRAlign" val="r"/>
+                            <dgm:param type="parTxRTLAlign" val="r"/>
+                          </dgm:alg>
+                        </dgm:else>
+                      </dgm:choose>
+                    </dgm:else>
+                  </dgm:choose>
+                  <dgm:shape xmlns:r="http://schemas.openxmlformats.org/officeDocument/2006/relationships" type="rect" r:blip="">
+                    <dgm:adjLst/>
+                  </dgm:shape>
+                  <dgm:presOf axis="desOrSelf" ptType="node"/>
+                  <dgm:choose name="Name50">
+                    <dgm:if name="Name51" func="var" arg="dir" op="equ" val="norm">
+                      <dgm:constrLst>
+                        <dgm:constr type="rMarg"/>
+                        <dgm:constr type="tMarg"/>
+                        <dgm:constr type="bMarg"/>
+                      </dgm:constrLst>
+                    </dgm:if>
+                    <dgm:else name="Name52">
+                      <dgm:constrLst>
+                        <dgm:constr type="lMarg"/>
+                        <dgm:constr type="tMarg"/>
+                        <dgm:constr type="bMarg"/>
+                      </dgm:constrLst>
+                    </dgm:else>
+                  </dgm:choose>
+                  <dgm:ruleLst>
+                    <dgm:rule type="primFontSz" val="5" fact="NaN" max="NaN"/>
+                  </dgm:ruleLst>
+                </dgm:layoutNode>
+              </dgm:forEach>
+              <dgm:forEach name="Name53" axis="ch" ptType="node" st="2" cnt="1">
+                <dgm:layoutNode name="bullet3b" styleLbl="node1">
+                  <dgm:alg type="sp"/>
+                  <dgm:shape xmlns:r="http://schemas.openxmlformats.org/officeDocument/2006/relationships" type="ellipse" r:blip="">
+                    <dgm:adjLst/>
+                  </dgm:shape>
+                  <dgm:presOf/>
+                  <dgm:constrLst/>
+                  <dgm:ruleLst/>
+                </dgm:layoutNode>
+                <dgm:layoutNode name="textBox3b" styleLbl="revTx">
+                  <dgm:varLst>
+                    <dgm:bulletEnabled val="1"/>
+                  </dgm:varLst>
+                  <dgm:choose name="Name54">
+                    <dgm:if name="Name55" func="var" arg="dir" op="equ" val="norm">
+                      <dgm:choose name="Name56">
+                        <dgm:if name="Name57" axis="root des" ptType="all node" func="maxDepth" op="gt" val="1">
+                          <dgm:alg type="tx">
+                            <dgm:param type="txAnchorVert" val="t"/>
+                            <dgm:param type="parTxLTRAlign" val="l"/>
+                            <dgm:param type="parTxRTLAlign" val="r"/>
+                          </dgm:alg>
+                        </dgm:if>
+                        <dgm:else name="Name58">
+                          <dgm:alg type="tx">
+                            <dgm:param type="txAnchorVert" val="t"/>
+                            <dgm:param type="parTxLTRAlign" val="l"/>
+                            <dgm:param type="parTxRTLAlign" val="l"/>
+                          </dgm:alg>
+                        </dgm:else>
+                      </dgm:choose>
+                    </dgm:if>
+                    <dgm:else name="Name59">
+                      <dgm:choose name="Name60">
+                        <dgm:if name="Name61" axis="root des" ptType="all node" func="maxDepth" op="gt" val="1">
+                          <dgm:alg type="tx">
+                            <dgm:param type="txAnchorVert" val="b"/>
+                            <dgm:param type="txAnchorVertCh" val="b"/>
+                            <dgm:param type="parTxLTRAlign" val="l"/>
+                            <dgm:param type="parTxRTLAlign" val="r"/>
+                          </dgm:alg>
+                        </dgm:if>
+                        <dgm:else name="Name62">
+                          <dgm:alg type="tx">
+                            <dgm:param type="txAnchorVert" val="b"/>
+                            <dgm:param type="parTxLTRAlign" val="r"/>
+                            <dgm:param type="parTxRTLAlign" val="r"/>
+                          </dgm:alg>
+                        </dgm:else>
+                      </dgm:choose>
+                    </dgm:else>
+                  </dgm:choose>
+                  <dgm:shape xmlns:r="http://schemas.openxmlformats.org/officeDocument/2006/relationships" type="rect" r:blip="">
+                    <dgm:adjLst/>
+                  </dgm:shape>
+                  <dgm:presOf axis="desOrSelf" ptType="node"/>
+                  <dgm:choose name="Name63">
+                    <dgm:if name="Name64" func="var" arg="dir" op="equ" val="norm">
+                      <dgm:constrLst>
+                        <dgm:constr type="rMarg"/>
+                        <dgm:constr type="tMarg"/>
+                        <dgm:constr type="bMarg"/>
+                      </dgm:constrLst>
+                    </dgm:if>
+                    <dgm:else name="Name65">
+                      <dgm:constrLst>
+                        <dgm:constr type="lMarg"/>
+                        <dgm:constr type="tMarg"/>
+                        <dgm:constr type="bMarg"/>
+                      </dgm:constrLst>
+                    </dgm:else>
+                  </dgm:choose>
+                  <dgm:ruleLst>
+                    <dgm:rule type="primFontSz" val="5" fact="NaN" max="NaN"/>
+                  </dgm:ruleLst>
+                </dgm:layoutNode>
+              </dgm:forEach>
+              <dgm:forEach name="Name66" axis="ch" ptType="node" st="3" cnt="1">
+                <dgm:layoutNode name="bullet3c" styleLbl="node1">
+                  <dgm:alg type="sp"/>
+                  <dgm:shape xmlns:r="http://schemas.openxmlformats.org/officeDocument/2006/relationships" type="ellipse" r:blip="">
+                    <dgm:adjLst/>
+                  </dgm:shape>
+                  <dgm:presOf/>
+                  <dgm:constrLst/>
+                  <dgm:ruleLst/>
+                </dgm:layoutNode>
+                <dgm:layoutNode name="textBox3c" styleLbl="revTx">
+                  <dgm:varLst>
+                    <dgm:bulletEnabled val="1"/>
+                  </dgm:varLst>
+                  <dgm:choose name="Name67">
+                    <dgm:if name="Name68" func="var" arg="dir" op="equ" val="norm">
+                      <dgm:choose name="Name69">
+                        <dgm:if name="Name70" axis="root des" ptType="all node" func="maxDepth" op="gt" val="1">
+                          <dgm:alg type="tx">
+                            <dgm:param type="txAnchorVert" val="t"/>
+                            <dgm:param type="parTxLTRAlign" val="l"/>
+                            <dgm:param type="parTxRTLAlign" val="r"/>
+                          </dgm:alg>
+                        </dgm:if>
+                        <dgm:else name="Name71">
+                          <dgm:alg type="tx">
+                            <dgm:param type="txAnchorVert" val="t"/>
+                            <dgm:param type="parTxLTRAlign" val="l"/>
+                            <dgm:param type="parTxRTLAlign" val="l"/>
+                          </dgm:alg>
+                        </dgm:else>
+                      </dgm:choose>
+                    </dgm:if>
+                    <dgm:else name="Name72">
+                      <dgm:choose name="Name73">
+                        <dgm:if name="Name74" axis="root des" ptType="all node" func="maxDepth" op="gt" val="1">
+                          <dgm:alg type="tx">
+                            <dgm:param type="txAnchorVert" val="b"/>
+                            <dgm:param type="txAnchorVertCh" val="b"/>
+                            <dgm:param type="parTxLTRAlign" val="l"/>
+                            <dgm:param type="parTxRTLAlign" val="r"/>
+                          </dgm:alg>
+                        </dgm:if>
+                        <dgm:else name="Name75">
+                          <dgm:alg type="tx">
+                            <dgm:param type="txAnchorVert" val="b"/>
+                            <dgm:param type="parTxLTRAlign" val="r"/>
+                            <dgm:param type="parTxRTLAlign" val="r"/>
+                          </dgm:alg>
+                        </dgm:else>
+                      </dgm:choose>
+                    </dgm:else>
+                  </dgm:choose>
+                  <dgm:shape xmlns:r="http://schemas.openxmlformats.org/officeDocument/2006/relationships" type="rect" r:blip="">
+                    <dgm:adjLst/>
+                  </dgm:shape>
+                  <dgm:presOf axis="desOrSelf" ptType="node"/>
+                  <dgm:choose name="Name76">
+                    <dgm:if name="Name77" func="var" arg="dir" op="equ" val="norm">
+                      <dgm:constrLst>
+                        <dgm:constr type="rMarg"/>
+                        <dgm:constr type="tMarg"/>
+                        <dgm:constr type="bMarg"/>
+                      </dgm:constrLst>
+                    </dgm:if>
+                    <dgm:else name="Name78">
+                      <dgm:constrLst>
+                        <dgm:constr type="lMarg"/>
+                        <dgm:constr type="tMarg"/>
+                        <dgm:constr type="bMarg"/>
+                      </dgm:constrLst>
+                    </dgm:else>
+                  </dgm:choose>
+                  <dgm:ruleLst>
+                    <dgm:rule type="primFontSz" val="5" fact="NaN" max="NaN"/>
+                  </dgm:ruleLst>
+                </dgm:layoutNode>
+              </dgm:forEach>
+            </dgm:layoutNode>
+          </dgm:if>
+          <dgm:if name="Name79" axis="ch" ptType="node" func="cnt" op="equ" val="4">
+            <dgm:layoutNode name="arrowDiagram4">
+              <dgm:alg type="composite">
+                <dgm:param type="vertAlign" val="none"/>
+                <dgm:param type="horzAlign" val="none"/>
+              </dgm:alg>
+              <dgm:shape xmlns:r="http://schemas.openxmlformats.org/officeDocument/2006/relationships" r:blip="">
+                <dgm:adjLst/>
+              </dgm:shape>
+              <dgm:presOf/>
+              <dgm:choose name="Name80">
+                <dgm:if name="Name81" func="var" arg="dir" op="equ" val="norm">
+                  <dgm:constrLst>
+                    <dgm:constr type="ctrX" for="ch" forName="bullet4a" refType="w" fact="0.11"/>
+                    <dgm:constr type="ctrY" for="ch" forName="bullet4a" refType="h" fact="0.762"/>
+                    <dgm:constr type="w" for="ch" forName="bullet4a" refType="w" fact="0.023"/>
+                    <dgm:constr type="h" for="ch" forName="bullet4a" refType="w" refFor="ch" refForName="bullet4a"/>
+                    <dgm:constr type="l" for="ch" forName="textBox4a" refType="ctrX" refFor="ch" refForName="bullet4a"/>
+                    <dgm:constr type="t" for="ch" forName="textBox4a" refType="ctrY" refFor="ch" refForName="bullet4a"/>
+                    <dgm:constr type="w" for="ch" forName="textBox4a" refType="w" fact="0.171"/>
+                    <dgm:constr type="h" for="ch" forName="textBox4a" refType="h" fact="0.238"/>
+                    <dgm:constr type="userA" refType="h" refFor="ch" refForName="bullet4a" fact="0.53"/>
+                    <dgm:constr type="lMarg" for="ch" forName="textBox4a" refType="userA" fact="2.834"/>
+                    <dgm:constr type="ctrX" for="ch" forName="bullet4b" refType="w" fact="0.281"/>
+                    <dgm:constr type="ctrY" for="ch" forName="bullet4b" refType="h" fact="0.543"/>
+                    <dgm:constr type="w" for="ch" forName="bullet4b" refType="w" fact="0.04"/>
+                    <dgm:constr type="h" for="ch" forName="bullet4b" refType="w" refFor="ch" refForName="bullet4b"/>
+                    <dgm:constr type="l" for="ch" forName="textBox4b" refType="ctrX" refFor="ch" refForName="bullet4b"/>
+                    <dgm:constr type="t" for="ch" forName="textBox4b" refType="ctrY" refFor="ch" refForName="bullet4b"/>
+                    <dgm:constr type="w" for="ch" forName="textBox4b" refType="w" fact="0.21"/>
+                    <dgm:constr type="h" for="ch" forName="textBox4b" refType="h" fact="0.457"/>
+                    <dgm:constr type="userB" refType="h" refFor="ch" refForName="bullet4b" fact="0.53"/>
+                    <dgm:constr type="lMarg" for="ch" forName="textBox4b" refType="userB" fact="2.834"/>
+                    <dgm:constr type="ctrX" for="ch" forName="bullet4c" refType="w" fact="0.495"/>
+                    <dgm:constr type="ctrY" for="ch" forName="bullet4c" refType="h" fact="0.382"/>
+                    <dgm:constr type="w" for="ch" forName="bullet4c" refType="w" fact="0.053"/>
+                    <dgm:constr type="h" for="ch" forName="bullet4c" refType="w" refFor="ch" refForName="bullet4c"/>
+                    <dgm:constr type="l" for="ch" forName="textBox4c" refType="ctrX" refFor="ch" refForName="bullet4c"/>
+                    <dgm:constr type="t" for="ch" forName="textBox4c" refType="ctrY" refFor="ch" refForName="bullet4c"/>
+                    <dgm:constr type="w" for="ch" forName="textBox4c" refType="w" fact="0.21"/>
+                    <dgm:constr type="h" for="ch" forName="textBox4c" refType="h" fact="0.618"/>
+                    <dgm:constr type="userC" refType="h" refFor="ch" refForName="bullet4c" fact="0.53"/>
+                    <dgm:constr type="lMarg" for="ch" forName="textBox4c" refType="userC" fact="2.834"/>
+                    <dgm:constr type="ctrX" for="ch" forName="bullet4d" refType="w" fact="0.73"/>
+                    <dgm:constr type="ctrY" for="ch" forName="bullet4d" refType="h" fact="0.283"/>
+                    <dgm:constr type="w" for="ch" forName="bullet4d" refType="w" fact="0.071"/>
+                    <dgm:constr type="h" for="ch" forName="bullet4d" refType="w" refFor="ch" refForName="bullet4d"/>
+                    <dgm:constr type="l" for="ch" forName="textBox4d" refType="ctrX" refFor="ch" refForName="bullet4d"/>
+                    <dgm:constr type="t" for="ch" forName="textBox4d" refType="ctrY" refFor="ch" refForName="bullet4d"/>
+                    <dgm:constr type="w" for="ch" forName="textBox4d" refType="w" fact="0.21"/>
+                    <dgm:constr type="h" for="ch" forName="textBox4d" refType="h" fact="0.717"/>
+                    <dgm:constr type="userD" refType="h" refFor="ch" refForName="bullet4d" fact="0.53"/>
+                    <dgm:constr type="lMarg" for="ch" forName="textBox4d" refType="userD" fact="2.834"/>
+                    <dgm:constr type="primFontSz" for="ch" ptType="node" op="equ" val="65"/>
+                  </dgm:constrLst>
+                </dgm:if>
+                <dgm:else name="Name82">
+                  <dgm:constrLst>
+                    <dgm:constr type="ctrX" for="ch" forName="bullet4a" refType="w" fact="0.11"/>
+                    <dgm:constr type="ctrY" for="ch" forName="bullet4a" refType="h" fact="0.762"/>
+                    <dgm:constr type="w" for="ch" forName="bullet4a" refType="w" fact="0.023"/>
+                    <dgm:constr type="h" for="ch" forName="bullet4a" refType="w" refFor="ch" refForName="bullet4a"/>
+                    <dgm:constr type="r" for="ch" forName="textBox4a" refType="ctrX" refFor="ch" refForName="bullet4a"/>
+                    <dgm:constr type="b" for="ch" forName="textBox4a" refType="ctrY" refFor="ch" refForName="bullet4a"/>
+                    <dgm:constr type="w" for="ch" forName="textBox4a" refType="w" fact="0.11"/>
+                    <dgm:constr type="h" for="ch" forName="textBox4a" refType="h" fact="0.762"/>
+                    <dgm:constr type="userA" refType="h" refFor="ch" refForName="bullet4a" fact="0.53"/>
+                    <dgm:constr type="rMarg" for="ch" forName="textBox4a" refType="userA" fact="2.834"/>
+                    <dgm:constr type="ctrX" for="ch" forName="bullet4b" refType="w" fact="0.281"/>
+                    <dgm:constr type="ctrY" for="ch" forName="bullet4b" refType="h" fact="0.543"/>
+                    <dgm:constr type="w" for="ch" forName="bullet4b" refType="w" fact="0.04"/>
+                    <dgm:constr type="h" for="ch" forName="bullet4b" refType="w" refFor="ch" refForName="bullet4b"/>
+                    <dgm:constr type="r" for="ch" forName="textBox4b" refType="ctrX" refFor="ch" refForName="bullet4b"/>
+                    <dgm:constr type="b" for="ch" forName="textBox4b" refType="ctrY" refFor="ch" refForName="bullet4b"/>
+                    <dgm:constr type="w" for="ch" forName="textBox4b" refType="w" fact="0.171"/>
+                    <dgm:constr type="h" for="ch" forName="textBox4b" refType="h" fact="0.543"/>
+                    <dgm:constr type="userB" refType="h" refFor="ch" refForName="bullet4b" fact="0.53"/>
+                    <dgm:constr type="rMarg" for="ch" forName="textBox4b" refType="userB" fact="2.834"/>
+                    <dgm:constr type="ctrX" for="ch" forName="bullet4c" refType="w" fact="0.495"/>
+                    <dgm:constr type="ctrY" for="ch" forName="bullet4c" refType="h" fact="0.382"/>
+                    <dgm:constr type="w" for="ch" forName="bullet4c" refType="w" fact="0.053"/>
+                    <dgm:constr type="h" for="ch" forName="bullet4c" refType="w" refFor="ch" refForName="bullet4c"/>
+                    <dgm:constr type="r" for="ch" forName="textBox4c" refType="ctrX" refFor="ch" refForName="bullet4c"/>
+                    <dgm:constr type="b" for="ch" forName="textBox4c" refType="ctrY" refFor="ch" refForName="bullet4c"/>
+                    <dgm:constr type="w" for="ch" forName="textBox4c" refType="w" fact="0.21"/>
+                    <dgm:constr type="h" for="ch" forName="textBox4c" refType="h" fact="0.382"/>
+                    <dgm:constr type="userC" refType="h" refFor="ch" refForName="bullet4c" fact="0.53"/>
+                    <dgm:constr type="rMarg" for="ch" forName="textBox4c" refType="userC" fact="2.834"/>
+                    <dgm:constr type="ctrX" for="ch" forName="bullet4d" refType="w" fact="0.73"/>
+                    <dgm:constr type="ctrY" for="ch" forName="bullet4d" refType="h" fact="0.283"/>
+                    <dgm:constr type="w" for="ch" forName="bullet4d" refType="w" fact="0.071"/>
+                    <dgm:constr type="h" for="ch" forName="bullet4d" refType="w" refFor="ch" refForName="bullet4d"/>
+                    <dgm:constr type="r" for="ch" forName="textBox4d" refType="ctrX" refFor="ch" refForName="bullet4d"/>
+                    <dgm:constr type="b" for="ch" forName="textBox4d" refType="ctrY" refFor="ch" refForName="bullet4d"/>
+                    <dgm:constr type="w" for="ch" forName="textBox4d" refType="w" fact="0.21"/>
+                    <dgm:constr type="h" for="ch" forName="textBox4d" refType="h" fact="0.283"/>
+                    <dgm:constr type="userD" refType="h" refFor="ch" refForName="bullet4d" fact="0.53"/>
+                    <dgm:constr type="rMarg" for="ch" forName="textBox4d" refType="userD" fact="2.834"/>
+                    <dgm:constr type="primFontSz" for="ch" ptType="node" op="equ" val="65"/>
+                  </dgm:constrLst>
+                </dgm:else>
+              </dgm:choose>
+              <dgm:ruleLst/>
+              <dgm:forEach name="Name83" axis="ch" ptType="node" cnt="1">
+                <dgm:layoutNode name="bullet4a" styleLbl="node1">
+                  <dgm:alg type="sp"/>
+                  <dgm:shape xmlns:r="http://schemas.openxmlformats.org/officeDocument/2006/relationships" type="ellipse" r:blip="">
+                    <dgm:adjLst/>
+                  </dgm:shape>
+                  <dgm:presOf/>
+                  <dgm:constrLst/>
+                  <dgm:ruleLst/>
+                </dgm:layoutNode>
+                <dgm:layoutNode name="textBox4a" styleLbl="revTx">
+                  <dgm:varLst>
+                    <dgm:bulletEnabled val="1"/>
+                  </dgm:varLst>
+                  <dgm:choose name="Name84">
+                    <dgm:if name="Name85" func="var" arg="dir" op="equ" val="norm">
+                      <dgm:choose name="Name86">
+                        <dgm:if name="Name87" axis="root des" ptType="all node" func="maxDepth" op="gt" val="1">
+                          <dgm:alg type="tx">
+                            <dgm:param type="txAnchorVert" val="t"/>
+                            <dgm:param type="parTxLTRAlign" val="l"/>
+                            <dgm:param type="parTxRTLAlign" val="r"/>
+                          </dgm:alg>
+                        </dgm:if>
+                        <dgm:else name="Name88">
+                          <dgm:alg type="tx">
+                            <dgm:param type="txAnchorVert" val="t"/>
+                            <dgm:param type="parTxLTRAlign" val="l"/>
+                            <dgm:param type="parTxRTLAlign" val="l"/>
+                          </dgm:alg>
+                        </dgm:else>
+                      </dgm:choose>
+                    </dgm:if>
+                    <dgm:else name="Name89">
+                      <dgm:choose name="Name90">
+                        <dgm:if name="Name91" axis="root des" ptType="all node" func="maxDepth" op="gt" val="1">
+                          <dgm:alg type="tx">
+                            <dgm:param type="txAnchorVert" val="b"/>
+                            <dgm:param type="txAnchorVertCh" val="b"/>
+                            <dgm:param type="parTxLTRAlign" val="l"/>
+                            <dgm:param type="parTxRTLAlign" val="r"/>
+                          </dgm:alg>
+                        </dgm:if>
+                        <dgm:else name="Name92">
+                          <dgm:alg type="tx">
+                            <dgm:param type="txAnchorVert" val="b"/>
+                            <dgm:param type="parTxLTRAlign" val="r"/>
+                            <dgm:param type="parTxRTLAlign" val="r"/>
+                          </dgm:alg>
+                        </dgm:else>
+                      </dgm:choose>
+                    </dgm:else>
+                  </dgm:choose>
+                  <dgm:shape xmlns:r="http://schemas.openxmlformats.org/officeDocument/2006/relationships" type="rect" r:blip="">
+                    <dgm:adjLst/>
+                  </dgm:shape>
+                  <dgm:presOf axis="desOrSelf" ptType="node"/>
+                  <dgm:choose name="Name93">
+                    <dgm:if name="Name94" func="var" arg="dir" op="equ" val="norm">
+                      <dgm:constrLst>
+                        <dgm:constr type="rMarg"/>
+                        <dgm:constr type="tMarg"/>
+                        <dgm:constr type="bMarg"/>
+                      </dgm:constrLst>
+                    </dgm:if>
+                    <dgm:else name="Name95">
+                      <dgm:constrLst>
+                        <dgm:constr type="lMarg"/>
+                        <dgm:constr type="tMarg"/>
+                        <dgm:constr type="bMarg"/>
+                      </dgm:constrLst>
+                    </dgm:else>
+                  </dgm:choose>
+                  <dgm:ruleLst>
+                    <dgm:rule type="primFontSz" val="5" fact="NaN" max="NaN"/>
+                  </dgm:ruleLst>
+                </dgm:layoutNode>
+              </dgm:forEach>
+              <dgm:forEach name="Name96" axis="ch" ptType="node" st="2" cnt="1">
+                <dgm:layoutNode name="bullet4b" styleLbl="node1">
+                  <dgm:alg type="sp"/>
+                  <dgm:shape xmlns:r="http://schemas.openxmlformats.org/officeDocument/2006/relationships" type="ellipse" r:blip="">
+                    <dgm:adjLst/>
+                  </dgm:shape>
+                  <dgm:presOf/>
+                  <dgm:constrLst/>
+                  <dgm:ruleLst/>
+                </dgm:layoutNode>
+                <dgm:layoutNode name="textBox4b" styleLbl="revTx">
+                  <dgm:varLst>
+                    <dgm:bulletEnabled val="1"/>
+                  </dgm:varLst>
+                  <dgm:choose name="Name97">
+                    <dgm:if name="Name98" func="var" arg="dir" op="equ" val="norm">
+                      <dgm:choose name="Name99">
+                        <dgm:if name="Name100" axis="root des" ptType="all node" func="maxDepth" op="gt" val="1">
+                          <dgm:alg type="tx">
+                            <dgm:param type="txAnchorVert" val="t"/>
+                            <dgm:param type="parTxLTRAlign" val="l"/>
+                            <dgm:param type="parTxRTLAlign" val="r"/>
+                          </dgm:alg>
+                        </dgm:if>
+                        <dgm:else name="Name101">
+                          <dgm:alg type="tx">
+                            <dgm:param type="txAnchorVert" val="t"/>
+                            <dgm:param type="parTxLTRAlign" val="l"/>
+                            <dgm:param type="parTxRTLAlign" val="l"/>
+                          </dgm:alg>
+                        </dgm:else>
+                      </dgm:choose>
+                    </dgm:if>
+                    <dgm:else name="Name102">
+                      <dgm:choose name="Name103">
+                        <dgm:if name="Name104" axis="root des" ptType="all node" func="maxDepth" op="gt" val="1">
+                          <dgm:alg type="tx">
+                            <dgm:param type="txAnchorVert" val="b"/>
+                            <dgm:param type="txAnchorVertCh" val="b"/>
+                            <dgm:param type="parTxLTRAlign" val="l"/>
+                            <dgm:param type="parTxRTLAlign" val="r"/>
+                          </dgm:alg>
+                        </dgm:if>
+                        <dgm:else name="Name105">
+                          <dgm:alg type="tx">
+                            <dgm:param type="txAnchorVert" val="b"/>
+                            <dgm:param type="parTxLTRAlign" val="r"/>
+                            <dgm:param type="parTxRTLAlign" val="r"/>
+                          </dgm:alg>
+                        </dgm:else>
+                      </dgm:choose>
+                    </dgm:else>
+                  </dgm:choose>
+                  <dgm:shape xmlns:r="http://schemas.openxmlformats.org/officeDocument/2006/relationships" type="rect" r:blip="">
+                    <dgm:adjLst/>
+                  </dgm:shape>
+                  <dgm:presOf axis="desOrSelf" ptType="node"/>
+                  <dgm:choose name="Name106">
+                    <dgm:if name="Name107" func="var" arg="dir" op="equ" val="norm">
+                      <dgm:constrLst>
+                        <dgm:constr type="rMarg"/>
+                        <dgm:constr type="tMarg"/>
+                        <dgm:constr type="bMarg"/>
+                      </dgm:constrLst>
+                    </dgm:if>
+                    <dgm:else name="Name108">
+                      <dgm:constrLst>
+                        <dgm:constr type="lMarg"/>
+                        <dgm:constr type="tMarg"/>
+                        <dgm:constr type="bMarg"/>
+                      </dgm:constrLst>
+                    </dgm:else>
+                  </dgm:choose>
+                  <dgm:ruleLst>
+                    <dgm:rule type="primFontSz" val="5" fact="NaN" max="NaN"/>
+                  </dgm:ruleLst>
+                </dgm:layoutNode>
+              </dgm:forEach>
+              <dgm:forEach name="Name109" axis="ch" ptType="node" st="3" cnt="1">
+                <dgm:layoutNode name="bullet4c" styleLbl="node1">
+                  <dgm:alg type="sp"/>
+                  <dgm:shape xmlns:r="http://schemas.openxmlformats.org/officeDocument/2006/relationships" type="ellipse" r:blip="">
+                    <dgm:adjLst/>
+                  </dgm:shape>
+                  <dgm:presOf/>
+                  <dgm:constrLst/>
+                  <dgm:ruleLst/>
+                </dgm:layoutNode>
+                <dgm:layoutNode name="textBox4c" styleLbl="revTx">
+                  <dgm:varLst>
+                    <dgm:bulletEnabled val="1"/>
+                  </dgm:varLst>
+                  <dgm:choose name="Name110">
+                    <dgm:if name="Name111" func="var" arg="dir" op="equ" val="norm">
+                      <dgm:choose name="Name112">
+                        <dgm:if name="Name113" axis="root des" ptType="all node" func="maxDepth" op="gt" val="1">
+                          <dgm:alg type="tx">
+                            <dgm:param type="txAnchorVert" val="t"/>
+                            <dgm:param type="parTxLTRAlign" val="l"/>
+                            <dgm:param type="parTxRTLAlign" val="r"/>
+                          </dgm:alg>
+                        </dgm:if>
+                        <dgm:else name="Name114">
+                          <dgm:alg type="tx">
+                            <dgm:param type="txAnchorVert" val="t"/>
+                            <dgm:param type="parTxLTRAlign" val="l"/>
+                            <dgm:param type="parTxRTLAlign" val="l"/>
+                          </dgm:alg>
+                        </dgm:else>
+                      </dgm:choose>
+                    </dgm:if>
+                    <dgm:else name="Name115">
+                      <dgm:choose name="Name116">
+                        <dgm:if name="Name117" axis="root des" ptType="all node" func="maxDepth" op="gt" val="1">
+                          <dgm:alg type="tx">
+                            <dgm:param type="txAnchorVert" val="b"/>
+                            <dgm:param type="txAnchorVertCh" val="b"/>
+                            <dgm:param type="parTxLTRAlign" val="l"/>
+                            <dgm:param type="parTxRTLAlign" val="r"/>
+                          </dgm:alg>
+                        </dgm:if>
+                        <dgm:else name="Name118">
+                          <dgm:alg type="tx">
+                            <dgm:param type="txAnchorVert" val="b"/>
+                            <dgm:param type="parTxLTRAlign" val="r"/>
+                            <dgm:param type="parTxRTLAlign" val="r"/>
+                          </dgm:alg>
+                        </dgm:else>
+                      </dgm:choose>
+                    </dgm:else>
+                  </dgm:choose>
+                  <dgm:shape xmlns:r="http://schemas.openxmlformats.org/officeDocument/2006/relationships" type="rect" r:blip="">
+                    <dgm:adjLst/>
+                  </dgm:shape>
+                  <dgm:presOf axis="desOrSelf" ptType="node"/>
+                  <dgm:choose name="Name119">
+                    <dgm:if name="Name120" func="var" arg="dir" op="equ" val="norm">
+                      <dgm:constrLst>
+                        <dgm:constr type="rMarg"/>
+                        <dgm:constr type="tMarg"/>
+                        <dgm:constr type="bMarg"/>
+                      </dgm:constrLst>
+                    </dgm:if>
+                    <dgm:else name="Name121">
+                      <dgm:constrLst>
+                        <dgm:constr type="lMarg"/>
+                        <dgm:constr type="tMarg"/>
+                        <dgm:constr type="bMarg"/>
+                      </dgm:constrLst>
+                    </dgm:else>
+                  </dgm:choose>
+                  <dgm:ruleLst>
+                    <dgm:rule type="primFontSz" val="5" fact="NaN" max="NaN"/>
+                  </dgm:ruleLst>
+                </dgm:layoutNode>
+              </dgm:forEach>
+              <dgm:forEach name="Name122" axis="ch" ptType="node" st="4" cnt="1">
+                <dgm:layoutNode name="bullet4d" styleLbl="node1">
+                  <dgm:alg type="sp"/>
+                  <dgm:shape xmlns:r="http://schemas.openxmlformats.org/officeDocument/2006/relationships" type="ellipse" r:blip="">
+                    <dgm:adjLst/>
+                  </dgm:shape>
+                  <dgm:presOf/>
+                  <dgm:constrLst/>
+                  <dgm:ruleLst/>
+                </dgm:layoutNode>
+                <dgm:layoutNode name="textBox4d" styleLbl="revTx">
+                  <dgm:varLst>
+                    <dgm:bulletEnabled val="1"/>
+                  </dgm:varLst>
+                  <dgm:choose name="Name123">
+                    <dgm:if name="Name124" func="var" arg="dir" op="equ" val="norm">
+                      <dgm:choose name="Name125">
+                        <dgm:if name="Name126" axis="root des" ptType="all node" func="maxDepth" op="gt" val="1">
+                          <dgm:alg type="tx">
+                            <dgm:param type="txAnchorVert" val="t"/>
+                            <dgm:param type="parTxLTRAlign" val="l"/>
+                            <dgm:param type="parTxRTLAlign" val="r"/>
+                          </dgm:alg>
+                        </dgm:if>
+                        <dgm:else name="Name127">
+                          <dgm:alg type="tx">
+                            <dgm:param type="txAnchorVert" val="t"/>
+                            <dgm:param type="parTxLTRAlign" val="l"/>
+                            <dgm:param type="parTxRTLAlign" val="l"/>
+                          </dgm:alg>
+                        </dgm:else>
+                      </dgm:choose>
+                    </dgm:if>
+                    <dgm:else name="Name128">
+                      <dgm:choose name="Name129">
+                        <dgm:if name="Name130" axis="root des" ptType="all node" func="maxDepth" op="gt" val="1">
+                          <dgm:alg type="tx">
+                            <dgm:param type="txAnchorVert" val="b"/>
+                            <dgm:param type="txAnchorVertCh" val="b"/>
+                            <dgm:param type="parTxLTRAlign" val="l"/>
+                            <dgm:param type="parTxRTLAlign" val="r"/>
+                          </dgm:alg>
+                        </dgm:if>
+                        <dgm:else name="Name131">
+                          <dgm:alg type="tx">
+                            <dgm:param type="txAnchorVert" val="b"/>
+                            <dgm:param type="parTxLTRAlign" val="r"/>
+                            <dgm:param type="parTxRTLAlign" val="r"/>
+                          </dgm:alg>
+                        </dgm:else>
+                      </dgm:choose>
+                    </dgm:else>
+                  </dgm:choose>
+                  <dgm:shape xmlns:r="http://schemas.openxmlformats.org/officeDocument/2006/relationships" type="rect" r:blip="">
+                    <dgm:adjLst/>
+                  </dgm:shape>
+                  <dgm:presOf axis="desOrSelf" ptType="node"/>
+                  <dgm:choose name="Name132">
+                    <dgm:if name="Name133" func="var" arg="dir" op="equ" val="norm">
+                      <dgm:constrLst>
+                        <dgm:constr type="rMarg"/>
+                        <dgm:constr type="tMarg"/>
+                        <dgm:constr type="bMarg"/>
+                      </dgm:constrLst>
+                    </dgm:if>
+                    <dgm:else name="Name134">
+                      <dgm:constrLst>
+                        <dgm:constr type="lMarg"/>
+                        <dgm:constr type="tMarg"/>
+                        <dgm:constr type="bMarg"/>
+                      </dgm:constrLst>
+                    </dgm:else>
+                  </dgm:choose>
+                  <dgm:ruleLst>
+                    <dgm:rule type="primFontSz" val="5" fact="NaN" max="NaN"/>
+                  </dgm:ruleLst>
+                </dgm:layoutNode>
+              </dgm:forEach>
+            </dgm:layoutNode>
+          </dgm:if>
+          <dgm:else name="Name135">
+            <dgm:layoutNode name="arrowDiagram5">
+              <dgm:alg type="composite">
+                <dgm:param type="vertAlign" val="none"/>
+                <dgm:param type="horzAlign" val="none"/>
+              </dgm:alg>
+              <dgm:shape xmlns:r="http://schemas.openxmlformats.org/officeDocument/2006/relationships" r:blip="">
+                <dgm:adjLst/>
+              </dgm:shape>
+              <dgm:presOf/>
+              <dgm:choose name="Name136">
+                <dgm:if name="Name137" func="var" arg="dir" op="equ" val="norm">
+                  <dgm:constrLst>
+                    <dgm:constr type="ctrX" for="ch" forName="bullet5a" refType="w" fact="0.11"/>
+                    <dgm:constr type="ctrY" for="ch" forName="bullet5a" refType="h" fact="0.762"/>
+                    <dgm:constr type="w" for="ch" forName="bullet5a" refType="w" fact="0.023"/>
+                    <dgm:constr type="h" for="ch" forName="bullet5a" refType="w" refFor="ch" refForName="bullet5a"/>
+                    <dgm:constr type="l" for="ch" forName="textBox5a" refType="ctrX" refFor="ch" refForName="bullet5a"/>
+                    <dgm:constr type="t" for="ch" forName="textBox5a" refType="ctrY" refFor="ch" refForName="bullet5a"/>
+                    <dgm:constr type="w" for="ch" forName="textBox5a" refType="w" fact="0.131"/>
+                    <dgm:constr type="h" for="ch" forName="textBox5a" refType="h" fact="0.238"/>
+                    <dgm:constr type="userA" refType="h" refFor="ch" refForName="bullet5a" fact="0.53"/>
+                    <dgm:constr type="lMarg" for="ch" forName="textBox5a" refType="userA" fact="2.834"/>
+                    <dgm:constr type="ctrX" for="ch" forName="bullet5b" refType="w" fact="0.241"/>
+                    <dgm:constr type="ctrY" for="ch" forName="bullet5b" refType="h" fact="0.581"/>
+                    <dgm:constr type="w" for="ch" forName="bullet5b" refType="w" fact="0.036"/>
+                    <dgm:constr type="h" for="ch" forName="bullet5b" refType="w" refFor="ch" refForName="bullet5b"/>
+                    <dgm:constr type="l" for="ch" forName="textBox5b" refType="ctrX" refFor="ch" refForName="bullet5b"/>
+                    <dgm:constr type="t" for="ch" forName="textBox5b" refType="ctrY" refFor="ch" refForName="bullet5b"/>
+                    <dgm:constr type="w" for="ch" forName="textBox5b" refType="w" fact="0.166"/>
+                    <dgm:constr type="h" for="ch" forName="textBox5b" refType="h" fact="0.419"/>
+                    <dgm:constr type="userB" refType="h" refFor="ch" refForName="bullet5b" fact="0.53"/>
+                    <dgm:constr type="lMarg" for="ch" forName="textBox5b" refType="userB" fact="2.834"/>
+                    <dgm:constr type="ctrX" for="ch" forName="bullet5c" refType="w" fact="0.407"/>
+                    <dgm:constr type="ctrY" for="ch" forName="bullet5c" refType="h" fact="0.438"/>
+                    <dgm:constr type="w" for="ch" forName="bullet5c" refType="w" fact="0.048"/>
+                    <dgm:constr type="h" for="ch" forName="bullet5c" refType="w" refFor="ch" refForName="bullet5c"/>
+                    <dgm:constr type="l" for="ch" forName="textBox5c" refType="ctrX" refFor="ch" refForName="bullet5c"/>
+                    <dgm:constr type="t" for="ch" forName="textBox5c" refType="ctrY" refFor="ch" refForName="bullet5c"/>
+                    <dgm:constr type="w" for="ch" forName="textBox5c" refType="w" fact="0.193"/>
+                    <dgm:constr type="h" for="ch" forName="textBox5c" refType="h" fact="0.562"/>
+                    <dgm:constr type="userC" refType="h" refFor="ch" refForName="bullet5c" fact="0.53"/>
+                    <dgm:constr type="lMarg" for="ch" forName="textBox5c" refType="userC" fact="2.834"/>
+                    <dgm:constr type="ctrX" for="ch" forName="bullet5d" refType="w" fact="0.6"/>
+                    <dgm:constr type="ctrY" for="ch" forName="bullet5d" refType="h" fact="0.33"/>
+                    <dgm:constr type="w" for="ch" forName="bullet5d" refType="w" fact="0.062"/>
+                    <dgm:constr type="h" for="ch" forName="bullet5d" refType="w" refFor="ch" refForName="bullet5d"/>
+                    <dgm:constr type="l" for="ch" forName="textBox5d" refType="ctrX" refFor="ch" refForName="bullet5d"/>
+                    <dgm:constr type="t" for="ch" forName="textBox5d" refType="ctrY" refFor="ch" refForName="bullet5d"/>
+                    <dgm:constr type="w" for="ch" forName="textBox5d" refType="w" fact="0.2"/>
+                    <dgm:constr type="h" for="ch" forName="textBox5d" refType="h" fact="0.67"/>
+                    <dgm:constr type="userD" refType="h" refFor="ch" refForName="bullet5d" fact="0.53"/>
+                    <dgm:constr type="lMarg" for="ch" forName="textBox5d" refType="userD" fact="2.834"/>
+                    <dgm:constr type="ctrX" for="ch" forName="bullet5e" refType="w" fact="0.8"/>
+                    <dgm:constr type="ctrY" for="ch" forName="bullet5e" refType="h" fact="0.264"/>
+                    <dgm:constr type="w" for="ch" forName="bullet5e" refType="w" fact="0.079"/>
+                    <dgm:constr type="h" for="ch" forName="bullet5e" refType="w" refFor="ch" refForName="bullet5e"/>
+                    <dgm:constr type="l" for="ch" forName="textBox5e" refType="ctrX" refFor="ch" refForName="bullet5e"/>
+                    <dgm:constr type="t" for="ch" forName="textBox5e" refType="ctrY" refFor="ch" refForName="bullet5e"/>
+                    <dgm:constr type="w" for="ch" forName="textBox5e" refType="w" fact="0.2"/>
+                    <dgm:constr type="h" for="ch" forName="textBox5e" refType="h" fact="0.736"/>
+                    <dgm:constr type="userE" refType="h" refFor="ch" refForName="bullet5e" fact="0.53"/>
+                    <dgm:constr type="lMarg" for="ch" forName="textBox5e" refType="userE" fact="2.834"/>
+                    <dgm:constr type="primFontSz" for="ch" ptType="node" op="equ" val="65"/>
+                  </dgm:constrLst>
+                </dgm:if>
+                <dgm:else name="Name138">
+                  <dgm:constrLst>
+                    <dgm:constr type="ctrX" for="ch" forName="bullet5a" refType="w" fact="0.11"/>
+                    <dgm:constr type="ctrY" for="ch" forName="bullet5a" refType="h" fact="0.762"/>
+                    <dgm:constr type="w" for="ch" forName="bullet5a" refType="w" fact="0.023"/>
+                    <dgm:constr type="h" for="ch" forName="bullet5a" refType="w" refFor="ch" refForName="bullet5a"/>
+                    <dgm:constr type="r" for="ch" forName="textBox5a" refType="ctrX" refFor="ch" refForName="bullet5a"/>
+                    <dgm:constr type="b" for="ch" forName="textBox5a" refType="ctrY" refFor="ch" refForName="bullet5a"/>
+                    <dgm:constr type="w" for="ch" forName="textBox5a" refType="w" fact="0.11"/>
+                    <dgm:constr type="h" for="ch" forName="textBox5a" refType="h" fact="0.762"/>
+                    <dgm:constr type="userA" refType="h" refFor="ch" refForName="bullet5a" fact="0.53"/>
+                    <dgm:constr type="rMarg" for="ch" forName="textBox5a" refType="userA" fact="2.834"/>
+                    <dgm:constr type="ctrX" for="ch" forName="bullet5b" refType="w" fact="0.241"/>
+                    <dgm:constr type="ctrY" for="ch" forName="bullet5b" refType="h" fact="0.581"/>
+                    <dgm:constr type="w" for="ch" forName="bullet5b" refType="w" fact="0.036"/>
+                    <dgm:constr type="h" for="ch" forName="bullet5b" refType="w" refFor="ch" refForName="bullet5b"/>
+                    <dgm:constr type="r" for="ch" forName="textBox5b" refType="ctrX" refFor="ch" refForName="bullet5b"/>
+                    <dgm:constr type="b" for="ch" forName="textBox5b" refType="ctrY" refFor="ch" refForName="bullet5b"/>
+                    <dgm:constr type="w" for="ch" forName="textBox5b" refType="w" fact="0.131"/>
+                    <dgm:constr type="h" for="ch" forName="textBox5b" refType="h" fact="0.581"/>
+                    <dgm:constr type="userB" refType="h" refFor="ch" refForName="bullet5b" fact="0.53"/>
+                    <dgm:constr type="rMarg" for="ch" forName="textBox5b" refType="userB" fact="2.834"/>
+                    <dgm:constr type="ctrX" for="ch" forName="bullet5c" refType="w" fact="0.407"/>
+                    <dgm:constr type="ctrY" for="ch" forName="bullet5c" refType="h" fact="0.438"/>
+                    <dgm:constr type="w" for="ch" forName="bullet5c" refType="w" fact="0.048"/>
+                    <dgm:constr type="h" for="ch" forName="bullet5c" refType="w" refFor="ch" refForName="bullet5c"/>
+                    <dgm:constr type="r" for="ch" forName="textBox5c" refType="ctrX" refFor="ch" refForName="bullet5c"/>
+                    <dgm:constr type="b" for="ch" forName="textBox5c" refType="ctrY" refFor="ch" refForName="bullet5c"/>
+                    <dgm:constr type="w" for="ch" forName="textBox5c" refType="w" fact="0.166"/>
+                    <dgm:constr type="h" for="ch" forName="textBox5c" refType="h" fact="0.438"/>
+                    <dgm:constr type="userC" refType="h" refFor="ch" refForName="bullet5c" fact="0.53"/>
+                    <dgm:constr type="rMarg" for="ch" forName="textBox5c" refType="userC" fact="2.834"/>
+                    <dgm:constr type="ctrX" for="ch" forName="bullet5d" refType="w" fact="0.6"/>
+                    <dgm:constr type="ctrY" for="ch" forName="bullet5d" refType="h" fact="0.33"/>
+                    <dgm:constr type="w" for="ch" forName="bullet5d" refType="w" fact="0.062"/>
+                    <dgm:constr type="h" for="ch" forName="bullet5d" refType="w" refFor="ch" refForName="bullet5d"/>
+                    <dgm:constr type="r" for="ch" forName="textBox5d" refType="ctrX" refFor="ch" refForName="bullet5d"/>
+                    <dgm:constr type="b" for="ch" forName="textBox5d" refType="ctrY" refFor="ch" refForName="bullet5d"/>
+                    <dgm:constr type="w" for="ch" forName="textBox5d" refType="w" fact="0.193"/>
+                    <dgm:constr type="h" for="ch" forName="textBox5d" refType="h" fact="0.33"/>
+                    <dgm:constr type="userD" refType="h" refFor="ch" refForName="bullet5d" fact="0.53"/>
+                    <dgm:constr type="rMarg" for="ch" forName="textBox5d" refType="userD" fact="2.834"/>
+                    <dgm:constr type="ctrX" for="ch" forName="bullet5e" refType="w" fact="0.8"/>
+                    <dgm:constr type="ctrY" for="ch" forName="bullet5e" refType="h" fact="0.264"/>
+                    <dgm:constr type="w" for="ch" forName="bullet5e" refType="w" fact="0.079"/>
+                    <dgm:constr type="h" for="ch" forName="bullet5e" refType="w" refFor="ch" refForName="bullet5e"/>
+                    <dgm:constr type="r" for="ch" forName="textBox5e" refType="ctrX" refFor="ch" refForName="bullet5e"/>
+                    <dgm:constr type="b" for="ch" forName="textBox5e" refType="ctrY" refFor="ch" refForName="bullet5e"/>
+                    <dgm:constr type="w" for="ch" forName="textBox5e" refType="w" fact="0.2"/>
+                    <dgm:constr type="h" for="ch" forName="textBox5e" refType="h" fact="0.264"/>
+                    <dgm:constr type="userE" refType="h" refFor="ch" refForName="bullet5e" fact="0.53"/>
+                    <dgm:constr type="rMarg" for="ch" forName="textBox5e" refType="userE" fact="2.834"/>
+                    <dgm:constr type="primFontSz" for="ch" ptType="node" op="equ" val="65"/>
+                  </dgm:constrLst>
+                </dgm:else>
+              </dgm:choose>
+              <dgm:ruleLst/>
+              <dgm:forEach name="Name139" axis="ch" ptType="node" cnt="1">
+                <dgm:layoutNode name="bullet5a" styleLbl="node1">
+                  <dgm:alg type="sp"/>
+                  <dgm:shape xmlns:r="http://schemas.openxmlformats.org/officeDocument/2006/relationships" type="ellipse" r:blip="">
+                    <dgm:adjLst/>
+                  </dgm:shape>
+                  <dgm:presOf/>
+                  <dgm:constrLst/>
+                  <dgm:ruleLst/>
+                </dgm:layoutNode>
+                <dgm:layoutNode name="textBox5a" styleLbl="revTx">
+                  <dgm:varLst>
+                    <dgm:bulletEnabled val="1"/>
+                  </dgm:varLst>
+                  <dgm:choose name="Name140">
+                    <dgm:if name="Name141" func="var" arg="dir" op="equ" val="norm">
+                      <dgm:choose name="Name142">
+                        <dgm:if name="Name143" axis="root des" ptType="all node" func="maxDepth" op="gt" val="1">
+                          <dgm:alg type="tx">
+                            <dgm:param type="txAnchorVert" val="t"/>
+                            <dgm:param type="parTxLTRAlign" val="l"/>
+                            <dgm:param type="parTxRTLAlign" val="r"/>
+                          </dgm:alg>
+                        </dgm:if>
+                        <dgm:else name="Name144">
+                          <dgm:alg type="tx">
+                            <dgm:param type="txAnchorVert" val="t"/>
+                            <dgm:param type="parTxLTRAlign" val="l"/>
+                            <dgm:param type="parTxRTLAlign" val="l"/>
+                          </dgm:alg>
+                        </dgm:else>
+                      </dgm:choose>
+                    </dgm:if>
+                    <dgm:else name="Name145">
+                      <dgm:choose name="Name146">
+                        <dgm:if name="Name147" axis="root des" ptType="all node" func="maxDepth" op="gt" val="1">
+                          <dgm:alg type="tx">
+                            <dgm:param type="txAnchorVert" val="b"/>
+                            <dgm:param type="txAnchorVertCh" val="b"/>
+                            <dgm:param type="parTxLTRAlign" val="l"/>
+                            <dgm:param type="parTxRTLAlign" val="r"/>
+                          </dgm:alg>
+                        </dgm:if>
+                        <dgm:else name="Name148">
+                          <dgm:alg type="tx">
+                            <dgm:param type="txAnchorVert" val="b"/>
+                            <dgm:param type="parTxLTRAlign" val="r"/>
+                            <dgm:param type="parTxRTLAlign" val="r"/>
+                          </dgm:alg>
+                        </dgm:else>
+                      </dgm:choose>
+                    </dgm:else>
+                  </dgm:choose>
+                  <dgm:shape xmlns:r="http://schemas.openxmlformats.org/officeDocument/2006/relationships" type="rect" r:blip="">
+                    <dgm:adjLst/>
+                  </dgm:shape>
+                  <dgm:presOf axis="desOrSelf" ptType="node"/>
+                  <dgm:choose name="Name149">
+                    <dgm:if name="Name150" func="var" arg="dir" op="equ" val="norm">
+                      <dgm:constrLst>
+                        <dgm:constr type="rMarg"/>
+                        <dgm:constr type="tMarg"/>
+                        <dgm:constr type="bMarg"/>
+                      </dgm:constrLst>
+                    </dgm:if>
+                    <dgm:else name="Name151">
+                      <dgm:constrLst>
+                        <dgm:constr type="lMarg"/>
+                        <dgm:constr type="tMarg"/>
+                        <dgm:constr type="bMarg"/>
+                      </dgm:constrLst>
+                    </dgm:else>
+                  </dgm:choose>
+                  <dgm:ruleLst>
+                    <dgm:rule type="primFontSz" val="5" fact="NaN" max="NaN"/>
+                  </dgm:ruleLst>
+                </dgm:layoutNode>
+              </dgm:forEach>
+              <dgm:forEach name="Name152" axis="ch" ptType="node" st="2" cnt="1">
+                <dgm:layoutNode name="bullet5b" styleLbl="node1">
+                  <dgm:alg type="sp"/>
+                  <dgm:shape xmlns:r="http://schemas.openxmlformats.org/officeDocument/2006/relationships" type="ellipse" r:blip="">
+                    <dgm:adjLst/>
+                  </dgm:shape>
+                  <dgm:presOf/>
+                  <dgm:constrLst/>
+                  <dgm:ruleLst/>
+                </dgm:layoutNode>
+                <dgm:layoutNode name="textBox5b" styleLbl="revTx">
+                  <dgm:varLst>
+                    <dgm:bulletEnabled val="1"/>
+                  </dgm:varLst>
+                  <dgm:choose name="Name153">
+                    <dgm:if name="Name154" func="var" arg="dir" op="equ" val="norm">
+                      <dgm:choose name="Name155">
+                        <dgm:if name="Name156" axis="root des" ptType="all node" func="maxDepth" op="gt" val="1">
+                          <dgm:alg type="tx">
+                            <dgm:param type="txAnchorVert" val="t"/>
+                            <dgm:param type="parTxLTRAlign" val="l"/>
+                            <dgm:param type="parTxRTLAlign" val="r"/>
+                          </dgm:alg>
+                        </dgm:if>
+                        <dgm:else name="Name157">
+                          <dgm:alg type="tx">
+                            <dgm:param type="txAnchorVert" val="t"/>
+                            <dgm:param type="parTxLTRAlign" val="l"/>
+                            <dgm:param type="parTxRTLAlign" val="l"/>
+                          </dgm:alg>
+                        </dgm:else>
+                      </dgm:choose>
+                    </dgm:if>
+                    <dgm:else name="Name158">
+                      <dgm:choose name="Name159">
+                        <dgm:if name="Name160" axis="root des" ptType="all node" func="maxDepth" op="gt" val="1">
+                          <dgm:alg type="tx">
+                            <dgm:param type="txAnchorVert" val="b"/>
+                            <dgm:param type="txAnchorVertCh" val="b"/>
+                            <dgm:param type="parTxLTRAlign" val="l"/>
+                            <dgm:param type="parTxRTLAlign" val="r"/>
+                          </dgm:alg>
+                        </dgm:if>
+                        <dgm:else name="Name161">
+                          <dgm:alg type="tx">
+                            <dgm:param type="txAnchorVert" val="b"/>
+                            <dgm:param type="parTxLTRAlign" val="r"/>
+                            <dgm:param type="parTxRTLAlign" val="r"/>
+                          </dgm:alg>
+                        </dgm:else>
+                      </dgm:choose>
+                    </dgm:else>
+                  </dgm:choose>
+                  <dgm:shape xmlns:r="http://schemas.openxmlformats.org/officeDocument/2006/relationships" type="rect" r:blip="">
+                    <dgm:adjLst/>
+                  </dgm:shape>
+                  <dgm:presOf axis="desOrSelf" ptType="node"/>
+                  <dgm:choose name="Name162">
+                    <dgm:if name="Name163" func="var" arg="dir" op="equ" val="norm">
+                      <dgm:constrLst>
+                        <dgm:constr type="rMarg"/>
+                        <dgm:constr type="tMarg"/>
+                        <dgm:constr type="bMarg"/>
+                      </dgm:constrLst>
+                    </dgm:if>
+                    <dgm:else name="Name164">
+                      <dgm:constrLst>
+                        <dgm:constr type="lMarg"/>
+                        <dgm:constr type="tMarg"/>
+                        <dgm:constr type="bMarg"/>
+                      </dgm:constrLst>
+                    </dgm:else>
+                  </dgm:choose>
+                  <dgm:ruleLst>
+                    <dgm:rule type="primFontSz" val="5" fact="NaN" max="NaN"/>
+                  </dgm:ruleLst>
+                </dgm:layoutNode>
+              </dgm:forEach>
+              <dgm:forEach name="Name165" axis="ch" ptType="node" st="3" cnt="1">
+                <dgm:layoutNode name="bullet5c" styleLbl="node1">
+                  <dgm:alg type="sp"/>
+                  <dgm:shape xmlns:r="http://schemas.openxmlformats.org/officeDocument/2006/relationships" type="ellipse" r:blip="">
+                    <dgm:adjLst/>
+                  </dgm:shape>
+                  <dgm:presOf/>
+                  <dgm:constrLst/>
+                  <dgm:ruleLst/>
+                </dgm:layoutNode>
+                <dgm:layoutNode name="textBox5c" styleLbl="revTx">
+                  <dgm:varLst>
+                    <dgm:bulletEnabled val="1"/>
+                  </dgm:varLst>
+                  <dgm:choose name="Name166">
+                    <dgm:if name="Name167" func="var" arg="dir" op="equ" val="norm">
+                      <dgm:choose name="Name168">
+                        <dgm:if name="Name169" axis="root des" ptType="all node" func="maxDepth" op="gt" val="1">
+                          <dgm:alg type="tx">
+                            <dgm:param type="txAnchorVert" val="t"/>
+                            <dgm:param type="parTxLTRAlign" val="l"/>
+                            <dgm:param type="parTxRTLAlign" val="r"/>
+                          </dgm:alg>
+                        </dgm:if>
+                        <dgm:else name="Name170">
+                          <dgm:alg type="tx">
+                            <dgm:param type="txAnchorVert" val="t"/>
+                            <dgm:param type="parTxLTRAlign" val="l"/>
+                            <dgm:param type="parTxRTLAlign" val="l"/>
+                          </dgm:alg>
+                        </dgm:else>
+                      </dgm:choose>
+                    </dgm:if>
+                    <dgm:else name="Name171">
+                      <dgm:choose name="Name172">
+                        <dgm:if name="Name173" axis="root des" ptType="all node" func="maxDepth" op="gt" val="1">
+                          <dgm:alg type="tx">
+                            <dgm:param type="txAnchorVert" val="b"/>
+                            <dgm:param type="txAnchorVertCh" val="b"/>
+                            <dgm:param type="parTxLTRAlign" val="l"/>
+                            <dgm:param type="parTxRTLAlign" val="r"/>
+                          </dgm:alg>
+                        </dgm:if>
+                        <dgm:else name="Name174">
+                          <dgm:alg type="tx">
+                            <dgm:param type="txAnchorVert" val="b"/>
+                            <dgm:param type="parTxLTRAlign" val="r"/>
+                            <dgm:param type="parTxRTLAlign" val="r"/>
+                          </dgm:alg>
+                        </dgm:else>
+                      </dgm:choose>
+                    </dgm:else>
+                  </dgm:choose>
+                  <dgm:shape xmlns:r="http://schemas.openxmlformats.org/officeDocument/2006/relationships" type="rect" r:blip="">
+                    <dgm:adjLst/>
+                  </dgm:shape>
+                  <dgm:presOf axis="desOrSelf" ptType="node"/>
+                  <dgm:choose name="Name175">
+                    <dgm:if name="Name176" func="var" arg="dir" op="equ" val="norm">
+                      <dgm:constrLst>
+                        <dgm:constr type="rMarg"/>
+                        <dgm:constr type="tMarg"/>
+                        <dgm:constr type="bMarg"/>
+                      </dgm:constrLst>
+                    </dgm:if>
+                    <dgm:else name="Name177">
+                      <dgm:constrLst>
+                        <dgm:constr type="lMarg"/>
+                        <dgm:constr type="tMarg"/>
+                        <dgm:constr type="bMarg"/>
+                      </dgm:constrLst>
+                    </dgm:else>
+                  </dgm:choose>
+                  <dgm:ruleLst>
+                    <dgm:rule type="primFontSz" val="5" fact="NaN" max="NaN"/>
+                  </dgm:ruleLst>
+                </dgm:layoutNode>
+              </dgm:forEach>
+              <dgm:forEach name="Name178" axis="ch" ptType="node" st="4" cnt="1">
+                <dgm:layoutNode name="bullet5d" styleLbl="node1">
+                  <dgm:alg type="sp"/>
+                  <dgm:shape xmlns:r="http://schemas.openxmlformats.org/officeDocument/2006/relationships" type="ellipse" r:blip="">
+                    <dgm:adjLst/>
+                  </dgm:shape>
+                  <dgm:presOf/>
+                  <dgm:constrLst/>
+                  <dgm:ruleLst/>
+                </dgm:layoutNode>
+                <dgm:layoutNode name="textBox5d" styleLbl="revTx">
+                  <dgm:varLst>
+                    <dgm:bulletEnabled val="1"/>
+                  </dgm:varLst>
+                  <dgm:choose name="Name179">
+                    <dgm:if name="Name180" func="var" arg="dir" op="equ" val="norm">
+                      <dgm:choose name="Name181">
+                        <dgm:if name="Name182" axis="root des" ptType="all node" func="maxDepth" op="gt" val="1">
+                          <dgm:alg type="tx">
+                            <dgm:param type="txAnchorVert" val="t"/>
+                            <dgm:param type="parTxLTRAlign" val="l"/>
+                            <dgm:param type="parTxRTLAlign" val="r"/>
+                          </dgm:alg>
+                        </dgm:if>
+                        <dgm:else name="Name183">
+                          <dgm:alg type="tx">
+                            <dgm:param type="txAnchorVert" val="t"/>
+                            <dgm:param type="parTxLTRAlign" val="l"/>
+                            <dgm:param type="parTxRTLAlign" val="l"/>
+                          </dgm:alg>
+                        </dgm:else>
+                      </dgm:choose>
+                    </dgm:if>
+                    <dgm:else name="Name184">
+                      <dgm:choose name="Name185">
+                        <dgm:if name="Name186" axis="root des" ptType="all node" func="maxDepth" op="gt" val="1">
+                          <dgm:alg type="tx">
+                            <dgm:param type="txAnchorVert" val="b"/>
+                            <dgm:param type="txAnchorVertCh" val="b"/>
+                            <dgm:param type="parTxLTRAlign" val="l"/>
+                            <dgm:param type="parTxRTLAlign" val="r"/>
+                          </dgm:alg>
+                        </dgm:if>
+                        <dgm:else name="Name187">
+                          <dgm:alg type="tx">
+                            <dgm:param type="txAnchorVert" val="b"/>
+                            <dgm:param type="parTxLTRAlign" val="r"/>
+                            <dgm:param type="parTxRTLAlign" val="r"/>
+                          </dgm:alg>
+                        </dgm:else>
+                      </dgm:choose>
+                    </dgm:else>
+                  </dgm:choose>
+                  <dgm:shape xmlns:r="http://schemas.openxmlformats.org/officeDocument/2006/relationships" type="rect" r:blip="">
+                    <dgm:adjLst/>
+                  </dgm:shape>
+                  <dgm:presOf axis="desOrSelf" ptType="node"/>
+                  <dgm:choose name="Name188">
+                    <dgm:if name="Name189" func="var" arg="dir" op="equ" val="norm">
+                      <dgm:constrLst>
+                        <dgm:constr type="rMarg"/>
+                        <dgm:constr type="tMarg"/>
+                        <dgm:constr type="bMarg"/>
+                      </dgm:constrLst>
+                    </dgm:if>
+                    <dgm:else name="Name190">
+                      <dgm:constrLst>
+                        <dgm:constr type="lMarg"/>
+                        <dgm:constr type="tMarg"/>
+                        <dgm:constr type="bMarg"/>
+                      </dgm:constrLst>
+                    </dgm:else>
+                  </dgm:choose>
+                  <dgm:ruleLst>
+                    <dgm:rule type="primFontSz" val="5" fact="NaN" max="NaN"/>
+                  </dgm:ruleLst>
+                </dgm:layoutNode>
+              </dgm:forEach>
+              <dgm:forEach name="Name191" axis="ch" ptType="node" st="5" cnt="1">
+                <dgm:layoutNode name="bullet5e" styleLbl="node1">
+                  <dgm:alg type="sp"/>
+                  <dgm:shape xmlns:r="http://schemas.openxmlformats.org/officeDocument/2006/relationships" type="ellipse" r:blip="">
+                    <dgm:adjLst/>
+                  </dgm:shape>
+                  <dgm:presOf/>
+                  <dgm:constrLst/>
+                  <dgm:ruleLst/>
+                </dgm:layoutNode>
+                <dgm:layoutNode name="textBox5e" styleLbl="revTx">
+                  <dgm:varLst>
+                    <dgm:bulletEnabled val="1"/>
+                  </dgm:varLst>
+                  <dgm:choose name="Name192">
+                    <dgm:if name="Name193" func="var" arg="dir" op="equ" val="norm">
+                      <dgm:choose name="Name194">
+                        <dgm:if name="Name195" axis="root des" ptType="all node" func="maxDepth" op="gt" val="1">
+                          <dgm:alg type="tx">
+                            <dgm:param type="txAnchorVert" val="t"/>
+                            <dgm:param type="parTxLTRAlign" val="l"/>
+                            <dgm:param type="parTxRTLAlign" val="r"/>
+                          </dgm:alg>
+                        </dgm:if>
+                        <dgm:else name="Name196">
+                          <dgm:alg type="tx">
+                            <dgm:param type="txAnchorVert" val="t"/>
+                            <dgm:param type="parTxLTRAlign" val="l"/>
+                            <dgm:param type="parTxRTLAlign" val="l"/>
+                          </dgm:alg>
+                        </dgm:else>
+                      </dgm:choose>
+                    </dgm:if>
+                    <dgm:else name="Name197">
+                      <dgm:choose name="Name198">
+                        <dgm:if name="Name199" axis="root des" ptType="all node" func="maxDepth" op="gt" val="1">
+                          <dgm:alg type="tx">
+                            <dgm:param type="txAnchorVert" val="b"/>
+                            <dgm:param type="txAnchorVertCh" val="b"/>
+                            <dgm:param type="parTxLTRAlign" val="l"/>
+                            <dgm:param type="parTxRTLAlign" val="r"/>
+                          </dgm:alg>
+                        </dgm:if>
+                        <dgm:else name="Name200">
+                          <dgm:alg type="tx">
+                            <dgm:param type="txAnchorVert" val="b"/>
+                            <dgm:param type="parTxLTRAlign" val="r"/>
+                            <dgm:param type="parTxRTLAlign" val="r"/>
+                          </dgm:alg>
+                        </dgm:else>
+                      </dgm:choose>
+                    </dgm:else>
+                  </dgm:choose>
+                  <dgm:shape xmlns:r="http://schemas.openxmlformats.org/officeDocument/2006/relationships" type="rect" r:blip="">
+                    <dgm:adjLst/>
+                  </dgm:shape>
+                  <dgm:presOf axis="desOrSelf" ptType="node"/>
+                  <dgm:choose name="Name201">
+                    <dgm:if name="Name202" func="var" arg="dir" op="equ" val="norm">
+                      <dgm:constrLst>
+                        <dgm:constr type="rMarg"/>
+                        <dgm:constr type="tMarg"/>
+                        <dgm:constr type="bMarg"/>
+                      </dgm:constrLst>
+                    </dgm:if>
+                    <dgm:else name="Name203">
+                      <dgm:constrLst>
+                        <dgm:constr type="lMarg"/>
+                        <dgm:constr type="tMarg"/>
+                        <dgm:constr type="bMarg"/>
+                      </dgm:constrLst>
+                    </dgm:else>
+                  </dgm:choose>
+                  <dgm:ruleLst>
+                    <dgm:rule type="primFontSz" val="5" fact="NaN" max="NaN"/>
+                  </dgm:ruleLst>
+                </dgm:layoutNode>
+              </dgm:forEach>
+            </dgm:layoutNode>
+          </dgm:else>
+        </dgm:choose>
+      </dgm:if>
+      <dgm:else name="Name204"/>
+    </dgm:choose>
+  </dgm:layoutNode>
+</dgm:layoutDef>
+</file>
+
+<file path=ppt/diagrams/quickStyle1.xml><?xml version="1.0" encoding="utf-8"?>
+<dgm:styleDef xmlns:dgm="http://schemas.openxmlformats.org/drawingml/2006/diagram" xmlns:a="http://schemas.openxmlformats.org/drawingml/2006/main" uniqueId="urn:microsoft.com/office/officeart/2005/8/quickstyle/simple2">
+  <dgm:title val=""/>
+  <dgm:desc val=""/>
+  <dgm:catLst>
+    <dgm:cat type="simple" pri="10200"/>
+  </dgm:catLst>
+  <dgm:scene3d>
+    <a:camera prst="orthographicFront"/>
+    <a:lightRig rig="threePt" dir="t"/>
+  </dgm:scene3d>
+  <dgm:styleLbl name="node0">
+    <dgm:scene3d>
+      <a:camera prst="orthographicFront"/>
+      <a:lightRig rig="threePt" dir="t"/>
+    </dgm:scene3d>
+    <dgm:sp3d/>
+    <dgm:txPr/>
+    <dgm:style>
+      <a:lnRef idx="3">
+        <a:scrgbClr r="0" g="0" b="0"/>
+      </a:lnRef>
+      <a:fillRef idx="1">
+        <a:scrgbClr r="0" g="0" b="0"/>
+      </a:fillRef>
+      <a:effectRef idx="1">
+        <a:scrgbClr r="0" g="0" b="0"/>
+      </a:effectRef>
+      <a:fontRef idx="minor">
+        <a:schemeClr val="lt1"/>
+      </a:fontRef>
+    </dgm:style>
+  </dgm:styleLbl>
+  <dgm:styleLbl name="lnNode1">
+    <dgm:scene3d>
+      <a:camera prst="orthographicFront"/>
+      <a:lightRig rig="threePt" dir="t"/>
+    </dgm:scene3d>
+    <dgm:sp3d/>
+    <dgm:txPr/>
+    <dgm:style>
+      <a:lnRef idx="3">
+        <a:scrgbClr r="0" g="0" b="0"/>
+      </a:lnRef>
+      <a:fillRef idx="1">
+        <a:scrgbClr r="0" g="0" b="0"/>
+      </a:fillRef>
+      <a:effectRef idx="1">
+        <a:scrgbClr r="0" g="0" b="0"/>
+      </a:effectRef>
+      <a:fontRef idx="minor">
+        <a:schemeClr val="lt1"/>
+      </a:fontRef>
+    </dgm:style>
+  </dgm:styleLbl>
+  <dgm:styleLbl name="vennNode1">
+    <dgm:scene3d>
+      <a:camera prst="orthographicFront"/>
+      <a:lightRig rig="threePt" dir="t"/>
+    </dgm:scene3d>
+    <dgm:sp3d/>
+    <dgm:txPr/>
+    <dgm:style>
+      <a:lnRef idx="3">
+        <a:scrgbClr r="0" g="0" b="0"/>
+      </a:lnRef>
+      <a:fillRef idx="1">
+        <a:scrgbClr r="0" g="0" b="0"/>
+      </a:fillRef>
+      <a:effectRef idx="0">
+        <a:scrgbClr r="0" g="0" b="0"/>
+      </a:effectRef>
+      <a:fontRef idx="minor">
+        <a:schemeClr val="tx1"/>
+      </a:fontRef>
+    </dgm:style>
+  </dgm:styleLbl>
+  <dgm:styleLbl name="alignNode1">
+    <dgm:scene3d>
+      <a:camera prst="orthographicFront"/>
+      <a:lightRig rig="threePt" dir="t"/>
+    </dgm:scene3d>
+    <dgm:sp3d/>
+    <dgm:txPr/>
+    <dgm:style>
+      <a:lnRef idx="2">
+        <a:scrgbClr r="0" g="0" b="0"/>
+      </a:lnRef>
+      <a:fillRef idx="1">
+        <a:scrgbClr r="0" g="0" b="0"/>
+      </a:fillRef>
+      <a:effectRef idx="1">
+        <a:scrgbClr r="0" g="0" b="0"/>
+      </a:effectRef>
+      <a:fontRef idx="minor">
+        <a:schemeClr val="lt1"/>
+      </a:fontRef>
+    </dgm:style>
+  </dgm:styleLbl>
+  <dgm:styleLbl name="node1">
+    <dgm:scene3d>
+      <a:camera prst="orthographicFront"/>
+      <a:lightRig rig="threePt" dir="t"/>
+    </dgm:scene3d>
+    <dgm:sp3d/>
+    <dgm:txPr/>
+    <dgm:style>
+      <a:lnRef idx="3">
+        <a:scrgbClr r="0" g="0" b="0"/>
+      </a:lnRef>
+      <a:fillRef idx="1">
+        <a:scrgbClr r="0" g="0" b="0"/>
+      </a:fillRef>
+      <a:effectRef idx="1">
+        <a:scrgbClr r="0" g="0" b="0"/>
+      </a:effectRef>
+      <a:fontRef idx="minor">
+        <a:schemeClr val="lt1"/>
+      </a:fontRef>
+    </dgm:style>
+  </dgm:styleLbl>
+  <dgm:styleLbl name="node2">
+    <dgm:scene3d>
+      <a:camera prst="orthographicFront"/>
+      <a:lightRig rig="threePt" dir="t"/>
+    </dgm:scene3d>
+    <dgm:sp3d/>
+    <dgm:txPr/>
+    <dgm:style>
+      <a:lnRef idx="3">
+        <a:scrgbClr r="0" g="0" b="0"/>
+      </a:lnRef>
+      <a:fillRef idx="1">
+        <a:scrgbClr r="0" g="0" b="0"/>
+      </a:fillRef>
+      <a:effectRef idx="1">
+        <a:scrgbClr r="0" g="0" b="0"/>
+      </a:effectRef>
+      <a:fontRef idx="minor">
+        <a:schemeClr val="lt1"/>
+      </a:fontRef>
+    </dgm:style>
+  </dgm:styleLbl>
+  <dgm:styleLbl name="node3">
+    <dgm:scene3d>
+      <a:camera prst="orthographicFront"/>
+      <a:lightRig rig="threePt" dir="t"/>
+    </dgm:scene3d>
+    <dgm:sp3d/>
+    <dgm:txPr/>
+    <dgm:style>
+      <a:lnRef idx="3">
+        <a:scrgbClr r="0" g="0" b="0"/>
+      </a:lnRef>
+      <a:fillRef idx="1">
+        <a:scrgbClr r="0" g="0" b="0"/>
+      </a:fillRef>
+      <a:effectRef idx="1">
+        <a:scrgbClr r="0" g="0" b="0"/>
+      </a:effectRef>
+      <a:fontRef idx="minor">
+        <a:schemeClr val="lt1"/>
+      </a:fontRef>
+    </dgm:style>
+  </dgm:styleLbl>
+  <dgm:styleLbl name="node4">
+    <dgm:scene3d>
+      <a:camera prst="orthographicFront"/>
+      <a:lightRig rig="threePt" dir="t"/>
+    </dgm:scene3d>
+    <dgm:sp3d/>
+    <dgm:txPr/>
+    <dgm:style>
+      <a:lnRef idx="3">
+        <a:scrgbClr r="0" g="0" b="0"/>
+      </a:lnRef>
+      <a:fillRef idx="1">
+        <a:scrgbClr r="0" g="0" b="0"/>
+      </a:fillRef>
+      <a:effectRef idx="1">
+        <a:scrgbClr r="0" g="0" b="0"/>
+      </a:effectRef>
+      <a:fontRef idx="minor">
+        <a:schemeClr val="lt1"/>
+      </a:fontRef>
+    </dgm:style>
+  </dgm:styleLbl>
+  <dgm:styleLbl name="fgImgPlace1">
+    <dgm:scene3d>
+      <a:camera prst="orthographicFront"/>
+      <a:lightRig rig="threePt" dir="t"/>
+    </dgm:scene3d>
+    <dgm:sp3d/>
+    <dgm:txPr/>
+    <dgm:style>
+      <a:lnRef idx="3">
+        <a:scrgbClr r="0" g="0" b="0"/>
+      </a:lnRef>
+      <a:fillRef idx="1">
+        <a:scrgbClr r="0" g="0" b="0"/>
+      </a:fillRef>
+      <a:effectRef idx="1">
+        <a:scrgbClr r="0" g="0" b="0"/>
+      </a:effectRef>
+      <a:fontRef idx="minor"/>
+    </dgm:style>
+  </dgm:styleLbl>
+  <dgm:styleLbl name="alignImgPlace1">
+    <dgm:scene3d>
+      <a:camera prst="orthographicFront"/>
+      <a:lightRig rig="threePt" dir="t"/>
+    </dgm:scene3d>
+    <dgm:sp3d/>
+    <dgm:txPr/>
+    <dgm:style>
+      <a:lnRef idx="3">
+        <a:scrgbClr r="0" g="0" b="0"/>
+      </a:lnRef>
+      <a:fillRef idx="1">
+        <a:scrgbClr r="0" g="0" b="0"/>
+      </a:fillRef>
+      <a:effectRef idx="1">
+        <a:scrgbClr r="0" g="0" b="0"/>
+      </a:effectRef>
+      <a:fontRef idx="minor"/>
+    </dgm:style>
+  </dgm:styleLbl>
+  <dgm:styleLbl name="bgImgPlace1">
+    <dgm:scene3d>
+      <a:camera prst="orthographicFront"/>
+      <a:lightRig rig="threePt" dir="t"/>
+    </dgm:scene3d>
+    <dgm:sp3d/>
+    <dgm:txPr/>
+    <dgm:style>
+      <a:lnRef idx="3">
+        <a:scrgbClr r="0" g="0" b="0"/>
+      </a:lnRef>
+      <a:fillRef idx="1">
+        <a:scrgbClr r="0" g="0" b="0"/>
+      </a:fillRef>
+      <a:effectRef idx="1">
+        <a:scrgbClr r="0" g="0" b="0"/>
+      </a:effectRef>
+      <a:fontRef idx="minor"/>
+    </dgm:style>
+  </dgm:styleLbl>
+  <dgm:styleLbl name="sibTrans2D1">
+    <dgm:scene3d>
+      <a:camera prst="orthographicFront"/>
+      <a:lightRig rig="threePt" dir="t"/>
+    </dgm:scene3d>
+    <dgm:sp3d/>
+    <dgm:txPr/>
+    <dgm:style>
+      <a:lnRef idx="0">
+        <a:scrgbClr r="0" g="0" b="0"/>
+      </a:lnRef>
+      <a:fillRef idx="1">
+        <a:scrgbClr r="0" g="0" b="0"/>
+      </a:fillRef>
+      <a:effectRef idx="1">
+        <a:scrgbClr r="0" g="0" b="0"/>
+      </a:effectRef>
+      <a:fontRef idx="minor">
+        <a:schemeClr val="lt1"/>
+      </a:fontRef>
+    </dgm:style>
+  </dgm:styleLbl>
+  <dgm:styleLbl name="fgSibTrans2D1">
+    <dgm:scene3d>
+      <a:camera prst="orthographicFront"/>
+      <a:lightRig rig="threePt" dir="t"/>
+    </dgm:scene3d>
+    <dgm:sp3d/>
+    <dgm:txPr/>
+    <dgm:style>
+      <a:lnRef idx="0">
+        <a:scrgbClr r="0" g="0" b="0"/>
+      </a:lnRef>
+      <a:fillRef idx="1">
+        <a:scrgbClr r="0" g="0" b="0"/>
+      </a:fillRef>
+      <a:effectRef idx="1">
+        <a:scrgbClr r="0" g="0" b="0"/>
+      </a:effectRef>
+      <a:fontRef idx="minor">
+        <a:schemeClr val="lt1"/>
+      </a:fontRef>
+    </dgm:style>
+  </dgm:styleLbl>
+  <dgm:styleLbl name="bgSibTrans2D1">
+    <dgm:scene3d>
+      <a:camera prst="orthographicFront"/>
+      <a:lightRig rig="threePt" dir="t"/>
+    </dgm:scene3d>
+    <dgm:sp3d/>
+    <dgm:txPr/>
+    <dgm:style>
+      <a:lnRef idx="0">
+        <a:scrgbClr r="0" g="0" b="0"/>
+      </a:lnRef>
+      <a:fillRef idx="1">
+        <a:scrgbClr r="0" g="0" b="0"/>
+      </a:fillRef>
+      <a:effectRef idx="1">
+        <a:scrgbClr r="0" g="0" b="0"/>
+      </a:effectRef>
+      <a:fontRef idx="minor">
+        <a:schemeClr val="lt1"/>
+      </a:fontRef>
+    </dgm:style>
+  </dgm:styleLbl>
+  <dgm:styleLbl name="sibTrans1D1">
+    <dgm:scene3d>
+      <a:camera prst="orthographicFront"/>
+      <a:lightRig rig="threePt" dir="t"/>
+    </dgm:scene3d>
+    <dgm:sp3d/>
+    <dgm:txPr/>
+    <dgm:style>
+      <a:lnRef idx="1">
+        <a:scrgbClr r="0" g="0" b="0"/>
+      </a:lnRef>
+      <a:fillRef idx="0">
+        <a:scrgbClr r="0" g="0" b="0"/>
+      </a:fillRef>
+      <a:effectRef idx="0">
+        <a:scrgbClr r="0" g="0" b="0"/>
+      </a:effectRef>
+      <a:fontRef idx="minor"/>
+    </dgm:style>
+  </dgm:styleLbl>
+  <dgm:styleLbl name="callout">
+    <dgm:scene3d>
+      <a:camera prst="orthographicFront"/>
+      <a:lightRig rig="threePt" dir="t"/>
+    </dgm:scene3d>
+    <dgm:sp3d/>
+    <dgm:txPr/>
+    <dgm:style>
+      <a:lnRef idx="2">
+        <a:scrgbClr r="0" g="0" b="0"/>
+      </a:lnRef>
+      <a:fillRef idx="1">
+        <a:scrgbClr r="0" g="0" b="0"/>
+      </a:fillRef>
+      <a:effectRef idx="1">
+        <a:scrgbClr r="0" g="0" b="0"/>
+      </a:effectRef>
+      <a:fontRef idx="minor"/>
+    </dgm:style>
+  </dgm:styleLbl>
+  <dgm:styleLbl name="asst0">
+    <dgm:scene3d>
+      <a:camera prst="orthographicFront"/>
+      <a:lightRig rig="threePt" dir="t"/>
+    </dgm:scene3d>
+    <dgm:sp3d/>
+    <dgm:txPr/>
+    <dgm:style>
+      <a:lnRef idx="3">
+        <a:scrgbClr r="0" g="0" b="0"/>
+      </a:lnRef>
+      <a:fillRef idx="1">
+        <a:scrgbClr r="0" g="0" b="0"/>
+      </a:fillRef>
+      <a:effectRef idx="1">
+        <a:scrgbClr r="0" g="0" b="0"/>
+      </a:effectRef>
+      <a:fontRef idx="minor">
+        <a:schemeClr val="lt1"/>
+      </a:fontRef>
+    </dgm:style>
+  </dgm:styleLbl>
+  <dgm:styleLbl name="asst1">
+    <dgm:scene3d>
+      <a:camera prst="orthographicFront"/>
+      <a:lightRig rig="threePt" dir="t"/>
+    </dgm:scene3d>
+    <dgm:sp3d/>
+    <dgm:txPr/>
+    <dgm:style>
+      <a:lnRef idx="3">
+        <a:scrgbClr r="0" g="0" b="0"/>
+      </a:lnRef>
+      <a:fillRef idx="1">
+        <a:scrgbClr r="0" g="0" b="0"/>
+      </a:fillRef>
+      <a:effectRef idx="1">
+        <a:scrgbClr r="0" g="0" b="0"/>
+      </a:effectRef>
+      <a:fontRef idx="minor">
+        <a:schemeClr val="lt1"/>
+      </a:fontRef>
+    </dgm:style>
+  </dgm:styleLbl>
+  <dgm:styleLbl name="asst2">
+    <dgm:scene3d>
+      <a:camera prst="orthographicFront"/>
+      <a:lightRig rig="threePt" dir="t"/>
+    </dgm:scene3d>
+    <dgm:sp3d/>
+    <dgm:txPr/>
+    <dgm:style>
+      <a:lnRef idx="3">
+        <a:scrgbClr r="0" g="0" b="0"/>
+      </a:lnRef>
+      <a:fillRef idx="1">
+        <a:scrgbClr r="0" g="0" b="0"/>
+      </a:fillRef>
+      <a:effectRef idx="1">
+        <a:scrgbClr r="0" g="0" b="0"/>
+      </a:effectRef>
+      <a:fontRef idx="minor">
+        <a:schemeClr val="lt1"/>
+      </a:fontRef>
+    </dgm:style>
+  </dgm:styleLbl>
+  <dgm:styleLbl name="asst3">
+    <dgm:scene3d>
+      <a:camera prst="orthographicFront"/>
+      <a:lightRig rig="threePt" dir="t"/>
+    </dgm:scene3d>
+    <dgm:sp3d/>
+    <dgm:txPr/>
+    <dgm:style>
+      <a:lnRef idx="3">
+        <a:scrgbClr r="0" g="0" b="0"/>
+      </a:lnRef>
+      <a:fillRef idx="1">
+        <a:scrgbClr r="0" g="0" b="0"/>
+      </a:fillRef>
+      <a:effectRef idx="1">
+        <a:scrgbClr r="0" g="0" b="0"/>
+      </a:effectRef>
+      <a:fontRef idx="minor">
+        <a:schemeClr val="lt1"/>
+      </a:fontRef>
+    </dgm:style>
+  </dgm:styleLbl>
+  <dgm:styleLbl name="asst4">
+    <dgm:scene3d>
+      <a:camera prst="orthographicFront"/>
+      <a:lightRig rig="threePt" dir="t"/>
+    </dgm:scene3d>
+    <dgm:sp3d/>
+    <dgm:txPr/>
+    <dgm:style>
+      <a:lnRef idx="3">
+        <a:scrgbClr r="0" g="0" b="0"/>
+      </a:lnRef>
+      <a:fillRef idx="1">
+        <a:scrgbClr r="0" g="0" b="0"/>
+      </a:fillRef>
+      <a:effectRef idx="1">
+        <a:scrgbClr r="0" g="0" b="0"/>
+      </a:effectRef>
+      <a:fontRef idx="minor">
+        <a:schemeClr val="lt1"/>
+      </a:fontRef>
+    </dgm:style>
+  </dgm:styleLbl>
+  <dgm:styleLbl name="parChTrans2D1">
+    <dgm:scene3d>
+      <a:camera prst="orthographicFront"/>
+      <a:lightRig rig="threePt" dir="t"/>
+    </dgm:scene3d>
+    <dgm:sp3d/>
+    <dgm:txPr/>
+    <dgm:style>
+      <a:lnRef idx="3">
+        <a:scrgbClr r="0" g="0" b="0"/>
+      </a:lnRef>
+      <a:fillRef idx="1">
+        <a:scrgbClr r="0" g="0" b="0"/>
+      </a:fillRef>
+      <a:effectRef idx="1">
+        <a:scrgbClr r="0" g="0" b="0"/>
+      </a:effectRef>
+      <a:fontRef idx="minor">
+        <a:schemeClr val="lt1"/>
+      </a:fontRef>
+    </dgm:style>
+  </dgm:styleLbl>
+  <dgm:styleLbl name="parChTrans2D2">
+    <dgm:scene3d>
+      <a:camera prst="orthographicFront"/>
+      <a:lightRig rig="threePt" dir="t"/>
+    </dgm:scene3d>
+    <dgm:sp3d/>
+    <dgm:txPr/>
+    <dgm:style>
+      <a:lnRef idx="3">
+        <a:scrgbClr r="0" g="0" b="0"/>
+      </a:lnRef>
+      <a:fillRef idx="1">
+        <a:scrgbClr r="0" g="0" b="0"/>
+      </a:fillRef>
+      <a:effectRef idx="1">
+        <a:scrgbClr r="0" g="0" b="0"/>
+      </a:effectRef>
+      <a:fontRef idx="minor">
+        <a:schemeClr val="lt1"/>
+      </a:fontRef>
+    </dgm:style>
+  </dgm:styleLbl>
+  <dgm:styleLbl name="parChTrans2D3">
+    <dgm:scene3d>
+      <a:camera prst="orthographicFront"/>
+      <a:lightRig rig="threePt" dir="t"/>
+    </dgm:scene3d>
+    <dgm:sp3d/>
+    <dgm:txPr/>
+    <dgm:style>
+      <a:lnRef idx="3">
+        <a:scrgbClr r="0" g="0" b="0"/>
+      </a:lnRef>
+      <a:fillRef idx="1">
+        <a:scrgbClr r="0" g="0" b="0"/>
+      </a:fillRef>
+      <a:effectRef idx="1">
+        <a:scrgbClr r="0" g="0" b="0"/>
+      </a:effectRef>
+      <a:fontRef idx="minor">
+        <a:schemeClr val="lt1"/>
+      </a:fontRef>
+    </dgm:style>
+  </dgm:styleLbl>
+  <dgm:styleLbl name="parChTrans2D4">
+    <dgm:scene3d>
+      <a:camera prst="orthographicFront"/>
+      <a:lightRig rig="threePt" dir="t"/>
+    </dgm:scene3d>
+    <dgm:sp3d/>
+    <dgm:txPr/>
+    <dgm:style>
+      <a:lnRef idx="3">
+        <a:scrgbClr r="0" g="0" b="0"/>
+      </a:lnRef>
+      <a:fillRef idx="1">
+        <a:scrgbClr r="0" g="0" b="0"/>
+      </a:fillRef>
+      <a:effectRef idx="1">
+        <a:scrgbClr r="0" g="0" b="0"/>
+      </a:effectRef>
+      <a:fontRef idx="minor">
+        <a:schemeClr val="lt1"/>
+      </a:fontRef>
+    </dgm:style>
+  </dgm:styleLbl>
+  <dgm:styleLbl name="parChTrans1D1">
+    <dgm:scene3d>
+      <a:camera prst="orthographicFront"/>
+      <a:lightRig rig="threePt" dir="t"/>
+    </dgm:scene3d>
+    <dgm:sp3d/>
+    <dgm:txPr/>
+    <dgm:style>
+      <a:lnRef idx="2">
+        <a:scrgbClr r="0" g="0" b="0"/>
+      </a:lnRef>
+      <a:fillRef idx="0">
+        <a:scrgbClr r="0" g="0" b="0"/>
+      </a:fillRef>
+      <a:effectRef idx="0">
+        <a:scrgbClr r="0" g="0" b="0"/>
+      </a:effectRef>
+      <a:fontRef idx="minor"/>
+    </dgm:style>
+  </dgm:styleLbl>
+  <dgm:styleLbl name="parChTrans1D2">
+    <dgm:scene3d>
+      <a:camera prst="orthographicFront"/>
+      <a:lightRig rig="threePt" dir="t"/>
+    </dgm:scene3d>
+    <dgm:sp3d/>
+    <dgm:txPr/>
+    <dgm:style>
+      <a:lnRef idx="2">
+        <a:scrgbClr r="0" g="0" b="0"/>
+      </a:lnRef>
+      <a:fillRef idx="0">
+        <a:scrgbClr r="0" g="0" b="0"/>
+      </a:fillRef>
+      <a:effectRef idx="0">
+        <a:scrgbClr r="0" g="0" b="0"/>
+      </a:effectRef>
+      <a:fontRef idx="minor"/>
+    </dgm:style>
+  </dgm:styleLbl>
+  <dgm:styleLbl name="parChTrans1D3">
+    <dgm:scene3d>
+      <a:camera prst="orthographicFront"/>
+      <a:lightRig rig="threePt" dir="t"/>
+    </dgm:scene3d>
+    <dgm:sp3d/>
+    <dgm:txPr/>
+    <dgm:style>
+      <a:lnRef idx="2">
+        <a:scrgbClr r="0" g="0" b="0"/>
+      </a:lnRef>
+      <a:fillRef idx="0">
+        <a:scrgbClr r="0" g="0" b="0"/>
+      </a:fillRef>
+      <a:effectRef idx="0">
+        <a:scrgbClr r="0" g="0" b="0"/>
+      </a:effectRef>
+      <a:fontRef idx="minor"/>
+    </dgm:style>
+  </dgm:styleLbl>
+  <dgm:styleLbl name="parChTrans1D4">
+    <dgm:scene3d>
+      <a:camera prst="orthographicFront"/>
+      <a:lightRig rig="threePt" dir="t"/>
+    </dgm:scene3d>
+    <dgm:sp3d/>
+    <dgm:txPr/>
+    <dgm:style>
+      <a:lnRef idx="2">
+        <a:scrgbClr r="0" g="0" b="0"/>
+      </a:lnRef>
+      <a:fillRef idx="0">
+        <a:scrgbClr r="0" g="0" b="0"/>
+      </a:fillRef>
+      <a:effectRef idx="0">
+        <a:scrgbClr r="0" g="0" b="0"/>
+      </a:effectRef>
+      <a:fontRef idx="minor"/>
+    </dgm:style>
+  </dgm:styleLbl>
+  <dgm:styleLbl name="fgAcc1">
+    <dgm:scene3d>
+      <a:camera prst="orthographicFront"/>
+      <a:lightRig rig="threePt" dir="t"/>
+    </dgm:scene3d>
+    <dgm:sp3d/>
+    <dgm:txPr/>
+    <dgm:style>
+      <a:lnRef idx="2">
+        <a:scrgbClr r="0" g="0" b="0"/>
+      </a:lnRef>
+      <a:fillRef idx="1">
+        <a:scrgbClr r="0" g="0" b="0"/>
+      </a:fillRef>
+      <a:effectRef idx="0">
+        <a:scrgbClr r="0" g="0" b="0"/>
+      </a:effectRef>
+      <a:fontRef idx="minor"/>
+    </dgm:style>
+  </dgm:styleLbl>
+  <dgm:styleLbl name="conFgAcc1">
+    <dgm:scene3d>
+      <a:camera prst="orthographicFront"/>
+      <a:lightRig rig="threePt" dir="t"/>
+    </dgm:scene3d>
+    <dgm:sp3d/>
+    <dgm:txPr/>
+    <dgm:style>
+      <a:lnRef idx="2">
+        <a:scrgbClr r="0" g="0" b="0"/>
+      </a:lnRef>
+      <a:fillRef idx="1">
+        <a:scrgbClr r="0" g="0" b="0"/>
+      </a:fillRef>
+      <a:effectRef idx="0">
+        <a:scrgbClr r="0" g="0" b="0"/>
+      </a:effectRef>
+      <a:fontRef idx="minor"/>
+    </dgm:style>
+  </dgm:styleLbl>
+  <dgm:styleLbl name="alignAcc1">
+    <dgm:scene3d>
+      <a:camera prst="orthographicFront"/>
+      <a:lightRig rig="threePt" dir="t"/>
+    </dgm:scene3d>
+    <dgm:sp3d/>
+    <dgm:txPr/>
+    <dgm:style>
+      <a:lnRef idx="2">
+        <a:scrgbClr r="0" g="0" b="0"/>
+      </a:lnRef>
+      <a:fillRef idx="1">
+        <a:scrgbClr r="0" g="0" b="0"/>
+      </a:fillRef>
+      <a:effectRef idx="0">
+        <a:scrgbClr r="0" g="0" b="0"/>
+      </a:effectRef>
+      <a:fontRef idx="minor"/>
+    </dgm:style>
+  </dgm:styleLbl>
+  <dgm:styleLbl name="trAlignAcc1">
+    <dgm:scene3d>
+      <a:camera prst="orthographicFront"/>
+      <a:lightRig rig="threePt" dir="t"/>
+    </dgm:scene3d>
+    <dgm:sp3d/>
+    <dgm:txPr/>
+    <dgm:style>
+      <a:lnRef idx="1">
+        <a:scrgbClr r="0" g="0" b="0"/>
+      </a:lnRef>
+      <a:fillRef idx="1">
+        <a:scrgbClr r="0" g="0" b="0"/>
+      </a:fillRef>
+      <a:effectRef idx="0">
+        <a:scrgbClr r="0" g="0" b="0"/>
+      </a:effectRef>
+      <a:fontRef idx="minor"/>
+    </dgm:style>
+  </dgm:styleLbl>
+  <dgm:styleLbl name="bgAcc1">
+    <dgm:scene3d>
+      <a:camera prst="orthographicFront"/>
+      <a:lightRig rig="threePt" dir="t"/>
+    </dgm:scene3d>
+    <dgm:sp3d/>
+    <dgm:txPr/>
+    <dgm:style>
+      <a:lnRef idx="2">
+        <a:scrgbClr r="0" g="0" b="0"/>
+      </a:lnRef>
+      <a:fillRef idx="1">
+        <a:scrgbClr r="0" g="0" b="0"/>
+      </a:fillRef>
+      <a:effectRef idx="0">
+        <a:scrgbClr r="0" g="0" b="0"/>
+      </a:effectRef>
+      <a:fontRef idx="minor"/>
+    </dgm:style>
+  </dgm:styleLbl>
+  <dgm:styleLbl name="solidFgAcc1">
+    <dgm:scene3d>
+      <a:camera prst="orthographicFront"/>
+      <a:lightRig rig="threePt" dir="t"/>
+    </dgm:scene3d>
+    <dgm:sp3d/>
+    <dgm:txPr/>
+    <dgm:style>
+      <a:lnRef idx="2">
+        <a:scrgbClr r="0" g="0" b="0"/>
+      </a:lnRef>
+      <a:fillRef idx="1">
+        <a:scrgbClr r="0" g="0" b="0"/>
+      </a:fillRef>
+      <a:effectRef idx="0">
+        <a:scrgbClr r="0" g="0" b="0"/>
+      </a:effectRef>
+      <a:fontRef idx="minor"/>
+    </dgm:style>
+  </dgm:styleLbl>
+  <dgm:styleLbl name="solidAlignAcc1">
+    <dgm:scene3d>
+      <a:camera prst="orthographicFront"/>
+      <a:lightRig rig="threePt" dir="t"/>
+    </dgm:scene3d>
+    <dgm:sp3d/>
+    <dgm:txPr/>
+    <dgm:style>
+      <a:lnRef idx="2">
+        <a:scrgbClr r="0" g="0" b="0"/>
+      </a:lnRef>
+      <a:fillRef idx="1">
+        <a:scrgbClr r="0" g="0" b="0"/>
+      </a:fillRef>
+      <a:effectRef idx="0">
+        <a:scrgbClr r="0" g="0" b="0"/>
+      </a:effectRef>
+      <a:fontRef idx="minor"/>
+    </dgm:style>
+  </dgm:styleLbl>
+  <dgm:styleLbl name="solidBgAcc1">
+    <dgm:scene3d>
+      <a:camera prst="orthographicFront"/>
+      <a:lightRig rig="threePt" dir="t"/>
+    </dgm:scene3d>
+    <dgm:sp3d/>
+    <dgm:txPr/>
+    <dgm:style>
+      <a:lnRef idx="2">
+        <a:scrgbClr r="0" g="0" b="0"/>
+      </a:lnRef>
+      <a:fillRef idx="1">
+        <a:scrgbClr r="0" g="0" b="0"/>
+      </a:fillRef>
+      <a:effectRef idx="0">
+        <a:scrgbClr r="0" g="0" b="0"/>
+      </a:effectRef>
+      <a:fontRef idx="minor"/>
+    </dgm:style>
+  </dgm:styleLbl>
+  <dgm:styleLbl name="fgAccFollowNode1">
+    <dgm:scene3d>
+      <a:camera prst="orthographicFront"/>
+      <a:lightRig rig="threePt" dir="t"/>
+    </dgm:scene3d>
+    <dgm:sp3d/>
+    <dgm:txPr/>
+    <dgm:style>
+      <a:lnRef idx="2">
+        <a:scrgbClr r="0" g="0" b="0"/>
+      </a:lnRef>
+      <a:fillRef idx="1">
+        <a:scrgbClr r="0" g="0" b="0"/>
+      </a:fillRef>
+      <a:effectRef idx="0">
+        <a:scrgbClr r="0" g="0" b="0"/>
+      </a:effectRef>
+      <a:fontRef idx="minor"/>
+    </dgm:style>
+  </dgm:styleLbl>
+  <dgm:styleLbl name="alignAccFollowNode1">
+    <dgm:scene3d>
+      <a:camera prst="orthographicFront"/>
+      <a:lightRig rig="threePt" dir="t"/>
+    </dgm:scene3d>
+    <dgm:sp3d/>
+    <dgm:txPr/>
+    <dgm:style>
+      <a:lnRef idx="2">
+        <a:scrgbClr r="0" g="0" b="0"/>
+      </a:lnRef>
+      <a:fillRef idx="1">
+        <a:scrgbClr r="0" g="0" b="0"/>
+      </a:fillRef>
+      <a:effectRef idx="0">
+        <a:scrgbClr r="0" g="0" b="0"/>
+      </a:effectRef>
+      <a:fontRef idx="minor"/>
+    </dgm:style>
+  </dgm:styleLbl>
+  <dgm:styleLbl name="bgAccFollowNode1">
+    <dgm:scene3d>
+      <a:camera prst="orthographicFront"/>
+      <a:lightRig rig="threePt" dir="t"/>
+    </dgm:scene3d>
+    <dgm:sp3d/>
+    <dgm:txPr/>
+    <dgm:style>
+      <a:lnRef idx="2">
+        <a:scrgbClr r="0" g="0" b="0"/>
+      </a:lnRef>
+      <a:fillRef idx="1">
+        <a:scrgbClr r="0" g="0" b="0"/>
+      </a:fillRef>
+      <a:effectRef idx="0">
+        <a:scrgbClr r="0" g="0" b="0"/>
+      </a:effectRef>
+      <a:fontRef idx="minor"/>
+    </dgm:style>
+  </dgm:styleLbl>
+  <dgm:styleLbl name="fgAcc0">
+    <dgm:scene3d>
+      <a:camera prst="orthographicFront"/>
+      <a:lightRig rig="threePt" dir="t"/>
+    </dgm:scene3d>
+    <dgm:sp3d/>
+    <dgm:txPr/>
+    <dgm:style>
+      <a:lnRef idx="2">
+        <a:scrgbClr r="0" g="0" b="0"/>
+      </a:lnRef>
+      <a:fillRef idx="1">
+        <a:scrgbClr r="0" g="0" b="0"/>
+      </a:fillRef>
+      <a:effectRef idx="0">
+        <a:scrgbClr r="0" g="0" b="0"/>
+      </a:effectRef>
+      <a:fontRef idx="minor"/>
+    </dgm:style>
+  </dgm:styleLbl>
+  <dgm:styleLbl name="fgAcc2">
+    <dgm:scene3d>
+      <a:camera prst="orthographicFront"/>
+      <a:lightRig rig="threePt" dir="t"/>
+    </dgm:scene3d>
+    <dgm:sp3d/>
+    <dgm:txPr/>
+    <dgm:style>
+      <a:lnRef idx="2">
+        <a:scrgbClr r="0" g="0" b="0"/>
+      </a:lnRef>
+      <a:fillRef idx="1">
+        <a:scrgbClr r="0" g="0" b="0"/>
+      </a:fillRef>
+      <a:effectRef idx="0">
+        <a:scrgbClr r="0" g="0" b="0"/>
+      </a:effectRef>
+      <a:fontRef idx="minor"/>
+    </dgm:style>
+  </dgm:styleLbl>
+  <dgm:styleLbl name="fgAcc3">
+    <dgm:scene3d>
+      <a:camera prst="orthographicFront"/>
+      <a:lightRig rig="threePt" dir="t"/>
+    </dgm:scene3d>
+    <dgm:sp3d/>
+    <dgm:txPr/>
+    <dgm:style>
+      <a:lnRef idx="2">
+        <a:scrgbClr r="0" g="0" b="0"/>
+      </a:lnRef>
+      <a:fillRef idx="1">
+        <a:scrgbClr r="0" g="0" b="0"/>
+      </a:fillRef>
+      <a:effectRef idx="0">
+        <a:scrgbClr r="0" g="0" b="0"/>
+      </a:effectRef>
+      <a:fontRef idx="minor"/>
+    </dgm:style>
+  </dgm:styleLbl>
+  <dgm:styleLbl name="fgAcc4">
+    <dgm:scene3d>
+      <a:camera prst="orthographicFront"/>
+      <a:lightRig rig="threePt" dir="t"/>
+    </dgm:scene3d>
+    <dgm:sp3d/>
+    <dgm:txPr/>
+    <dgm:style>
+      <a:lnRef idx="2">
+        <a:scrgbClr r="0" g="0" b="0"/>
+      </a:lnRef>
+      <a:fillRef idx="1">
+        <a:scrgbClr r="0" g="0" b="0"/>
+      </a:fillRef>
+      <a:effectRef idx="0">
+        <a:scrgbClr r="0" g="0" b="0"/>
+      </a:effectRef>
+      <a:fontRef idx="minor"/>
+    </dgm:style>
+  </dgm:styleLbl>
+  <dgm:styleLbl name="bgShp">
+    <dgm:scene3d>
+      <a:camera prst="orthographicFront"/>
+      <a:lightRig rig="threePt" dir="t"/>
+    </dgm:scene3d>
+    <dgm:sp3d/>
+    <dgm:txPr/>
+    <dgm:style>
+      <a:lnRef idx="0">
+        <a:scrgbClr r="0" g="0" b="0"/>
+      </a:lnRef>
+      <a:fillRef idx="1">
+        <a:scrgbClr r="0" g="0" b="0"/>
+      </a:fillRef>
+      <a:effectRef idx="0">
+        <a:scrgbClr r="0" g="0" b="0"/>
+      </a:effectRef>
+      <a:fontRef idx="minor"/>
+    </dgm:style>
+  </dgm:styleLbl>
+  <dgm:styleLbl name="dkBgShp">
+    <dgm:scene3d>
+      <a:camera prst="orthographicFront"/>
+      <a:lightRig rig="threePt" dir="t"/>
+    </dgm:scene3d>
+    <dgm:sp3d/>
+    <dgm:txPr/>
+    <dgm:style>
+      <a:lnRef idx="0">
+        <a:scrgbClr r="0" g="0" b="0"/>
+      </a:lnRef>
+      <a:fillRef idx="1">
+        <a:scrgbClr r="0" g="0" b="0"/>
+      </a:fillRef>
+      <a:effectRef idx="0">
+        <a:scrgbClr r="0" g="0" b="0"/>
+      </a:effectRef>
+      <a:fontRef idx="minor"/>
+    </dgm:style>
+  </dgm:styleLbl>
+  <dgm:styleLbl name="trBgShp">
+    <dgm:scene3d>
+      <a:camera prst="orthographicFront"/>
+      <a:lightRig rig="threePt" dir="t"/>
+    </dgm:scene3d>
+    <dgm:sp3d/>
+    <dgm:txPr/>
+    <dgm:style>
+      <a:lnRef idx="0">
+        <a:scrgbClr r="0" g="0" b="0"/>
+      </a:lnRef>
+      <a:fillRef idx="1">
+        <a:scrgbClr r="0" g="0" b="0"/>
+      </a:fillRef>
+      <a:effectRef idx="0">
+        <a:scrgbClr r="0" g="0" b="0"/>
+      </a:effectRef>
+      <a:fontRef idx="minor"/>
+    </dgm:style>
+  </dgm:styleLbl>
+  <dgm:styleLbl name="fgShp">
+    <dgm:scene3d>
+      <a:camera prst="orthographicFront"/>
+      <a:lightRig rig="threePt" dir="t"/>
+    </dgm:scene3d>
+    <dgm:sp3d/>
+    <dgm:txPr/>
+    <dgm:style>
+      <a:lnRef idx="3">
+        <a:scrgbClr r="0" g="0" b="0"/>
+      </a:lnRef>
+      <a:fillRef idx="1">
+        <a:scrgbClr r="0" g="0" b="0"/>
+      </a:fillRef>
+      <a:effectRef idx="1">
+        <a:scrgbClr r="0" g="0" b="0"/>
+      </a:effectRef>
+      <a:fontRef idx="minor"/>
+    </dgm:style>
+  </dgm:styleLbl>
+  <dgm:styleLbl name="revTx">
+    <dgm:scene3d>
+      <a:camera prst="orthographicFront"/>
+      <a:lightRig rig="threePt" dir="t"/>
+    </dgm:scene3d>
+    <dgm:sp3d/>
+    <dgm:txPr/>
+    <dgm:style>
+      <a:lnRef idx="0">
+        <a:scrgbClr r="0" g="0" b="0"/>
+      </a:lnRef>
+      <a:fillRef idx="0">
+        <a:scrgbClr r="0" g="0" b="0"/>
+      </a:fillRef>
+      <a:effectRef idx="0">
+        <a:scrgbClr r="0" g="0" b="0"/>
+      </a:effectRef>
+      <a:fontRef idx="minor"/>
+    </dgm:style>
+  </dgm:styleLbl>
+</dgm:styleDef>
 </file>
 
 <file path=ppt/notesMasters/notesMaster1.xml><?xml version="1.0" encoding="utf-8"?>
@@ -226,7 +4255,7 @@
           <a:p>
             <a:fld id="{90F09366-0DA2-404A-A91F-D59506B6032C}" type="datetimeFigureOut">
               <a:rPr lang="en-US" smtClean="0"/>
-              <a:t>4/2/2016</a:t>
+              <a:t>4/3/2016</a:t>
             </a:fld>
             <a:endParaRPr lang="en-US"/>
           </a:p>
@@ -607,7 +4636,7 @@
           <a:p>
             <a:fld id="{1E35A5A4-3185-44AB-AEEB-6B2FF51973C9}" type="datetimeFigureOut">
               <a:rPr lang="de-DE" smtClean="0"/>
-              <a:t>02.04.2016</a:t>
+              <a:t>03.04.2016</a:t>
             </a:fld>
             <a:endParaRPr lang="de-DE"/>
           </a:p>
@@ -924,7 +4953,7 @@
           <a:p>
             <a:fld id="{1E35A5A4-3185-44AB-AEEB-6B2FF51973C9}" type="datetimeFigureOut">
               <a:rPr lang="de-DE" smtClean="0"/>
-              <a:t>02.04.2016</a:t>
+              <a:t>03.04.2016</a:t>
             </a:fld>
             <a:endParaRPr lang="de-DE"/>
           </a:p>
@@ -1094,7 +5123,7 @@
           <a:p>
             <a:fld id="{1E35A5A4-3185-44AB-AEEB-6B2FF51973C9}" type="datetimeFigureOut">
               <a:rPr lang="de-DE" smtClean="0"/>
-              <a:t>02.04.2016</a:t>
+              <a:t>03.04.2016</a:t>
             </a:fld>
             <a:endParaRPr lang="de-DE"/>
           </a:p>
@@ -1274,7 +5303,7 @@
           <a:p>
             <a:fld id="{1E35A5A4-3185-44AB-AEEB-6B2FF51973C9}" type="datetimeFigureOut">
               <a:rPr lang="de-DE" smtClean="0"/>
-              <a:t>02.04.2016</a:t>
+              <a:t>03.04.2016</a:t>
             </a:fld>
             <a:endParaRPr lang="de-DE"/>
           </a:p>
@@ -2794,7 +6823,7 @@
           <a:p>
             <a:fld id="{1E35A5A4-3185-44AB-AEEB-6B2FF51973C9}" type="datetimeFigureOut">
               <a:rPr lang="de-DE" smtClean="0"/>
-              <a:t>02.04.2016</a:t>
+              <a:t>03.04.2016</a:t>
             </a:fld>
             <a:endParaRPr lang="de-DE"/>
           </a:p>
@@ -3033,7 +7062,7 @@
           <a:p>
             <a:fld id="{1E35A5A4-3185-44AB-AEEB-6B2FF51973C9}" type="datetimeFigureOut">
               <a:rPr lang="de-DE" smtClean="0"/>
-              <a:t>02.04.2016</a:t>
+              <a:t>03.04.2016</a:t>
             </a:fld>
             <a:endParaRPr lang="de-DE"/>
           </a:p>
@@ -3407,7 +7436,7 @@
           <a:p>
             <a:fld id="{1E35A5A4-3185-44AB-AEEB-6B2FF51973C9}" type="datetimeFigureOut">
               <a:rPr lang="de-DE" smtClean="0"/>
-              <a:t>02.04.2016</a:t>
+              <a:t>03.04.2016</a:t>
             </a:fld>
             <a:endParaRPr lang="de-DE"/>
           </a:p>
@@ -3532,7 +7561,7 @@
           <a:p>
             <a:fld id="{1E35A5A4-3185-44AB-AEEB-6B2FF51973C9}" type="datetimeFigureOut">
               <a:rPr lang="de-DE" smtClean="0"/>
-              <a:t>02.04.2016</a:t>
+              <a:t>03.04.2016</a:t>
             </a:fld>
             <a:endParaRPr lang="de-DE"/>
           </a:p>
@@ -3634,7 +7663,7 @@
           <a:p>
             <a:fld id="{1E35A5A4-3185-44AB-AEEB-6B2FF51973C9}" type="datetimeFigureOut">
               <a:rPr lang="de-DE" smtClean="0"/>
-              <a:t>02.04.2016</a:t>
+              <a:t>03.04.2016</a:t>
             </a:fld>
             <a:endParaRPr lang="de-DE"/>
           </a:p>
@@ -3918,7 +7947,7 @@
           <a:p>
             <a:fld id="{1E35A5A4-3185-44AB-AEEB-6B2FF51973C9}" type="datetimeFigureOut">
               <a:rPr lang="de-DE" smtClean="0"/>
-              <a:t>02.04.2016</a:t>
+              <a:t>03.04.2016</a:t>
             </a:fld>
             <a:endParaRPr lang="de-DE"/>
           </a:p>
@@ -4131,7 +8160,7 @@
           <a:p>
             <a:fld id="{1E35A5A4-3185-44AB-AEEB-6B2FF51973C9}" type="datetimeFigureOut">
               <a:rPr lang="de-DE" smtClean="0"/>
-              <a:t>02.04.2016</a:t>
+              <a:t>03.04.2016</a:t>
             </a:fld>
             <a:endParaRPr lang="de-DE"/>
           </a:p>
@@ -7311,7 +11340,11 @@
             <a:pPr algn="ctr"/>
             <a:r>
               <a:rPr lang="de-DE" sz="2800" dirty="0" smtClean="0"/>
-              <a:t>Wachstumsstrategie: Bereitstellung des Produkts für </a:t>
+              <a:t>Bereitstellung </a:t>
+            </a:r>
+            <a:r>
+              <a:rPr lang="de-DE" sz="2800" dirty="0" smtClean="0"/>
+              <a:t>des Produkts für </a:t>
             </a:r>
             <a:r>
               <a:rPr lang="de-DE" sz="2800" dirty="0" err="1" smtClean="0"/>
@@ -7383,11 +11416,7 @@
             </a:r>
             <a:r>
               <a:rPr lang="de-DE" sz="2400" dirty="0" smtClean="0"/>
-              <a:t>rreichbar </a:t>
-            </a:r>
-            <a:r>
-              <a:rPr lang="de-DE" sz="2400" dirty="0" smtClean="0"/>
-              <a:t>durch</a:t>
+              <a:t>rreichbar durch</a:t>
             </a:r>
             <a:endParaRPr lang="de-DE" sz="2400" dirty="0"/>
           </a:p>
@@ -9793,25 +13822,6 @@
       </p:sp>
       <p:sp>
         <p:nvSpPr>
-          <p:cNvPr id="3" name="Inhaltsplatzhalter 2"/>
-          <p:cNvSpPr>
-            <a:spLocks noGrp="1"/>
-          </p:cNvSpPr>
-          <p:nvPr>
-            <p:ph idx="1"/>
-          </p:nvPr>
-        </p:nvSpPr>
-        <p:spPr/>
-        <p:txBody>
-          <a:bodyPr/>
-          <a:lstStyle/>
-          <a:p>
-            <a:endParaRPr lang="de-DE"/>
-          </a:p>
-        </p:txBody>
-      </p:sp>
-      <p:sp>
-        <p:nvSpPr>
           <p:cNvPr id="4" name="Inhaltsplatzhalter 3"/>
           <p:cNvSpPr>
             <a:spLocks noGrp="1"/>
@@ -9923,6 +13933,190 @@
           </a:p>
         </p:txBody>
       </p:sp>
+      <p:graphicFrame>
+        <p:nvGraphicFramePr>
+          <p:cNvPr id="9" name="Tabelle 8"/>
+          <p:cNvGraphicFramePr>
+            <a:graphicFrameLocks noGrp="1"/>
+          </p:cNvGraphicFramePr>
+          <p:nvPr>
+            <p:extLst>
+              <p:ext uri="{D42A27DB-BD31-4B8C-83A1-F6EECF244321}">
+                <p14:modId xmlns:p14="http://schemas.microsoft.com/office/powerpoint/2010/main" val="4103442107"/>
+              </p:ext>
+            </p:extLst>
+          </p:nvPr>
+        </p:nvGraphicFramePr>
+        <p:xfrm>
+          <a:off x="1175657" y="2236894"/>
+          <a:ext cx="9840688" cy="2384212"/>
+        </p:xfrm>
+        <a:graphic>
+          <a:graphicData uri="http://schemas.openxmlformats.org/drawingml/2006/table">
+            <a:tbl>
+              <a:tblPr firstRow="1" bandRow="1">
+                <a:tableStyleId>{5C22544A-7EE6-4342-B048-85BDC9FD1C3A}</a:tableStyleId>
+              </a:tblPr>
+              <a:tblGrid>
+                <a:gridCol w="4920344"/>
+                <a:gridCol w="4920344"/>
+              </a:tblGrid>
+              <a:tr h="596053">
+                <a:tc>
+                  <a:txBody>
+                    <a:bodyPr/>
+                    <a:lstStyle/>
+                    <a:p>
+                      <a:pPr algn="ctr"/>
+                      <a:r>
+                        <a:rPr lang="de-DE" sz="3200" dirty="0" smtClean="0"/>
+                        <a:t>Anfallende Kosten</a:t>
+                      </a:r>
+                      <a:endParaRPr lang="de-DE" sz="3200" dirty="0"/>
+                    </a:p>
+                  </a:txBody>
+                  <a:tcPr>
+                    <a:solidFill>
+                      <a:srgbClr val="7030A0"/>
+                    </a:solidFill>
+                  </a:tcPr>
+                </a:tc>
+                <a:tc>
+                  <a:txBody>
+                    <a:bodyPr/>
+                    <a:lstStyle/>
+                    <a:p>
+                      <a:pPr algn="ctr"/>
+                      <a:r>
+                        <a:rPr lang="de-DE" sz="3200" dirty="0" smtClean="0"/>
+                        <a:t>Einnahmequellen</a:t>
+                      </a:r>
+                      <a:endParaRPr lang="de-DE" sz="3200" dirty="0"/>
+                    </a:p>
+                  </a:txBody>
+                  <a:tcPr>
+                    <a:solidFill>
+                      <a:srgbClr val="7030A0"/>
+                    </a:solidFill>
+                  </a:tcPr>
+                </a:tc>
+              </a:tr>
+              <a:tr h="596053">
+                <a:tc>
+                  <a:txBody>
+                    <a:bodyPr/>
+                    <a:lstStyle/>
+                    <a:p>
+                      <a:pPr algn="ctr"/>
+                      <a:r>
+                        <a:rPr lang="de-DE" sz="2400" dirty="0" smtClean="0"/>
+                        <a:t>Serverbetrieb</a:t>
+                      </a:r>
+                      <a:r>
+                        <a:rPr lang="de-DE" sz="2400" baseline="0" dirty="0" smtClean="0"/>
+                        <a:t> in DE (ca. 35€/m)</a:t>
+                      </a:r>
+                      <a:endParaRPr lang="de-DE" sz="2400" dirty="0"/>
+                    </a:p>
+                  </a:txBody>
+                  <a:tcPr/>
+                </a:tc>
+                <a:tc>
+                  <a:txBody>
+                    <a:bodyPr/>
+                    <a:lstStyle/>
+                    <a:p>
+                      <a:pPr algn="ctr"/>
+                      <a:r>
+                        <a:rPr lang="de-DE" sz="2400" dirty="0" smtClean="0"/>
+                        <a:t>Werbung</a:t>
+                      </a:r>
+                      <a:r>
+                        <a:rPr lang="de-DE" sz="2400" baseline="0" dirty="0" smtClean="0"/>
+                        <a:t> auf Online-Version</a:t>
+                      </a:r>
+                      <a:endParaRPr lang="de-DE" sz="2400" dirty="0"/>
+                    </a:p>
+                  </a:txBody>
+                  <a:tcPr/>
+                </a:tc>
+              </a:tr>
+              <a:tr h="596053">
+                <a:tc>
+                  <a:txBody>
+                    <a:bodyPr/>
+                    <a:lstStyle/>
+                    <a:p>
+                      <a:pPr algn="ctr"/>
+                      <a:r>
+                        <a:rPr lang="de-DE" sz="2400" dirty="0" smtClean="0"/>
+                        <a:t>Gehalt für Mitarbeiter</a:t>
+                      </a:r>
+                      <a:endParaRPr lang="de-DE" sz="2400" dirty="0"/>
+                    </a:p>
+                  </a:txBody>
+                  <a:tcPr/>
+                </a:tc>
+                <a:tc>
+                  <a:txBody>
+                    <a:bodyPr/>
+                    <a:lstStyle/>
+                    <a:p>
+                      <a:pPr algn="ctr"/>
+                      <a:r>
+                        <a:rPr lang="de-DE" sz="2400" dirty="0" smtClean="0"/>
+                        <a:t>Kostenpflichtige</a:t>
+                      </a:r>
+                      <a:r>
+                        <a:rPr lang="de-DE" sz="2400" baseline="0" dirty="0" smtClean="0"/>
+                        <a:t> Enterprise-Version</a:t>
+                      </a:r>
+                      <a:endParaRPr lang="de-DE" sz="2400" dirty="0"/>
+                    </a:p>
+                  </a:txBody>
+                  <a:tcPr/>
+                </a:tc>
+              </a:tr>
+              <a:tr h="596053">
+                <a:tc>
+                  <a:txBody>
+                    <a:bodyPr/>
+                    <a:lstStyle/>
+                    <a:p>
+                      <a:pPr algn="ctr"/>
+                      <a:r>
+                        <a:rPr lang="de-DE" sz="2400" baseline="0" dirty="0" smtClean="0"/>
+                        <a:t>Außendienstservice</a:t>
+                      </a:r>
+                      <a:endParaRPr lang="de-DE" sz="2400" dirty="0"/>
+                    </a:p>
+                  </a:txBody>
+                  <a:tcPr/>
+                </a:tc>
+                <a:tc>
+                  <a:txBody>
+                    <a:bodyPr/>
+                    <a:lstStyle/>
+                    <a:p>
+                      <a:pPr algn="ctr"/>
+                      <a:r>
+                        <a:rPr lang="de-DE" sz="2400" dirty="0" smtClean="0"/>
+                        <a:t>Kostenpflichtige</a:t>
+                      </a:r>
+                      <a:r>
+                        <a:rPr lang="de-DE" sz="2400" baseline="0" dirty="0" smtClean="0"/>
+                        <a:t> Schulungen</a:t>
+                      </a:r>
+                      <a:endParaRPr lang="de-DE" sz="2400" dirty="0"/>
+                    </a:p>
+                  </a:txBody>
+                  <a:tcPr/>
+                </a:tc>
+              </a:tr>
+            </a:tbl>
+          </a:graphicData>
+        </a:graphic>
+      </p:graphicFrame>
     </p:spTree>
     <p:extLst>
       <p:ext uri="{BB962C8B-B14F-4D97-AF65-F5344CB8AC3E}">
@@ -9978,25 +14172,6 @@
       </p:sp>
       <p:sp>
         <p:nvSpPr>
-          <p:cNvPr id="3" name="Inhaltsplatzhalter 2"/>
-          <p:cNvSpPr>
-            <a:spLocks noGrp="1"/>
-          </p:cNvSpPr>
-          <p:nvPr>
-            <p:ph idx="1"/>
-          </p:nvPr>
-        </p:nvSpPr>
-        <p:spPr/>
-        <p:txBody>
-          <a:bodyPr/>
-          <a:lstStyle/>
-          <a:p>
-            <a:endParaRPr lang="de-DE"/>
-          </a:p>
-        </p:txBody>
-      </p:sp>
-      <p:sp>
-        <p:nvSpPr>
           <p:cNvPr id="4" name="Inhaltsplatzhalter 3"/>
           <p:cNvSpPr>
             <a:spLocks noGrp="1"/>
@@ -10106,7 +14281,94 @@
           <a:bodyPr/>
           <a:lstStyle/>
           <a:p>
-            <a:endParaRPr lang="de-DE"/>
+            <a:r>
+              <a:rPr lang="de-DE" dirty="0" smtClean="0"/>
+              <a:t>1/3</a:t>
+            </a:r>
+            <a:endParaRPr lang="de-DE" dirty="0"/>
+          </a:p>
+        </p:txBody>
+      </p:sp>
+      <p:pic>
+        <p:nvPicPr>
+          <p:cNvPr id="9" name="Grafik 8"/>
+          <p:cNvPicPr>
+            <a:picLocks noChangeAspect="1"/>
+          </p:cNvPicPr>
+          <p:nvPr/>
+        </p:nvPicPr>
+        <p:blipFill>
+          <a:blip r:embed="rId2">
+            <a:extLst>
+              <a:ext uri="{28A0092B-C50C-407E-A947-70E740481C1C}">
+                <a14:useLocalDpi xmlns:a14="http://schemas.microsoft.com/office/drawing/2010/main" val="0"/>
+              </a:ext>
+            </a:extLst>
+          </a:blip>
+          <a:stretch>
+            <a:fillRect/>
+          </a:stretch>
+        </p:blipFill>
+        <p:spPr>
+          <a:xfrm>
+            <a:off x="880938" y="1535029"/>
+            <a:ext cx="2476295" cy="1561455"/>
+          </a:xfrm>
+          <a:prstGeom prst="rect">
+            <a:avLst/>
+          </a:prstGeom>
+        </p:spPr>
+      </p:pic>
+      <p:graphicFrame>
+        <p:nvGraphicFramePr>
+          <p:cNvPr id="16" name="Diagramm 15"/>
+          <p:cNvGraphicFramePr/>
+          <p:nvPr>
+            <p:extLst>
+              <p:ext uri="{D42A27DB-BD31-4B8C-83A1-F6EECF244321}">
+                <p14:modId xmlns:p14="http://schemas.microsoft.com/office/powerpoint/2010/main" val="1040418126"/>
+              </p:ext>
+            </p:extLst>
+          </p:nvPr>
+        </p:nvGraphicFramePr>
+        <p:xfrm>
+          <a:off x="2627086" y="1875542"/>
+          <a:ext cx="6937829" cy="4180952"/>
+        </p:xfrm>
+        <a:graphic>
+          <a:graphicData uri="http://schemas.openxmlformats.org/drawingml/2006/diagram">
+            <dgm:relIds xmlns:dgm="http://schemas.openxmlformats.org/drawingml/2006/diagram" xmlns:r="http://schemas.openxmlformats.org/officeDocument/2006/relationships" r:dm="rId3" r:lo="rId4" r:qs="rId5" r:cs="rId6"/>
+          </a:graphicData>
+        </a:graphic>
+      </p:graphicFrame>
+      <p:sp>
+        <p:nvSpPr>
+          <p:cNvPr id="17" name="Textfeld 16"/>
+          <p:cNvSpPr txBox="1"/>
+          <p:nvPr/>
+        </p:nvSpPr>
+        <p:spPr>
+          <a:xfrm>
+            <a:off x="4218596" y="1393371"/>
+            <a:ext cx="3754810" cy="461665"/>
+          </a:xfrm>
+          <a:prstGeom prst="rect">
+            <a:avLst/>
+          </a:prstGeom>
+          <a:noFill/>
+        </p:spPr>
+        <p:txBody>
+          <a:bodyPr wrap="none" rtlCol="0">
+            <a:spAutoFit/>
+          </a:bodyPr>
+          <a:lstStyle/>
+          <a:p>
+            <a:pPr algn="ctr"/>
+            <a:r>
+              <a:rPr lang="de-DE" sz="2400" dirty="0" smtClean="0"/>
+              <a:t>Suchmaschinenoptimierung</a:t>
+            </a:r>
+            <a:endParaRPr lang="de-DE" sz="2400" dirty="0"/>
           </a:p>
         </p:txBody>
       </p:sp>
@@ -10124,6 +14386,1174 @@
 </file>
 
 <file path=ppt/slides/slide19.xml><?xml version="1.0" encoding="utf-8"?>
+<p:sld xmlns:a="http://schemas.openxmlformats.org/drawingml/2006/main" xmlns:r="http://schemas.openxmlformats.org/officeDocument/2006/relationships" xmlns:p="http://schemas.openxmlformats.org/presentationml/2006/main">
+  <p:cSld>
+    <p:spTree>
+      <p:nvGrpSpPr>
+        <p:cNvPr id="1" name=""/>
+        <p:cNvGrpSpPr/>
+        <p:nvPr/>
+      </p:nvGrpSpPr>
+      <p:grpSpPr>
+        <a:xfrm>
+          <a:off x="0" y="0"/>
+          <a:ext cx="0" cy="0"/>
+          <a:chOff x="0" y="0"/>
+          <a:chExt cx="0" cy="0"/>
+        </a:xfrm>
+      </p:grpSpPr>
+      <p:sp>
+        <p:nvSpPr>
+          <p:cNvPr id="2" name="Titel 1"/>
+          <p:cNvSpPr>
+            <a:spLocks noGrp="1"/>
+          </p:cNvSpPr>
+          <p:nvPr>
+            <p:ph type="title"/>
+          </p:nvPr>
+        </p:nvSpPr>
+        <p:spPr/>
+        <p:txBody>
+          <a:bodyPr/>
+          <a:lstStyle/>
+          <a:p>
+            <a:r>
+              <a:rPr lang="de-DE" dirty="0" smtClean="0"/>
+              <a:t>Marketingmix</a:t>
+            </a:r>
+            <a:endParaRPr lang="de-DE" dirty="0"/>
+          </a:p>
+        </p:txBody>
+      </p:sp>
+      <p:sp>
+        <p:nvSpPr>
+          <p:cNvPr id="4" name="Inhaltsplatzhalter 3"/>
+          <p:cNvSpPr>
+            <a:spLocks noGrp="1"/>
+          </p:cNvSpPr>
+          <p:nvPr>
+            <p:ph sz="quarter" idx="12"/>
+          </p:nvPr>
+        </p:nvSpPr>
+        <p:spPr/>
+        <p:txBody>
+          <a:bodyPr>
+            <a:normAutofit fontScale="92500"/>
+          </a:bodyPr>
+          <a:lstStyle/>
+          <a:p>
+            <a:r>
+              <a:rPr lang="de-DE" dirty="0" smtClean="0"/>
+              <a:t>Marketingstrategie/-ziele</a:t>
+            </a:r>
+            <a:endParaRPr lang="de-DE" dirty="0"/>
+          </a:p>
+        </p:txBody>
+      </p:sp>
+      <p:sp>
+        <p:nvSpPr>
+          <p:cNvPr id="5" name="Inhaltsplatzhalter 4"/>
+          <p:cNvSpPr>
+            <a:spLocks noGrp="1"/>
+          </p:cNvSpPr>
+          <p:nvPr>
+            <p:ph sz="quarter" idx="13"/>
+          </p:nvPr>
+        </p:nvSpPr>
+        <p:spPr/>
+        <p:txBody>
+          <a:bodyPr/>
+          <a:lstStyle/>
+          <a:p>
+            <a:r>
+              <a:rPr lang="de-DE" dirty="0" smtClean="0"/>
+              <a:t>Marketingmix</a:t>
+            </a:r>
+            <a:endParaRPr lang="de-DE" dirty="0"/>
+          </a:p>
+        </p:txBody>
+      </p:sp>
+      <p:sp>
+        <p:nvSpPr>
+          <p:cNvPr id="6" name="Inhaltsplatzhalter 5"/>
+          <p:cNvSpPr>
+            <a:spLocks noGrp="1"/>
+          </p:cNvSpPr>
+          <p:nvPr>
+            <p:ph sz="quarter" idx="14"/>
+          </p:nvPr>
+        </p:nvSpPr>
+        <p:spPr/>
+        <p:txBody>
+          <a:bodyPr/>
+          <a:lstStyle/>
+          <a:p>
+            <a:r>
+              <a:rPr lang="de-DE" dirty="0" smtClean="0"/>
+              <a:t>Fazit</a:t>
+            </a:r>
+            <a:endParaRPr lang="de-DE" dirty="0"/>
+          </a:p>
+        </p:txBody>
+      </p:sp>
+      <p:sp>
+        <p:nvSpPr>
+          <p:cNvPr id="7" name="Textplatzhalter 6"/>
+          <p:cNvSpPr>
+            <a:spLocks noGrp="1"/>
+          </p:cNvSpPr>
+          <p:nvPr>
+            <p:ph type="body" sz="quarter" idx="15"/>
+          </p:nvPr>
+        </p:nvSpPr>
+        <p:spPr/>
+        <p:txBody>
+          <a:bodyPr>
+            <a:normAutofit fontScale="92500"/>
+          </a:bodyPr>
+          <a:lstStyle/>
+          <a:p>
+            <a:r>
+              <a:rPr lang="de-DE" dirty="0" smtClean="0"/>
+              <a:t>Kommunikation</a:t>
+            </a:r>
+            <a:endParaRPr lang="de-DE" dirty="0"/>
+          </a:p>
+        </p:txBody>
+      </p:sp>
+      <p:sp>
+        <p:nvSpPr>
+          <p:cNvPr id="8" name="Textplatzhalter 7"/>
+          <p:cNvSpPr>
+            <a:spLocks noGrp="1"/>
+          </p:cNvSpPr>
+          <p:nvPr>
+            <p:ph type="body" sz="quarter" idx="16"/>
+          </p:nvPr>
+        </p:nvSpPr>
+        <p:spPr/>
+        <p:txBody>
+          <a:bodyPr/>
+          <a:lstStyle/>
+          <a:p>
+            <a:r>
+              <a:rPr lang="de-DE" dirty="0" smtClean="0"/>
+              <a:t>2/3</a:t>
+            </a:r>
+            <a:endParaRPr lang="de-DE" dirty="0"/>
+          </a:p>
+        </p:txBody>
+      </p:sp>
+      <p:sp>
+        <p:nvSpPr>
+          <p:cNvPr id="9" name="Textfeld 8"/>
+          <p:cNvSpPr txBox="1"/>
+          <p:nvPr/>
+        </p:nvSpPr>
+        <p:spPr>
+          <a:xfrm>
+            <a:off x="3779276" y="1378861"/>
+            <a:ext cx="4633448" cy="461665"/>
+          </a:xfrm>
+          <a:prstGeom prst="rect">
+            <a:avLst/>
+          </a:prstGeom>
+          <a:noFill/>
+        </p:spPr>
+        <p:txBody>
+          <a:bodyPr wrap="none" rtlCol="0">
+            <a:spAutoFit/>
+          </a:bodyPr>
+          <a:lstStyle/>
+          <a:p>
+            <a:r>
+              <a:rPr lang="de-DE" sz="2400" dirty="0" err="1" smtClean="0"/>
+              <a:t>Social</a:t>
+            </a:r>
+            <a:r>
+              <a:rPr lang="de-DE" sz="2400" dirty="0" smtClean="0"/>
+              <a:t> Media/Printmedien - Präsenz</a:t>
+            </a:r>
+            <a:endParaRPr lang="de-DE" sz="2400" dirty="0"/>
+          </a:p>
+        </p:txBody>
+      </p:sp>
+      <p:pic>
+        <p:nvPicPr>
+          <p:cNvPr id="10" name="Grafik 9"/>
+          <p:cNvPicPr>
+            <a:picLocks noChangeAspect="1"/>
+          </p:cNvPicPr>
+          <p:nvPr/>
+        </p:nvPicPr>
+        <p:blipFill>
+          <a:blip r:embed="rId2">
+            <a:extLst>
+              <a:ext uri="{28A0092B-C50C-407E-A947-70E740481C1C}">
+                <a14:useLocalDpi xmlns:a14="http://schemas.microsoft.com/office/drawing/2010/main" val="0"/>
+              </a:ext>
+            </a:extLst>
+          </a:blip>
+          <a:stretch>
+            <a:fillRect/>
+          </a:stretch>
+        </p:blipFill>
+        <p:spPr>
+          <a:xfrm>
+            <a:off x="946566" y="2148490"/>
+            <a:ext cx="2763038" cy="1244509"/>
+          </a:xfrm>
+          <a:prstGeom prst="rect">
+            <a:avLst/>
+          </a:prstGeom>
+        </p:spPr>
+      </p:pic>
+      <p:pic>
+        <p:nvPicPr>
+          <p:cNvPr id="11" name="Grafik 10"/>
+          <p:cNvPicPr>
+            <a:picLocks noChangeAspect="1"/>
+          </p:cNvPicPr>
+          <p:nvPr/>
+        </p:nvPicPr>
+        <p:blipFill>
+          <a:blip r:embed="rId3" cstate="print">
+            <a:extLst>
+              <a:ext uri="{28A0092B-C50C-407E-A947-70E740481C1C}">
+                <a14:useLocalDpi xmlns:a14="http://schemas.microsoft.com/office/drawing/2010/main" val="0"/>
+              </a:ext>
+            </a:extLst>
+          </a:blip>
+          <a:stretch>
+            <a:fillRect/>
+          </a:stretch>
+        </p:blipFill>
+        <p:spPr>
+          <a:xfrm>
+            <a:off x="5573486" y="1996044"/>
+            <a:ext cx="1549400" cy="1549400"/>
+          </a:xfrm>
+          <a:prstGeom prst="rect">
+            <a:avLst/>
+          </a:prstGeom>
+        </p:spPr>
+      </p:pic>
+      <p:pic>
+        <p:nvPicPr>
+          <p:cNvPr id="12" name="Grafik 11"/>
+          <p:cNvPicPr>
+            <a:picLocks noChangeAspect="1"/>
+          </p:cNvPicPr>
+          <p:nvPr/>
+        </p:nvPicPr>
+        <p:blipFill>
+          <a:blip r:embed="rId4" cstate="print">
+            <a:extLst>
+              <a:ext uri="{28A0092B-C50C-407E-A947-70E740481C1C}">
+                <a14:useLocalDpi xmlns:a14="http://schemas.microsoft.com/office/drawing/2010/main" val="0"/>
+              </a:ext>
+            </a:extLst>
+          </a:blip>
+          <a:stretch>
+            <a:fillRect/>
+          </a:stretch>
+        </p:blipFill>
+        <p:spPr>
+          <a:xfrm>
+            <a:off x="7691932" y="2394048"/>
+            <a:ext cx="3697384" cy="2773038"/>
+          </a:xfrm>
+          <a:prstGeom prst="rect">
+            <a:avLst/>
+          </a:prstGeom>
+        </p:spPr>
+      </p:pic>
+      <p:pic>
+        <p:nvPicPr>
+          <p:cNvPr id="13" name="Grafik 12"/>
+          <p:cNvPicPr>
+            <a:picLocks noChangeAspect="1"/>
+          </p:cNvPicPr>
+          <p:nvPr/>
+        </p:nvPicPr>
+        <p:blipFill>
+          <a:blip r:embed="rId5">
+            <a:extLst>
+              <a:ext uri="{28A0092B-C50C-407E-A947-70E740481C1C}">
+                <a14:useLocalDpi xmlns:a14="http://schemas.microsoft.com/office/drawing/2010/main" val="0"/>
+              </a:ext>
+            </a:extLst>
+          </a:blip>
+          <a:stretch>
+            <a:fillRect/>
+          </a:stretch>
+        </p:blipFill>
+        <p:spPr>
+          <a:xfrm>
+            <a:off x="946566" y="4131129"/>
+            <a:ext cx="2877658" cy="1035957"/>
+          </a:xfrm>
+          <a:prstGeom prst="rect">
+            <a:avLst/>
+          </a:prstGeom>
+        </p:spPr>
+      </p:pic>
+      <p:pic>
+        <p:nvPicPr>
+          <p:cNvPr id="14" name="Grafik 13"/>
+          <p:cNvPicPr>
+            <a:picLocks noChangeAspect="1"/>
+          </p:cNvPicPr>
+          <p:nvPr/>
+        </p:nvPicPr>
+        <p:blipFill>
+          <a:blip r:embed="rId6" cstate="print">
+            <a:extLst>
+              <a:ext uri="{28A0092B-C50C-407E-A947-70E740481C1C}">
+                <a14:useLocalDpi xmlns:a14="http://schemas.microsoft.com/office/drawing/2010/main" val="0"/>
+              </a:ext>
+            </a:extLst>
+          </a:blip>
+          <a:stretch>
+            <a:fillRect/>
+          </a:stretch>
+        </p:blipFill>
+        <p:spPr>
+          <a:xfrm>
+            <a:off x="5068510" y="3689349"/>
+            <a:ext cx="2559352" cy="1919515"/>
+          </a:xfrm>
+          <a:prstGeom prst="rect">
+            <a:avLst/>
+          </a:prstGeom>
+        </p:spPr>
+      </p:pic>
+    </p:spTree>
+    <p:extLst>
+      <p:ext uri="{BB962C8B-B14F-4D97-AF65-F5344CB8AC3E}">
+        <p14:creationId xmlns:p14="http://schemas.microsoft.com/office/powerpoint/2010/main" val="279648972"/>
+      </p:ext>
+    </p:extLst>
+  </p:cSld>
+  <p:clrMapOvr>
+    <a:masterClrMapping/>
+  </p:clrMapOvr>
+</p:sld>
+</file>
+
+<file path=ppt/slides/slide2.xml><?xml version="1.0" encoding="utf-8"?>
+<p:sld xmlns:a="http://schemas.openxmlformats.org/drawingml/2006/main" xmlns:r="http://schemas.openxmlformats.org/officeDocument/2006/relationships" xmlns:p="http://schemas.openxmlformats.org/presentationml/2006/main">
+  <p:cSld>
+    <p:spTree>
+      <p:nvGrpSpPr>
+        <p:cNvPr id="1" name=""/>
+        <p:cNvGrpSpPr/>
+        <p:nvPr/>
+      </p:nvGrpSpPr>
+      <p:grpSpPr>
+        <a:xfrm>
+          <a:off x="0" y="0"/>
+          <a:ext cx="0" cy="0"/>
+          <a:chOff x="0" y="0"/>
+          <a:chExt cx="0" cy="0"/>
+        </a:xfrm>
+      </p:grpSpPr>
+      <p:sp>
+        <p:nvSpPr>
+          <p:cNvPr id="9" name="Titel 8"/>
+          <p:cNvSpPr>
+            <a:spLocks noGrp="1"/>
+          </p:cNvSpPr>
+          <p:nvPr>
+            <p:ph type="title"/>
+          </p:nvPr>
+        </p:nvSpPr>
+        <p:spPr/>
+        <p:txBody>
+          <a:bodyPr/>
+          <a:lstStyle/>
+          <a:p>
+            <a:r>
+              <a:rPr lang="de-DE" dirty="0" smtClean="0"/>
+              <a:t>Gliederung</a:t>
+            </a:r>
+            <a:endParaRPr lang="de-DE" dirty="0"/>
+          </a:p>
+        </p:txBody>
+      </p:sp>
+      <p:sp>
+        <p:nvSpPr>
+          <p:cNvPr id="10" name="Inhaltsplatzhalter 9"/>
+          <p:cNvSpPr>
+            <a:spLocks noGrp="1"/>
+          </p:cNvSpPr>
+          <p:nvPr>
+            <p:ph idx="1"/>
+          </p:nvPr>
+        </p:nvSpPr>
+        <p:spPr/>
+        <p:txBody>
+          <a:bodyPr/>
+          <a:lstStyle/>
+          <a:p>
+            <a:r>
+              <a:rPr lang="de-DE" dirty="0" smtClean="0"/>
+              <a:t>Projektplanung</a:t>
+            </a:r>
+          </a:p>
+          <a:p>
+            <a:endParaRPr lang="de-DE" dirty="0" smtClean="0"/>
+          </a:p>
+          <a:p>
+            <a:r>
+              <a:rPr lang="de-DE" dirty="0" smtClean="0"/>
+              <a:t>Marktanalyse</a:t>
+            </a:r>
+          </a:p>
+          <a:p>
+            <a:r>
+              <a:rPr lang="de-DE" dirty="0" smtClean="0"/>
+              <a:t>Marketingstrategie/-ziele</a:t>
+            </a:r>
+          </a:p>
+          <a:p>
+            <a:r>
+              <a:rPr lang="de-DE" dirty="0" smtClean="0"/>
+              <a:t>Marketingmix</a:t>
+            </a:r>
+          </a:p>
+          <a:p>
+            <a:endParaRPr lang="de-DE" dirty="0" smtClean="0"/>
+          </a:p>
+          <a:p>
+            <a:r>
+              <a:rPr lang="de-DE" dirty="0" smtClean="0"/>
+              <a:t>Fazit</a:t>
+            </a:r>
+            <a:endParaRPr lang="de-DE" dirty="0"/>
+          </a:p>
+        </p:txBody>
+      </p:sp>
+      <p:sp>
+        <p:nvSpPr>
+          <p:cNvPr id="11" name="Inhaltsplatzhalter 10"/>
+          <p:cNvSpPr>
+            <a:spLocks noGrp="1"/>
+          </p:cNvSpPr>
+          <p:nvPr>
+            <p:ph sz="quarter" idx="12"/>
+          </p:nvPr>
+        </p:nvSpPr>
+        <p:spPr/>
+        <p:txBody>
+          <a:bodyPr/>
+          <a:lstStyle/>
+          <a:p>
+            <a:endParaRPr lang="de-DE"/>
+          </a:p>
+        </p:txBody>
+      </p:sp>
+      <p:sp>
+        <p:nvSpPr>
+          <p:cNvPr id="12" name="Inhaltsplatzhalter 11"/>
+          <p:cNvSpPr>
+            <a:spLocks noGrp="1"/>
+          </p:cNvSpPr>
+          <p:nvPr>
+            <p:ph sz="quarter" idx="13"/>
+          </p:nvPr>
+        </p:nvSpPr>
+        <p:spPr/>
+        <p:txBody>
+          <a:bodyPr/>
+          <a:lstStyle/>
+          <a:p>
+            <a:r>
+              <a:rPr lang="de-DE" dirty="0" smtClean="0"/>
+              <a:t>Gliederung</a:t>
+            </a:r>
+            <a:endParaRPr lang="de-DE" dirty="0"/>
+          </a:p>
+        </p:txBody>
+      </p:sp>
+      <p:sp>
+        <p:nvSpPr>
+          <p:cNvPr id="13" name="Inhaltsplatzhalter 12"/>
+          <p:cNvSpPr>
+            <a:spLocks noGrp="1"/>
+          </p:cNvSpPr>
+          <p:nvPr>
+            <p:ph sz="quarter" idx="14"/>
+          </p:nvPr>
+        </p:nvSpPr>
+        <p:spPr/>
+        <p:txBody>
+          <a:bodyPr/>
+          <a:lstStyle/>
+          <a:p>
+            <a:r>
+              <a:rPr lang="de-DE" dirty="0" smtClean="0"/>
+              <a:t>Projektplanung</a:t>
+            </a:r>
+            <a:endParaRPr lang="de-DE" dirty="0"/>
+          </a:p>
+        </p:txBody>
+      </p:sp>
+    </p:spTree>
+    <p:extLst>
+      <p:ext uri="{BB962C8B-B14F-4D97-AF65-F5344CB8AC3E}">
+        <p14:creationId xmlns:p14="http://schemas.microsoft.com/office/powerpoint/2010/main" val="3767515842"/>
+      </p:ext>
+    </p:extLst>
+  </p:cSld>
+  <p:clrMapOvr>
+    <a:masterClrMapping/>
+  </p:clrMapOvr>
+  <p:timing>
+    <p:tnLst>
+      <p:par>
+        <p:cTn id="1" dur="indefinite" restart="never" nodeType="tmRoot"/>
+      </p:par>
+    </p:tnLst>
+  </p:timing>
+</p:sld>
+</file>
+
+<file path=ppt/slides/slide20.xml><?xml version="1.0" encoding="utf-8"?>
+<p:sld xmlns:a="http://schemas.openxmlformats.org/drawingml/2006/main" xmlns:r="http://schemas.openxmlformats.org/officeDocument/2006/relationships" xmlns:p="http://schemas.openxmlformats.org/presentationml/2006/main">
+  <p:cSld>
+    <p:spTree>
+      <p:nvGrpSpPr>
+        <p:cNvPr id="1" name=""/>
+        <p:cNvGrpSpPr/>
+        <p:nvPr/>
+      </p:nvGrpSpPr>
+      <p:grpSpPr>
+        <a:xfrm>
+          <a:off x="0" y="0"/>
+          <a:ext cx="0" cy="0"/>
+          <a:chOff x="0" y="0"/>
+          <a:chExt cx="0" cy="0"/>
+        </a:xfrm>
+      </p:grpSpPr>
+      <p:sp>
+        <p:nvSpPr>
+          <p:cNvPr id="2" name="Titel 1"/>
+          <p:cNvSpPr>
+            <a:spLocks noGrp="1"/>
+          </p:cNvSpPr>
+          <p:nvPr>
+            <p:ph type="title"/>
+          </p:nvPr>
+        </p:nvSpPr>
+        <p:spPr/>
+        <p:txBody>
+          <a:bodyPr/>
+          <a:lstStyle/>
+          <a:p>
+            <a:r>
+              <a:rPr lang="de-DE" dirty="0" smtClean="0"/>
+              <a:t>Marketingmix</a:t>
+            </a:r>
+            <a:endParaRPr lang="de-DE" dirty="0"/>
+          </a:p>
+        </p:txBody>
+      </p:sp>
+      <p:sp>
+        <p:nvSpPr>
+          <p:cNvPr id="4" name="Inhaltsplatzhalter 3"/>
+          <p:cNvSpPr>
+            <a:spLocks noGrp="1"/>
+          </p:cNvSpPr>
+          <p:nvPr>
+            <p:ph sz="quarter" idx="12"/>
+          </p:nvPr>
+        </p:nvSpPr>
+        <p:spPr/>
+        <p:txBody>
+          <a:bodyPr>
+            <a:normAutofit fontScale="92500"/>
+          </a:bodyPr>
+          <a:lstStyle/>
+          <a:p>
+            <a:r>
+              <a:rPr lang="de-DE" dirty="0" smtClean="0"/>
+              <a:t>Marketingstrategie/-ziele</a:t>
+            </a:r>
+            <a:endParaRPr lang="de-DE" dirty="0"/>
+          </a:p>
+        </p:txBody>
+      </p:sp>
+      <p:sp>
+        <p:nvSpPr>
+          <p:cNvPr id="5" name="Inhaltsplatzhalter 4"/>
+          <p:cNvSpPr>
+            <a:spLocks noGrp="1"/>
+          </p:cNvSpPr>
+          <p:nvPr>
+            <p:ph sz="quarter" idx="13"/>
+          </p:nvPr>
+        </p:nvSpPr>
+        <p:spPr/>
+        <p:txBody>
+          <a:bodyPr/>
+          <a:lstStyle/>
+          <a:p>
+            <a:r>
+              <a:rPr lang="de-DE" dirty="0" smtClean="0"/>
+              <a:t>Marketingmix</a:t>
+            </a:r>
+            <a:endParaRPr lang="de-DE" dirty="0"/>
+          </a:p>
+        </p:txBody>
+      </p:sp>
+      <p:sp>
+        <p:nvSpPr>
+          <p:cNvPr id="6" name="Inhaltsplatzhalter 5"/>
+          <p:cNvSpPr>
+            <a:spLocks noGrp="1"/>
+          </p:cNvSpPr>
+          <p:nvPr>
+            <p:ph sz="quarter" idx="14"/>
+          </p:nvPr>
+        </p:nvSpPr>
+        <p:spPr/>
+        <p:txBody>
+          <a:bodyPr/>
+          <a:lstStyle/>
+          <a:p>
+            <a:r>
+              <a:rPr lang="de-DE" dirty="0" smtClean="0"/>
+              <a:t>Fazit</a:t>
+            </a:r>
+            <a:endParaRPr lang="de-DE" dirty="0"/>
+          </a:p>
+        </p:txBody>
+      </p:sp>
+      <p:sp>
+        <p:nvSpPr>
+          <p:cNvPr id="7" name="Textplatzhalter 6"/>
+          <p:cNvSpPr>
+            <a:spLocks noGrp="1"/>
+          </p:cNvSpPr>
+          <p:nvPr>
+            <p:ph type="body" sz="quarter" idx="15"/>
+          </p:nvPr>
+        </p:nvSpPr>
+        <p:spPr/>
+        <p:txBody>
+          <a:bodyPr>
+            <a:normAutofit fontScale="92500"/>
+          </a:bodyPr>
+          <a:lstStyle/>
+          <a:p>
+            <a:r>
+              <a:rPr lang="de-DE" dirty="0" smtClean="0"/>
+              <a:t>Kommunikation</a:t>
+            </a:r>
+            <a:endParaRPr lang="de-DE" dirty="0"/>
+          </a:p>
+        </p:txBody>
+      </p:sp>
+      <p:sp>
+        <p:nvSpPr>
+          <p:cNvPr id="8" name="Textplatzhalter 7"/>
+          <p:cNvSpPr>
+            <a:spLocks noGrp="1"/>
+          </p:cNvSpPr>
+          <p:nvPr>
+            <p:ph type="body" sz="quarter" idx="16"/>
+          </p:nvPr>
+        </p:nvSpPr>
+        <p:spPr/>
+        <p:txBody>
+          <a:bodyPr/>
+          <a:lstStyle/>
+          <a:p>
+            <a:r>
+              <a:rPr lang="de-DE" dirty="0" smtClean="0"/>
+              <a:t>3/3</a:t>
+            </a:r>
+            <a:endParaRPr lang="de-DE" dirty="0"/>
+          </a:p>
+        </p:txBody>
+      </p:sp>
+      <p:grpSp>
+        <p:nvGrpSpPr>
+          <p:cNvPr id="12" name="Gruppieren 11"/>
+          <p:cNvGrpSpPr/>
+          <p:nvPr/>
+        </p:nvGrpSpPr>
+        <p:grpSpPr>
+          <a:xfrm>
+            <a:off x="1364338" y="2042009"/>
+            <a:ext cx="1873975" cy="2962664"/>
+            <a:chOff x="1059544" y="2336805"/>
+            <a:chExt cx="1873975" cy="2962664"/>
+          </a:xfrm>
+        </p:grpSpPr>
+        <p:grpSp>
+          <p:nvGrpSpPr>
+            <p:cNvPr id="10" name="Gruppieren 9"/>
+            <p:cNvGrpSpPr/>
+            <p:nvPr/>
+          </p:nvGrpSpPr>
+          <p:grpSpPr>
+            <a:xfrm>
+              <a:off x="1233695" y="3300211"/>
+              <a:ext cx="1538514" cy="1999258"/>
+              <a:chOff x="943410" y="2802731"/>
+              <a:chExt cx="1538514" cy="1999258"/>
+            </a:xfrm>
+          </p:grpSpPr>
+          <p:pic>
+            <p:nvPicPr>
+              <p:cNvPr id="9" name="Grafik 8"/>
+              <p:cNvPicPr>
+                <a:picLocks noChangeAspect="1"/>
+              </p:cNvPicPr>
+              <p:nvPr/>
+            </p:nvPicPr>
+            <p:blipFill>
+              <a:blip r:embed="rId2">
+                <a:extLst>
+                  <a:ext uri="{28A0092B-C50C-407E-A947-70E740481C1C}">
+                    <a14:useLocalDpi xmlns:a14="http://schemas.microsoft.com/office/drawing/2010/main" val="0"/>
+                  </a:ext>
+                </a:extLst>
+              </a:blip>
+              <a:stretch>
+                <a:fillRect/>
+              </a:stretch>
+            </p:blipFill>
+            <p:spPr>
+              <a:xfrm>
+                <a:off x="1060204" y="2802731"/>
+                <a:ext cx="1304925" cy="1252538"/>
+              </a:xfrm>
+              <a:prstGeom prst="rect">
+                <a:avLst/>
+              </a:prstGeom>
+            </p:spPr>
+          </p:pic>
+          <p:pic>
+            <p:nvPicPr>
+              <p:cNvPr id="3" name="Grafik 2"/>
+              <p:cNvPicPr>
+                <a:picLocks noChangeAspect="1"/>
+              </p:cNvPicPr>
+              <p:nvPr/>
+            </p:nvPicPr>
+            <p:blipFill>
+              <a:blip r:embed="rId3" cstate="print">
+                <a:extLst>
+                  <a:ext uri="{28A0092B-C50C-407E-A947-70E740481C1C}">
+                    <a14:useLocalDpi xmlns:a14="http://schemas.microsoft.com/office/drawing/2010/main" val="0"/>
+                  </a:ext>
+                </a:extLst>
+              </a:blip>
+              <a:stretch>
+                <a:fillRect/>
+              </a:stretch>
+            </p:blipFill>
+            <p:spPr>
+              <a:xfrm>
+                <a:off x="943410" y="4055269"/>
+                <a:ext cx="1538514" cy="746720"/>
+              </a:xfrm>
+              <a:prstGeom prst="rect">
+                <a:avLst/>
+              </a:prstGeom>
+            </p:spPr>
+          </p:pic>
+        </p:grpSp>
+        <p:sp>
+          <p:nvSpPr>
+            <p:cNvPr id="11" name="Textfeld 10"/>
+            <p:cNvSpPr txBox="1"/>
+            <p:nvPr/>
+          </p:nvSpPr>
+          <p:spPr>
+            <a:xfrm>
+              <a:off x="1059544" y="2336805"/>
+              <a:ext cx="1873975" cy="461665"/>
+            </a:xfrm>
+            <a:prstGeom prst="rect">
+              <a:avLst/>
+            </a:prstGeom>
+            <a:noFill/>
+          </p:spPr>
+          <p:txBody>
+            <a:bodyPr wrap="none" rtlCol="0">
+              <a:spAutoFit/>
+            </a:bodyPr>
+            <a:lstStyle/>
+            <a:p>
+              <a:r>
+                <a:rPr lang="de-DE" sz="2400" dirty="0" smtClean="0"/>
+                <a:t>Initialversion:</a:t>
+              </a:r>
+              <a:endParaRPr lang="de-DE" sz="2400" dirty="0"/>
+            </a:p>
+          </p:txBody>
+        </p:sp>
+      </p:grpSp>
+      <p:sp>
+        <p:nvSpPr>
+          <p:cNvPr id="13" name="Pfeil nach rechts 12"/>
+          <p:cNvSpPr/>
+          <p:nvPr/>
+        </p:nvSpPr>
+        <p:spPr>
+          <a:xfrm rot="21116171">
+            <a:off x="3232431" y="2847331"/>
+            <a:ext cx="3551269" cy="458722"/>
+          </a:xfrm>
+          <a:prstGeom prst="rightArrow">
+            <a:avLst>
+              <a:gd name="adj1" fmla="val 50000"/>
+              <a:gd name="adj2" fmla="val 142182"/>
+            </a:avLst>
+          </a:prstGeom>
+          <a:solidFill>
+            <a:srgbClr val="7030A0"/>
+          </a:solidFill>
+          <a:ln>
+            <a:noFill/>
+          </a:ln>
+        </p:spPr>
+        <p:style>
+          <a:lnRef idx="2">
+            <a:schemeClr val="accent1">
+              <a:shade val="50000"/>
+            </a:schemeClr>
+          </a:lnRef>
+          <a:fillRef idx="1">
+            <a:schemeClr val="accent1"/>
+          </a:fillRef>
+          <a:effectRef idx="0">
+            <a:schemeClr val="accent1"/>
+          </a:effectRef>
+          <a:fontRef idx="minor">
+            <a:schemeClr val="lt1"/>
+          </a:fontRef>
+        </p:style>
+        <p:txBody>
+          <a:bodyPr rtlCol="0" anchor="ctr"/>
+          <a:lstStyle/>
+          <a:p>
+            <a:pPr algn="ctr"/>
+            <a:endParaRPr lang="de-DE"/>
+          </a:p>
+        </p:txBody>
+      </p:sp>
+      <p:sp>
+        <p:nvSpPr>
+          <p:cNvPr id="14" name="Pfeil nach rechts 13"/>
+          <p:cNvSpPr/>
+          <p:nvPr/>
+        </p:nvSpPr>
+        <p:spPr>
+          <a:xfrm rot="379258">
+            <a:off x="3232181" y="4627176"/>
+            <a:ext cx="3581706" cy="458722"/>
+          </a:xfrm>
+          <a:prstGeom prst="rightArrow">
+            <a:avLst>
+              <a:gd name="adj1" fmla="val 50000"/>
+              <a:gd name="adj2" fmla="val 142182"/>
+            </a:avLst>
+          </a:prstGeom>
+          <a:solidFill>
+            <a:srgbClr val="7030A0"/>
+          </a:solidFill>
+          <a:ln>
+            <a:noFill/>
+          </a:ln>
+        </p:spPr>
+        <p:style>
+          <a:lnRef idx="2">
+            <a:schemeClr val="accent1">
+              <a:shade val="50000"/>
+            </a:schemeClr>
+          </a:lnRef>
+          <a:fillRef idx="1">
+            <a:schemeClr val="accent1"/>
+          </a:fillRef>
+          <a:effectRef idx="0">
+            <a:schemeClr val="accent1"/>
+          </a:effectRef>
+          <a:fontRef idx="minor">
+            <a:schemeClr val="lt1"/>
+          </a:fontRef>
+        </p:style>
+        <p:txBody>
+          <a:bodyPr rtlCol="0" anchor="ctr"/>
+          <a:lstStyle/>
+          <a:p>
+            <a:pPr algn="ctr"/>
+            <a:endParaRPr lang="de-DE"/>
+          </a:p>
+        </p:txBody>
+      </p:sp>
+      <p:sp>
+        <p:nvSpPr>
+          <p:cNvPr id="15" name="Pfeil nach rechts 14"/>
+          <p:cNvSpPr/>
+          <p:nvPr/>
+        </p:nvSpPr>
+        <p:spPr>
+          <a:xfrm>
+            <a:off x="3262176" y="3742798"/>
+            <a:ext cx="3566076" cy="458722"/>
+          </a:xfrm>
+          <a:prstGeom prst="rightArrow">
+            <a:avLst>
+              <a:gd name="adj1" fmla="val 50000"/>
+              <a:gd name="adj2" fmla="val 142182"/>
+            </a:avLst>
+          </a:prstGeom>
+          <a:solidFill>
+            <a:srgbClr val="7030A0"/>
+          </a:solidFill>
+          <a:ln>
+            <a:noFill/>
+          </a:ln>
+        </p:spPr>
+        <p:style>
+          <a:lnRef idx="2">
+            <a:schemeClr val="accent1">
+              <a:shade val="50000"/>
+            </a:schemeClr>
+          </a:lnRef>
+          <a:fillRef idx="1">
+            <a:schemeClr val="accent1"/>
+          </a:fillRef>
+          <a:effectRef idx="0">
+            <a:schemeClr val="accent1"/>
+          </a:effectRef>
+          <a:fontRef idx="minor">
+            <a:schemeClr val="lt1"/>
+          </a:fontRef>
+        </p:style>
+        <p:txBody>
+          <a:bodyPr rtlCol="0" anchor="ctr"/>
+          <a:lstStyle/>
+          <a:p>
+            <a:pPr algn="ctr"/>
+            <a:endParaRPr lang="de-DE"/>
+          </a:p>
+        </p:txBody>
+      </p:sp>
+      <p:grpSp>
+        <p:nvGrpSpPr>
+          <p:cNvPr id="22" name="Gruppieren 21"/>
+          <p:cNvGrpSpPr/>
+          <p:nvPr/>
+        </p:nvGrpSpPr>
+        <p:grpSpPr>
+          <a:xfrm>
+            <a:off x="7126401" y="2769774"/>
+            <a:ext cx="3527958" cy="2341361"/>
+            <a:chOff x="6821607" y="2711718"/>
+            <a:chExt cx="3527958" cy="2341361"/>
+          </a:xfrm>
+        </p:grpSpPr>
+        <p:pic>
+          <p:nvPicPr>
+            <p:cNvPr id="16" name="Grafik 15"/>
+            <p:cNvPicPr>
+              <a:picLocks noChangeAspect="1"/>
+            </p:cNvPicPr>
+            <p:nvPr/>
+          </p:nvPicPr>
+          <p:blipFill>
+            <a:blip r:embed="rId4" cstate="print">
+              <a:extLst>
+                <a:ext uri="{28A0092B-C50C-407E-A947-70E740481C1C}">
+                  <a14:useLocalDpi xmlns:a14="http://schemas.microsoft.com/office/drawing/2010/main" val="0"/>
+                </a:ext>
+              </a:extLst>
+            </a:blip>
+            <a:stretch>
+              <a:fillRect/>
+            </a:stretch>
+          </p:blipFill>
+          <p:spPr>
+            <a:xfrm>
+              <a:off x="6821607" y="3877529"/>
+              <a:ext cx="1749156" cy="1164938"/>
+            </a:xfrm>
+            <a:prstGeom prst="rect">
+              <a:avLst/>
+            </a:prstGeom>
+          </p:spPr>
+        </p:pic>
+        <p:pic>
+          <p:nvPicPr>
+            <p:cNvPr id="17" name="Grafik 16"/>
+            <p:cNvPicPr>
+              <a:picLocks noChangeAspect="1"/>
+            </p:cNvPicPr>
+            <p:nvPr/>
+          </p:nvPicPr>
+          <p:blipFill>
+            <a:blip r:embed="rId5" cstate="print">
+              <a:extLst>
+                <a:ext uri="{28A0092B-C50C-407E-A947-70E740481C1C}">
+                  <a14:useLocalDpi xmlns:a14="http://schemas.microsoft.com/office/drawing/2010/main" val="0"/>
+                </a:ext>
+              </a:extLst>
+            </a:blip>
+            <a:stretch>
+              <a:fillRect/>
+            </a:stretch>
+          </p:blipFill>
+          <p:spPr>
+            <a:xfrm>
+              <a:off x="6821607" y="2711718"/>
+              <a:ext cx="1749156" cy="1165812"/>
+            </a:xfrm>
+            <a:prstGeom prst="rect">
+              <a:avLst/>
+            </a:prstGeom>
+          </p:spPr>
+        </p:pic>
+        <p:pic>
+          <p:nvPicPr>
+            <p:cNvPr id="18" name="Grafik 17"/>
+            <p:cNvPicPr>
+              <a:picLocks noChangeAspect="1"/>
+            </p:cNvPicPr>
+            <p:nvPr/>
+          </p:nvPicPr>
+          <p:blipFill>
+            <a:blip r:embed="rId6" cstate="print">
+              <a:extLst>
+                <a:ext uri="{28A0092B-C50C-407E-A947-70E740481C1C}">
+                  <a14:useLocalDpi xmlns:a14="http://schemas.microsoft.com/office/drawing/2010/main" val="0"/>
+                </a:ext>
+              </a:extLst>
+            </a:blip>
+            <a:stretch>
+              <a:fillRect/>
+            </a:stretch>
+          </p:blipFill>
+          <p:spPr>
+            <a:xfrm>
+              <a:off x="8570763" y="3877530"/>
+              <a:ext cx="1765089" cy="1175549"/>
+            </a:xfrm>
+            <a:prstGeom prst="rect">
+              <a:avLst/>
+            </a:prstGeom>
+          </p:spPr>
+        </p:pic>
+        <p:pic>
+          <p:nvPicPr>
+            <p:cNvPr id="19" name="Grafik 18"/>
+            <p:cNvPicPr>
+              <a:picLocks noChangeAspect="1"/>
+            </p:cNvPicPr>
+            <p:nvPr/>
+          </p:nvPicPr>
+          <p:blipFill>
+            <a:blip r:embed="rId7" cstate="print">
+              <a:extLst>
+                <a:ext uri="{28A0092B-C50C-407E-A947-70E740481C1C}">
+                  <a14:useLocalDpi xmlns:a14="http://schemas.microsoft.com/office/drawing/2010/main" val="0"/>
+                </a:ext>
+              </a:extLst>
+            </a:blip>
+            <a:stretch>
+              <a:fillRect/>
+            </a:stretch>
+          </p:blipFill>
+          <p:spPr>
+            <a:xfrm>
+              <a:off x="8570763" y="2711718"/>
+              <a:ext cx="1778802" cy="1234489"/>
+            </a:xfrm>
+            <a:prstGeom prst="rect">
+              <a:avLst/>
+            </a:prstGeom>
+          </p:spPr>
+        </p:pic>
+      </p:grpSp>
+      <p:sp>
+        <p:nvSpPr>
+          <p:cNvPr id="20" name="Textfeld 19"/>
+          <p:cNvSpPr txBox="1"/>
+          <p:nvPr/>
+        </p:nvSpPr>
+        <p:spPr>
+          <a:xfrm>
+            <a:off x="4272126" y="2042009"/>
+            <a:ext cx="1471878" cy="461665"/>
+          </a:xfrm>
+          <a:prstGeom prst="rect">
+            <a:avLst/>
+          </a:prstGeom>
+          <a:noFill/>
+        </p:spPr>
+        <p:txBody>
+          <a:bodyPr wrap="none" rtlCol="0">
+            <a:spAutoFit/>
+          </a:bodyPr>
+          <a:lstStyle/>
+          <a:p>
+            <a:r>
+              <a:rPr lang="de-DE" sz="2400" dirty="0" smtClean="0"/>
+              <a:t>bei Bedarf</a:t>
+            </a:r>
+            <a:endParaRPr lang="de-DE" sz="2400" dirty="0"/>
+          </a:p>
+        </p:txBody>
+      </p:sp>
+      <p:sp>
+        <p:nvSpPr>
+          <p:cNvPr id="21" name="Textfeld 20"/>
+          <p:cNvSpPr txBox="1"/>
+          <p:nvPr/>
+        </p:nvSpPr>
+        <p:spPr>
+          <a:xfrm>
+            <a:off x="7233985" y="2042007"/>
+            <a:ext cx="3283143" cy="461665"/>
+          </a:xfrm>
+          <a:prstGeom prst="rect">
+            <a:avLst/>
+          </a:prstGeom>
+          <a:noFill/>
+        </p:spPr>
+        <p:txBody>
+          <a:bodyPr wrap="none" rtlCol="0">
+            <a:spAutoFit/>
+          </a:bodyPr>
+          <a:lstStyle/>
+          <a:p>
+            <a:r>
+              <a:rPr lang="de-DE" sz="2400" dirty="0" smtClean="0"/>
+              <a:t>Lokalisation und Support</a:t>
+            </a:r>
+            <a:endParaRPr lang="de-DE" sz="2400" dirty="0"/>
+          </a:p>
+        </p:txBody>
+      </p:sp>
+    </p:spTree>
+    <p:extLst>
+      <p:ext uri="{BB962C8B-B14F-4D97-AF65-F5344CB8AC3E}">
+        <p14:creationId xmlns:p14="http://schemas.microsoft.com/office/powerpoint/2010/main" val="3506126091"/>
+      </p:ext>
+    </p:extLst>
+  </p:cSld>
+  <p:clrMapOvr>
+    <a:masterClrMapping/>
+  </p:clrMapOvr>
+</p:sld>
+</file>
+
+<file path=ppt/slides/slide21.xml><?xml version="1.0" encoding="utf-8"?>
 <p:sld xmlns:a="http://schemas.openxmlformats.org/drawingml/2006/main" xmlns:r="http://schemas.openxmlformats.org/officeDocument/2006/relationships" xmlns:p="http://schemas.openxmlformats.org/presentationml/2006/main">
   <p:cSld>
     <p:spTree>
@@ -10487,184 +15917,6 @@
   <p:clrMapOvr>
     <a:masterClrMapping/>
   </p:clrMapOvr>
-</p:sld>
-</file>
-
-<file path=ppt/slides/slide2.xml><?xml version="1.0" encoding="utf-8"?>
-<p:sld xmlns:a="http://schemas.openxmlformats.org/drawingml/2006/main" xmlns:r="http://schemas.openxmlformats.org/officeDocument/2006/relationships" xmlns:p="http://schemas.openxmlformats.org/presentationml/2006/main">
-  <p:cSld>
-    <p:spTree>
-      <p:nvGrpSpPr>
-        <p:cNvPr id="1" name=""/>
-        <p:cNvGrpSpPr/>
-        <p:nvPr/>
-      </p:nvGrpSpPr>
-      <p:grpSpPr>
-        <a:xfrm>
-          <a:off x="0" y="0"/>
-          <a:ext cx="0" cy="0"/>
-          <a:chOff x="0" y="0"/>
-          <a:chExt cx="0" cy="0"/>
-        </a:xfrm>
-      </p:grpSpPr>
-      <p:sp>
-        <p:nvSpPr>
-          <p:cNvPr id="9" name="Titel 8"/>
-          <p:cNvSpPr>
-            <a:spLocks noGrp="1"/>
-          </p:cNvSpPr>
-          <p:nvPr>
-            <p:ph type="title"/>
-          </p:nvPr>
-        </p:nvSpPr>
-        <p:spPr/>
-        <p:txBody>
-          <a:bodyPr/>
-          <a:lstStyle/>
-          <a:p>
-            <a:r>
-              <a:rPr lang="de-DE" dirty="0" smtClean="0"/>
-              <a:t>Gliederung</a:t>
-            </a:r>
-            <a:endParaRPr lang="de-DE" dirty="0"/>
-          </a:p>
-        </p:txBody>
-      </p:sp>
-      <p:sp>
-        <p:nvSpPr>
-          <p:cNvPr id="10" name="Inhaltsplatzhalter 9"/>
-          <p:cNvSpPr>
-            <a:spLocks noGrp="1"/>
-          </p:cNvSpPr>
-          <p:nvPr>
-            <p:ph idx="1"/>
-          </p:nvPr>
-        </p:nvSpPr>
-        <p:spPr/>
-        <p:txBody>
-          <a:bodyPr/>
-          <a:lstStyle/>
-          <a:p>
-            <a:r>
-              <a:rPr lang="de-DE" dirty="0" smtClean="0"/>
-              <a:t>Projektplanung</a:t>
-            </a:r>
-          </a:p>
-          <a:p>
-            <a:endParaRPr lang="de-DE" dirty="0" smtClean="0"/>
-          </a:p>
-          <a:p>
-            <a:r>
-              <a:rPr lang="de-DE" dirty="0" smtClean="0"/>
-              <a:t>Marktanalyse</a:t>
-            </a:r>
-          </a:p>
-          <a:p>
-            <a:r>
-              <a:rPr lang="de-DE" dirty="0" smtClean="0"/>
-              <a:t>Marketingstrategie/-ziele</a:t>
-            </a:r>
-          </a:p>
-          <a:p>
-            <a:r>
-              <a:rPr lang="de-DE" dirty="0" smtClean="0"/>
-              <a:t>Marketingmix</a:t>
-            </a:r>
-          </a:p>
-          <a:p>
-            <a:endParaRPr lang="de-DE" dirty="0" smtClean="0"/>
-          </a:p>
-          <a:p>
-            <a:r>
-              <a:rPr lang="de-DE" dirty="0" smtClean="0"/>
-              <a:t>Fazit</a:t>
-            </a:r>
-            <a:endParaRPr lang="de-DE" dirty="0"/>
-          </a:p>
-        </p:txBody>
-      </p:sp>
-      <p:sp>
-        <p:nvSpPr>
-          <p:cNvPr id="11" name="Inhaltsplatzhalter 10"/>
-          <p:cNvSpPr>
-            <a:spLocks noGrp="1"/>
-          </p:cNvSpPr>
-          <p:nvPr>
-            <p:ph sz="quarter" idx="12"/>
-          </p:nvPr>
-        </p:nvSpPr>
-        <p:spPr/>
-        <p:txBody>
-          <a:bodyPr/>
-          <a:lstStyle/>
-          <a:p>
-            <a:endParaRPr lang="de-DE"/>
-          </a:p>
-        </p:txBody>
-      </p:sp>
-      <p:sp>
-        <p:nvSpPr>
-          <p:cNvPr id="12" name="Inhaltsplatzhalter 11"/>
-          <p:cNvSpPr>
-            <a:spLocks noGrp="1"/>
-          </p:cNvSpPr>
-          <p:nvPr>
-            <p:ph sz="quarter" idx="13"/>
-          </p:nvPr>
-        </p:nvSpPr>
-        <p:spPr/>
-        <p:txBody>
-          <a:bodyPr/>
-          <a:lstStyle/>
-          <a:p>
-            <a:r>
-              <a:rPr lang="de-DE" dirty="0" smtClean="0"/>
-              <a:t>Gliederung</a:t>
-            </a:r>
-            <a:endParaRPr lang="de-DE" dirty="0"/>
-          </a:p>
-        </p:txBody>
-      </p:sp>
-      <p:sp>
-        <p:nvSpPr>
-          <p:cNvPr id="13" name="Inhaltsplatzhalter 12"/>
-          <p:cNvSpPr>
-            <a:spLocks noGrp="1"/>
-          </p:cNvSpPr>
-          <p:nvPr>
-            <p:ph sz="quarter" idx="14"/>
-          </p:nvPr>
-        </p:nvSpPr>
-        <p:spPr/>
-        <p:txBody>
-          <a:bodyPr/>
-          <a:lstStyle/>
-          <a:p>
-            <a:r>
-              <a:rPr lang="de-DE" dirty="0" smtClean="0"/>
-              <a:t>Projektplanung</a:t>
-            </a:r>
-            <a:endParaRPr lang="de-DE" dirty="0"/>
-          </a:p>
-        </p:txBody>
-      </p:sp>
-    </p:spTree>
-    <p:extLst>
-      <p:ext uri="{BB962C8B-B14F-4D97-AF65-F5344CB8AC3E}">
-        <p14:creationId xmlns:p14="http://schemas.microsoft.com/office/powerpoint/2010/main" val="3767515842"/>
-      </p:ext>
-    </p:extLst>
-  </p:cSld>
-  <p:clrMapOvr>
-    <a:masterClrMapping/>
-  </p:clrMapOvr>
-  <p:timing>
-    <p:tnLst>
-      <p:par>
-        <p:cTn id="1" dur="indefinite" restart="never" nodeType="tmRoot"/>
-      </p:par>
-    </p:tnLst>
-  </p:timing>
 </p:sld>
 </file>
 
@@ -12275,7 +17527,7 @@
   <a:extraClrSchemeLst/>
   <a:extLst>
     <a:ext uri="{05A4C25C-085E-4340-85A3-A5531E510DB2}">
-      <thm15:themeFamily xmlns="" xmlns:thm15="http://schemas.microsoft.com/office/thememl/2012/main" name="Office Theme" id="{62F939B6-93AF-4DB8-9C6B-D6C7DFDC589F}" vid="{4A3C46E8-61CC-4603-A589-7422A47A8E4A}"/>
+      <thm15:themeFamily xmlns:thm15="http://schemas.microsoft.com/office/thememl/2012/main" xmlns="" name="Office Theme" id="{62F939B6-93AF-4DB8-9C6B-D6C7DFDC589F}" vid="{4A3C46E8-61CC-4603-A589-7422A47A8E4A}"/>
     </a:ext>
   </a:extLst>
 </a:theme>
